--- a/slides/QLS-MiCM Statistics in R Fall 2024.pptx
+++ b/slides/QLS-MiCM Statistics in R Fall 2024.pptx
@@ -163,7 +163,7 @@
 <file path=ppt/revisionInfo.xml><?xml version="1.0" encoding="utf-8"?>
 <p1510:revInfo xmlns:a="http://schemas.openxmlformats.org/drawingml/2006/main" xmlns:r="http://schemas.openxmlformats.org/officeDocument/2006/relationships" xmlns:p1510="http://schemas.microsoft.com/office/powerpoint/2015/10/main">
   <p1510:revLst>
-    <p1510:client id="{68D50CE0-6F29-49CE-9181-508326FA075A}" v="1127" dt="2024-11-17T21:46:14.534"/>
+    <p1510:client id="{68D50CE0-6F29-49CE-9181-508326FA075A}" v="1150" dt="2024-11-18T14:07:58.769"/>
   </p1510:revLst>
 </p1510:revInfo>
 </file>
@@ -173,7 +173,7 @@
   <pc:docChgLst>
     <pc:chgData name="Adrien Osakwe" userId="7a3e290c-eb83-484b-8e3d-d46ef2333477" providerId="ADAL" clId="{68D50CE0-6F29-49CE-9181-508326FA075A}"/>
     <pc:docChg chg="undo redo custSel addSld delSld modSld sldOrd modMainMaster">
-      <pc:chgData name="Adrien Osakwe" userId="7a3e290c-eb83-484b-8e3d-d46ef2333477" providerId="ADAL" clId="{68D50CE0-6F29-49CE-9181-508326FA075A}" dt="2024-11-17T22:44:24.210" v="11530" actId="27636"/>
+      <pc:chgData name="Adrien Osakwe" userId="7a3e290c-eb83-484b-8e3d-d46ef2333477" providerId="ADAL" clId="{68D50CE0-6F29-49CE-9181-508326FA075A}" dt="2024-11-18T14:09:00.512" v="11571" actId="20577"/>
       <pc:docMkLst>
         <pc:docMk/>
       </pc:docMkLst>
@@ -535,7 +535,7 @@
         </pc:spChg>
       </pc:sldChg>
       <pc:sldChg chg="addSp delSp modSp new mod delAnim modAnim">
-        <pc:chgData name="Adrien Osakwe" userId="7a3e290c-eb83-484b-8e3d-d46ef2333477" providerId="ADAL" clId="{68D50CE0-6F29-49CE-9181-508326FA075A}" dt="2024-11-17T14:18:20.633" v="5336" actId="207"/>
+        <pc:chgData name="Adrien Osakwe" userId="7a3e290c-eb83-484b-8e3d-d46ef2333477" providerId="ADAL" clId="{68D50CE0-6F29-49CE-9181-508326FA075A}" dt="2024-11-18T14:08:01.634" v="11569" actId="1076"/>
         <pc:sldMkLst>
           <pc:docMk/>
           <pc:sldMk cId="401542667" sldId="455"/>
@@ -565,7 +565,7 @@
           </ac:spMkLst>
         </pc:spChg>
         <pc:spChg chg="add mod">
-          <ac:chgData name="Adrien Osakwe" userId="7a3e290c-eb83-484b-8e3d-d46ef2333477" providerId="ADAL" clId="{68D50CE0-6F29-49CE-9181-508326FA075A}" dt="2024-11-17T14:18:12.463" v="5308" actId="1035"/>
+          <ac:chgData name="Adrien Osakwe" userId="7a3e290c-eb83-484b-8e3d-d46ef2333477" providerId="ADAL" clId="{68D50CE0-6F29-49CE-9181-508326FA075A}" dt="2024-11-18T14:07:48.199" v="11565" actId="1076"/>
           <ac:spMkLst>
             <pc:docMk/>
             <pc:sldMk cId="401542667" sldId="455"/>
@@ -581,7 +581,7 @@
           </ac:spMkLst>
         </pc:spChg>
         <pc:spChg chg="add mod">
-          <ac:chgData name="Adrien Osakwe" userId="7a3e290c-eb83-484b-8e3d-d46ef2333477" providerId="ADAL" clId="{68D50CE0-6F29-49CE-9181-508326FA075A}" dt="2024-11-17T14:18:16.552" v="5335" actId="1035"/>
+          <ac:chgData name="Adrien Osakwe" userId="7a3e290c-eb83-484b-8e3d-d46ef2333477" providerId="ADAL" clId="{68D50CE0-6F29-49CE-9181-508326FA075A}" dt="2024-11-18T14:07:52.615" v="11566" actId="1076"/>
           <ac:spMkLst>
             <pc:docMk/>
             <pc:sldMk cId="401542667" sldId="455"/>
@@ -589,7 +589,7 @@
           </ac:spMkLst>
         </pc:spChg>
         <pc:spChg chg="add mod">
-          <ac:chgData name="Adrien Osakwe" userId="7a3e290c-eb83-484b-8e3d-d46ef2333477" providerId="ADAL" clId="{68D50CE0-6F29-49CE-9181-508326FA075A}" dt="2024-11-17T14:18:07.069" v="5281" actId="1036"/>
+          <ac:chgData name="Adrien Osakwe" userId="7a3e290c-eb83-484b-8e3d-d46ef2333477" providerId="ADAL" clId="{68D50CE0-6F29-49CE-9181-508326FA075A}" dt="2024-11-18T14:08:01.634" v="11569" actId="1076"/>
           <ac:spMkLst>
             <pc:docMk/>
             <pc:sldMk cId="401542667" sldId="455"/>
@@ -614,7 +614,7 @@
         </pc:picChg>
       </pc:sldChg>
       <pc:sldChg chg="addSp delSp modSp add mod ord">
-        <pc:chgData name="Adrien Osakwe" userId="7a3e290c-eb83-484b-8e3d-d46ef2333477" providerId="ADAL" clId="{68D50CE0-6F29-49CE-9181-508326FA075A}" dt="2024-11-17T22:44:00.823" v="11520"/>
+        <pc:chgData name="Adrien Osakwe" userId="7a3e290c-eb83-484b-8e3d-d46ef2333477" providerId="ADAL" clId="{68D50CE0-6F29-49CE-9181-508326FA075A}" dt="2024-11-18T14:06:49.152" v="11542" actId="1076"/>
         <pc:sldMkLst>
           <pc:docMk/>
           <pc:sldMk cId="3210398204" sldId="456"/>
@@ -652,7 +652,7 @@
           </ac:spMkLst>
         </pc:spChg>
         <pc:spChg chg="add mod">
-          <ac:chgData name="Adrien Osakwe" userId="7a3e290c-eb83-484b-8e3d-d46ef2333477" providerId="ADAL" clId="{68D50CE0-6F29-49CE-9181-508326FA075A}" dt="2024-11-15T20:50:45.907" v="1715" actId="14100"/>
+          <ac:chgData name="Adrien Osakwe" userId="7a3e290c-eb83-484b-8e3d-d46ef2333477" providerId="ADAL" clId="{68D50CE0-6F29-49CE-9181-508326FA075A}" dt="2024-11-18T14:06:49.152" v="11542" actId="1076"/>
           <ac:spMkLst>
             <pc:docMk/>
             <pc:sldMk cId="3210398204" sldId="456"/>
@@ -807,7 +807,7 @@
         </pc:spChg>
       </pc:sldChg>
       <pc:sldChg chg="addSp modSp new mod ord">
-        <pc:chgData name="Adrien Osakwe" userId="7a3e290c-eb83-484b-8e3d-d46ef2333477" providerId="ADAL" clId="{68D50CE0-6F29-49CE-9181-508326FA075A}" dt="2024-11-17T22:44:00.823" v="11520"/>
+        <pc:chgData name="Adrien Osakwe" userId="7a3e290c-eb83-484b-8e3d-d46ef2333477" providerId="ADAL" clId="{68D50CE0-6F29-49CE-9181-508326FA075A}" dt="2024-11-18T14:06:45.705" v="11541" actId="1076"/>
         <pc:sldMkLst>
           <pc:docMk/>
           <pc:sldMk cId="3144204626" sldId="462"/>
@@ -826,6 +826,14 @@
             <pc:docMk/>
             <pc:sldMk cId="3144204626" sldId="462"/>
             <ac:spMk id="3" creationId="{7A07AE36-5E06-9DEF-ECA1-F930F4750B71}"/>
+          </ac:spMkLst>
+        </pc:spChg>
+        <pc:spChg chg="add mod">
+          <ac:chgData name="Adrien Osakwe" userId="7a3e290c-eb83-484b-8e3d-d46ef2333477" providerId="ADAL" clId="{68D50CE0-6F29-49CE-9181-508326FA075A}" dt="2024-11-18T14:06:45.705" v="11541" actId="1076"/>
+          <ac:spMkLst>
+            <pc:docMk/>
+            <pc:sldMk cId="3144204626" sldId="462"/>
+            <ac:spMk id="4" creationId="{23CB9418-4352-4A18-14DA-D2210AD640F5}"/>
           </ac:spMkLst>
         </pc:spChg>
         <pc:spChg chg="add mod">
@@ -901,7 +909,7 @@
         </pc:picChg>
       </pc:sldChg>
       <pc:sldChg chg="addSp modSp new mod ord">
-        <pc:chgData name="Adrien Osakwe" userId="7a3e290c-eb83-484b-8e3d-d46ef2333477" providerId="ADAL" clId="{68D50CE0-6F29-49CE-9181-508326FA075A}" dt="2024-11-17T22:44:00.823" v="11520"/>
+        <pc:chgData name="Adrien Osakwe" userId="7a3e290c-eb83-484b-8e3d-d46ef2333477" providerId="ADAL" clId="{68D50CE0-6F29-49CE-9181-508326FA075A}" dt="2024-11-18T14:06:55.253" v="11544" actId="1076"/>
         <pc:sldMkLst>
           <pc:docMk/>
           <pc:sldMk cId="2149742431" sldId="464"/>
@@ -920,6 +928,14 @@
             <pc:docMk/>
             <pc:sldMk cId="2149742431" sldId="464"/>
             <ac:spMk id="3" creationId="{E56E5F35-486D-2829-B9FA-3C65618EAC67}"/>
+          </ac:spMkLst>
+        </pc:spChg>
+        <pc:spChg chg="add mod">
+          <ac:chgData name="Adrien Osakwe" userId="7a3e290c-eb83-484b-8e3d-d46ef2333477" providerId="ADAL" clId="{68D50CE0-6F29-49CE-9181-508326FA075A}" dt="2024-11-18T14:06:55.253" v="11544" actId="1076"/>
+          <ac:spMkLst>
+            <pc:docMk/>
+            <pc:sldMk cId="2149742431" sldId="464"/>
+            <ac:spMk id="4" creationId="{C9987633-8BE3-51B9-3898-18111D607817}"/>
           </ac:spMkLst>
         </pc:spChg>
         <pc:picChg chg="add mod">
@@ -1142,7 +1158,7 @@
         </pc:picChg>
       </pc:sldChg>
       <pc:sldChg chg="addSp delSp modSp new mod ord setBg">
-        <pc:chgData name="Adrien Osakwe" userId="7a3e290c-eb83-484b-8e3d-d46ef2333477" providerId="ADAL" clId="{68D50CE0-6F29-49CE-9181-508326FA075A}" dt="2024-11-17T18:17:52.634" v="10655" actId="207"/>
+        <pc:chgData name="Adrien Osakwe" userId="7a3e290c-eb83-484b-8e3d-d46ef2333477" providerId="ADAL" clId="{68D50CE0-6F29-49CE-9181-508326FA075A}" dt="2024-11-18T14:09:00.512" v="11571" actId="20577"/>
         <pc:sldMkLst>
           <pc:docMk/>
           <pc:sldMk cId="1000633892" sldId="471"/>
@@ -1156,7 +1172,7 @@
           </ac:spMkLst>
         </pc:spChg>
         <pc:spChg chg="mod">
-          <ac:chgData name="Adrien Osakwe" userId="7a3e290c-eb83-484b-8e3d-d46ef2333477" providerId="ADAL" clId="{68D50CE0-6F29-49CE-9181-508326FA075A}" dt="2024-11-17T18:17:42.263" v="10654" actId="1076"/>
+          <ac:chgData name="Adrien Osakwe" userId="7a3e290c-eb83-484b-8e3d-d46ef2333477" providerId="ADAL" clId="{68D50CE0-6F29-49CE-9181-508326FA075A}" dt="2024-11-18T14:09:00.512" v="11571" actId="20577"/>
           <ac:spMkLst>
             <pc:docMk/>
             <pc:sldMk cId="1000633892" sldId="471"/>
@@ -1368,7 +1384,7 @@
         </pc:spChg>
       </pc:sldChg>
       <pc:sldChg chg="addSp modSp new mod ord">
-        <pc:chgData name="Adrien Osakwe" userId="7a3e290c-eb83-484b-8e3d-d46ef2333477" providerId="ADAL" clId="{68D50CE0-6F29-49CE-9181-508326FA075A}" dt="2024-11-17T22:44:00.823" v="11520"/>
+        <pc:chgData name="Adrien Osakwe" userId="7a3e290c-eb83-484b-8e3d-d46ef2333477" providerId="ADAL" clId="{68D50CE0-6F29-49CE-9181-508326FA075A}" dt="2024-11-18T14:07:23.745" v="11551" actId="207"/>
         <pc:sldMkLst>
           <pc:docMk/>
           <pc:sldMk cId="223799245" sldId="477"/>
@@ -1382,7 +1398,7 @@
           </ac:spMkLst>
         </pc:spChg>
         <pc:spChg chg="mod">
-          <ac:chgData name="Adrien Osakwe" userId="7a3e290c-eb83-484b-8e3d-d46ef2333477" providerId="ADAL" clId="{68D50CE0-6F29-49CE-9181-508326FA075A}" dt="2024-11-17T14:58:32.309" v="8187" actId="113"/>
+          <ac:chgData name="Adrien Osakwe" userId="7a3e290c-eb83-484b-8e3d-d46ef2333477" providerId="ADAL" clId="{68D50CE0-6F29-49CE-9181-508326FA075A}" dt="2024-11-18T14:07:23.745" v="11551" actId="207"/>
           <ac:spMkLst>
             <pc:docMk/>
             <pc:sldMk cId="223799245" sldId="477"/>
@@ -1399,7 +1415,7 @@
         </pc:picChg>
       </pc:sldChg>
       <pc:sldChg chg="addSp delSp modSp new mod ord">
-        <pc:chgData name="Adrien Osakwe" userId="7a3e290c-eb83-484b-8e3d-d46ef2333477" providerId="ADAL" clId="{68D50CE0-6F29-49CE-9181-508326FA075A}" dt="2024-11-17T22:44:00.823" v="11520"/>
+        <pc:chgData name="Adrien Osakwe" userId="7a3e290c-eb83-484b-8e3d-d46ef2333477" providerId="ADAL" clId="{68D50CE0-6F29-49CE-9181-508326FA075A}" dt="2024-11-18T14:07:07.155" v="11550" actId="1076"/>
         <pc:sldMkLst>
           <pc:docMk/>
           <pc:sldMk cId="105873721" sldId="478"/>
@@ -1418,6 +1434,14 @@
             <pc:docMk/>
             <pc:sldMk cId="105873721" sldId="478"/>
             <ac:spMk id="3" creationId="{19EC5903-E25A-D059-372A-A4D3E633D978}"/>
+          </ac:spMkLst>
+        </pc:spChg>
+        <pc:spChg chg="add mod">
+          <ac:chgData name="Adrien Osakwe" userId="7a3e290c-eb83-484b-8e3d-d46ef2333477" providerId="ADAL" clId="{68D50CE0-6F29-49CE-9181-508326FA075A}" dt="2024-11-18T14:07:07.155" v="11550" actId="1076"/>
+          <ac:spMkLst>
+            <pc:docMk/>
+            <pc:sldMk cId="105873721" sldId="478"/>
+            <ac:spMk id="3" creationId="{FECBCB56-A672-5EBA-677B-22AA947E175B}"/>
           </ac:spMkLst>
         </pc:spChg>
         <pc:picChg chg="add mod">
@@ -1505,6 +1529,36 @@
           </ac:spMkLst>
         </pc:spChg>
       </pc:sldChg>
+      <pc:sldChg chg="addSp delSp modSp new del">
+        <pc:chgData name="Adrien Osakwe" userId="7a3e290c-eb83-484b-8e3d-d46ef2333477" providerId="ADAL" clId="{68D50CE0-6F29-49CE-9181-508326FA075A}" dt="2024-11-18T14:02:00.196" v="11536" actId="47"/>
+        <pc:sldMkLst>
+          <pc:docMk/>
+          <pc:sldMk cId="1318502306" sldId="482"/>
+        </pc:sldMkLst>
+        <pc:picChg chg="add del mod">
+          <ac:chgData name="Adrien Osakwe" userId="7a3e290c-eb83-484b-8e3d-d46ef2333477" providerId="ADAL" clId="{68D50CE0-6F29-49CE-9181-508326FA075A}" dt="2024-11-18T14:01:57.567" v="11535" actId="478"/>
+          <ac:picMkLst>
+            <pc:docMk/>
+            <pc:sldMk cId="1318502306" sldId="482"/>
+            <ac:picMk id="1026" creationId="{D80E448F-73D4-B169-FACA-8666A5C13DB3}"/>
+          </ac:picMkLst>
+        </pc:picChg>
+      </pc:sldChg>
+      <pc:sldChg chg="addSp new del">
+        <pc:chgData name="Adrien Osakwe" userId="7a3e290c-eb83-484b-8e3d-d46ef2333477" providerId="ADAL" clId="{68D50CE0-6F29-49CE-9181-508326FA075A}" dt="2024-11-18T14:05:42.124" v="11539" actId="47"/>
+        <pc:sldMkLst>
+          <pc:docMk/>
+          <pc:sldMk cId="2676420170" sldId="482"/>
+        </pc:sldMkLst>
+        <pc:picChg chg="add">
+          <ac:chgData name="Adrien Osakwe" userId="7a3e290c-eb83-484b-8e3d-d46ef2333477" providerId="ADAL" clId="{68D50CE0-6F29-49CE-9181-508326FA075A}" dt="2024-11-18T14:03:46.781" v="11538"/>
+          <ac:picMkLst>
+            <pc:docMk/>
+            <pc:sldMk cId="2676420170" sldId="482"/>
+            <ac:picMk id="2050" creationId="{3FE50DD0-4BF1-289D-50AC-1AC143289A91}"/>
+          </ac:picMkLst>
+        </pc:picChg>
+      </pc:sldChg>
       <pc:sldMasterChg chg="addSp modSp mod">
         <pc:chgData name="Adrien Osakwe" userId="7a3e290c-eb83-484b-8e3d-d46ef2333477" providerId="ADAL" clId="{68D50CE0-6F29-49CE-9181-508326FA075A}" dt="2024-11-17T01:40:54.280" v="3970" actId="1076"/>
         <pc:sldMasterMkLst>
@@ -1619,7 +1673,7 @@
           <a:p>
             <a:fld id="{9FF74AA5-8A3E-4FDB-94BB-BF4B31CB4E38}" type="datetimeFigureOut">
               <a:rPr lang="en-CA" smtClean="0"/>
-              <a:t>2024-11-15</a:t>
+              <a:t>2024-11-18</a:t>
             </a:fld>
             <a:endParaRPr lang="en-CA"/>
           </a:p>
@@ -1796,7 +1850,7 @@
           <a:p>
             <a:fld id="{217E5156-1B5D-054E-B5B2-E1B1BA160252}" type="datetimeFigureOut">
               <a:rPr lang="fr-FR" smtClean="0"/>
-              <a:t>15/11/2024</a:t>
+              <a:t>18/11/2024</a:t>
             </a:fld>
             <a:endParaRPr lang="fr-FR"/>
           </a:p>
@@ -5548,7 +5602,7 @@
         </p:nvSpPr>
         <p:spPr>
           <a:xfrm>
-            <a:off x="5341554" y="5530846"/>
+            <a:off x="7224675" y="2239126"/>
             <a:ext cx="1992307" cy="369332"/>
           </a:xfrm>
           <a:prstGeom prst="rect">
@@ -5572,8 +5626,8 @@
           </a:p>
         </p:txBody>
       </p:sp>
-      <mc:AlternateContent xmlns:mc="http://schemas.openxmlformats.org/markup-compatibility/2006">
-        <mc:Choice xmlns:a14="http://schemas.microsoft.com/office/drawing/2010/main" Requires="a14">
+      <mc:AlternateContent xmlns:mc="http://schemas.openxmlformats.org/markup-compatibility/2006" xmlns:a14="http://schemas.microsoft.com/office/drawing/2010/main">
+        <mc:Choice Requires="a14">
           <p:sp>
             <p:nvSpPr>
               <p:cNvPr id="4" name="TextBox 3">
@@ -5602,6 +5656,7 @@
               </a:bodyPr>
               <a:lstStyle/>
               <a:p>
+                <a:pPr/>
                 <a14:m>
                   <m:oMathPara xmlns:m="http://schemas.openxmlformats.org/officeDocument/2006/math">
                     <m:oMathParaPr>
@@ -5733,7 +5788,7 @@
             </p:txBody>
           </p:sp>
         </mc:Choice>
-        <mc:Fallback>
+        <mc:Fallback xmlns="">
           <p:sp>
             <p:nvSpPr>
               <p:cNvPr id="4" name="TextBox 3">
@@ -5837,8 +5892,8 @@
           </a:p>
         </p:txBody>
       </p:sp>
-      <mc:AlternateContent xmlns:mc="http://schemas.openxmlformats.org/markup-compatibility/2006">
-        <mc:Choice xmlns:a14="http://schemas.microsoft.com/office/drawing/2010/main" Requires="a14">
+      <mc:AlternateContent xmlns:mc="http://schemas.openxmlformats.org/markup-compatibility/2006" xmlns:a14="http://schemas.microsoft.com/office/drawing/2010/main">
+        <mc:Choice Requires="a14">
           <p:sp>
             <p:nvSpPr>
               <p:cNvPr id="3" name="Text Placeholder 2">
@@ -6061,7 +6116,7 @@
             </p:txBody>
           </p:sp>
         </mc:Choice>
-        <mc:Fallback>
+        <mc:Fallback xmlns="">
           <p:sp>
             <p:nvSpPr>
               <p:cNvPr id="3" name="Text Placeholder 2">
@@ -6135,8 +6190,8 @@
           </a:prstGeom>
         </p:spPr>
       </p:pic>
-      <mc:AlternateContent xmlns:mc="http://schemas.openxmlformats.org/markup-compatibility/2006">
-        <mc:Choice xmlns:a14="http://schemas.microsoft.com/office/drawing/2010/main" Requires="a14">
+      <mc:AlternateContent xmlns:mc="http://schemas.openxmlformats.org/markup-compatibility/2006" xmlns:a14="http://schemas.microsoft.com/office/drawing/2010/main">
+        <mc:Choice Requires="a14">
           <p:sp>
             <p:nvSpPr>
               <p:cNvPr id="6" name="TextBox 5">
@@ -6165,6 +6220,7 @@
               </a:bodyPr>
               <a:lstStyle/>
               <a:p>
+                <a:pPr/>
                 <a14:m>
                   <m:oMathPara xmlns:m="http://schemas.openxmlformats.org/officeDocument/2006/math">
                     <m:oMathParaPr>
@@ -6319,7 +6375,7 @@
             </p:txBody>
           </p:sp>
         </mc:Choice>
-        <mc:Fallback>
+        <mc:Fallback xmlns="">
           <p:sp>
             <p:nvSpPr>
               <p:cNvPr id="6" name="TextBox 5">
@@ -6364,6 +6420,44 @@
           </p:sp>
         </mc:Fallback>
       </mc:AlternateContent>
+      <p:sp>
+        <p:nvSpPr>
+          <p:cNvPr id="4" name="TextBox 3">
+            <a:extLst>
+              <a:ext uri="{FF2B5EF4-FFF2-40B4-BE49-F238E27FC236}">
+                <a16:creationId xmlns:a16="http://schemas.microsoft.com/office/drawing/2014/main" id="{23CB9418-4352-4A18-14DA-D2210AD640F5}"/>
+              </a:ext>
+            </a:extLst>
+          </p:cNvPr>
+          <p:cNvSpPr txBox="1"/>
+          <p:nvPr/>
+        </p:nvSpPr>
+        <p:spPr>
+          <a:xfrm>
+            <a:off x="7216538" y="3039917"/>
+            <a:ext cx="1992307" cy="369332"/>
+          </a:xfrm>
+          <a:prstGeom prst="rect">
+            <a:avLst/>
+          </a:prstGeom>
+          <a:noFill/>
+        </p:spPr>
+        <p:txBody>
+          <a:bodyPr wrap="square">
+            <a:spAutoFit/>
+          </a:bodyPr>
+          <a:lstStyle/>
+          <a:p>
+            <a:r>
+              <a:rPr lang="en-US" sz="1800" b="0" i="0" u="none" strike="noStrike" baseline="0" dirty="0">
+                <a:latin typeface="HelveticaNeue"/>
+              </a:rPr>
+              <a:t>Credit: Wikipedia</a:t>
+            </a:r>
+            <a:endParaRPr lang="en-US" dirty="0"/>
+          </a:p>
+        </p:txBody>
+      </p:sp>
     </p:spTree>
     <p:extLst>
       <p:ext uri="{BB962C8B-B14F-4D97-AF65-F5344CB8AC3E}">
@@ -6542,6 +6636,44 @@
           </a:prstGeom>
         </p:spPr>
       </p:pic>
+      <p:sp>
+        <p:nvSpPr>
+          <p:cNvPr id="4" name="TextBox 3">
+            <a:extLst>
+              <a:ext uri="{FF2B5EF4-FFF2-40B4-BE49-F238E27FC236}">
+                <a16:creationId xmlns:a16="http://schemas.microsoft.com/office/drawing/2014/main" id="{C9987633-8BE3-51B9-3898-18111D607817}"/>
+              </a:ext>
+            </a:extLst>
+          </p:cNvPr>
+          <p:cNvSpPr txBox="1"/>
+          <p:nvPr/>
+        </p:nvSpPr>
+        <p:spPr>
+          <a:xfrm>
+            <a:off x="7306156" y="5263020"/>
+            <a:ext cx="1992307" cy="369332"/>
+          </a:xfrm>
+          <a:prstGeom prst="rect">
+            <a:avLst/>
+          </a:prstGeom>
+          <a:noFill/>
+        </p:spPr>
+        <p:txBody>
+          <a:bodyPr wrap="square">
+            <a:spAutoFit/>
+          </a:bodyPr>
+          <a:lstStyle/>
+          <a:p>
+            <a:r>
+              <a:rPr lang="en-US" sz="1800" b="0" i="0" u="none" strike="noStrike" baseline="0" dirty="0">
+                <a:latin typeface="HelveticaNeue"/>
+              </a:rPr>
+              <a:t>Credit: Wikipedia</a:t>
+            </a:r>
+            <a:endParaRPr lang="en-US" dirty="0"/>
+          </a:p>
+        </p:txBody>
+      </p:sp>
     </p:spTree>
     <p:extLst>
       <p:ext uri="{BB962C8B-B14F-4D97-AF65-F5344CB8AC3E}">
@@ -6601,8 +6733,8 @@
           </a:p>
         </p:txBody>
       </p:sp>
-      <mc:AlternateContent xmlns:mc="http://schemas.openxmlformats.org/markup-compatibility/2006">
-        <mc:Choice xmlns:a14="http://schemas.microsoft.com/office/drawing/2010/main" Requires="a14">
+      <mc:AlternateContent xmlns:mc="http://schemas.openxmlformats.org/markup-compatibility/2006" xmlns:a14="http://schemas.microsoft.com/office/drawing/2010/main">
+        <mc:Choice Requires="a14">
           <p:sp>
             <p:nvSpPr>
               <p:cNvPr id="3" name="Text Placeholder 2">
@@ -6637,6 +6769,7 @@
                 </a:r>
               </a:p>
               <a:p>
+                <a:pPr/>
                 <a14:m>
                   <m:oMathPara xmlns:m="http://schemas.openxmlformats.org/officeDocument/2006/math">
                     <m:oMathParaPr>
@@ -6783,6 +6916,7 @@
                 </a:r>
               </a:p>
               <a:p>
+                <a:pPr/>
                 <a14:m>
                   <m:oMathPara xmlns:m="http://schemas.openxmlformats.org/officeDocument/2006/math">
                     <m:oMathParaPr>
@@ -6876,7 +7010,7 @@
             </p:txBody>
           </p:sp>
         </mc:Choice>
-        <mc:Fallback>
+        <mc:Fallback xmlns="">
           <p:sp>
             <p:nvSpPr>
               <p:cNvPr id="3" name="Text Placeholder 2">
@@ -7543,6 +7677,44 @@
           </a:prstGeom>
         </p:spPr>
       </p:pic>
+      <p:sp>
+        <p:nvSpPr>
+          <p:cNvPr id="3" name="TextBox 2">
+            <a:extLst>
+              <a:ext uri="{FF2B5EF4-FFF2-40B4-BE49-F238E27FC236}">
+                <a16:creationId xmlns:a16="http://schemas.microsoft.com/office/drawing/2014/main" id="{FECBCB56-A672-5EBA-677B-22AA947E175B}"/>
+              </a:ext>
+            </a:extLst>
+          </p:cNvPr>
+          <p:cNvSpPr txBox="1"/>
+          <p:nvPr/>
+        </p:nvSpPr>
+        <p:spPr>
+          <a:xfrm>
+            <a:off x="628650" y="6046420"/>
+            <a:ext cx="1992307" cy="369332"/>
+          </a:xfrm>
+          <a:prstGeom prst="rect">
+            <a:avLst/>
+          </a:prstGeom>
+          <a:noFill/>
+        </p:spPr>
+        <p:txBody>
+          <a:bodyPr wrap="square">
+            <a:spAutoFit/>
+          </a:bodyPr>
+          <a:lstStyle/>
+          <a:p>
+            <a:r>
+              <a:rPr lang="en-US" sz="1800" b="0" i="0" u="none" strike="noStrike" baseline="0" dirty="0">
+                <a:latin typeface="HelveticaNeue"/>
+              </a:rPr>
+              <a:t>Credit: GSEA</a:t>
+            </a:r>
+            <a:endParaRPr lang="en-US" dirty="0"/>
+          </a:p>
+        </p:txBody>
+      </p:sp>
     </p:spTree>
     <p:extLst>
       <p:ext uri="{BB962C8B-B14F-4D97-AF65-F5344CB8AC3E}">
@@ -7658,7 +7830,11 @@
               <a:buChar char="•"/>
             </a:pPr>
             <a:r>
-              <a:rPr lang="en-CA" dirty="0"/>
+              <a:rPr lang="en-CA" dirty="0">
+                <a:solidFill>
+                  <a:schemeClr val="tx1"/>
+                </a:solidFill>
+              </a:rPr>
               <a:t>5% of tests will give a significant result</a:t>
             </a:r>
           </a:p>
@@ -7678,11 +7854,19 @@
               <a:buChar char="•"/>
             </a:pPr>
             <a:r>
-              <a:rPr lang="en-CA" dirty="0" err="1"/>
+              <a:rPr lang="en-CA" dirty="0" err="1">
+                <a:solidFill>
+                  <a:schemeClr val="tx1"/>
+                </a:solidFill>
+              </a:rPr>
               <a:t>Bonferonni</a:t>
             </a:r>
             <a:r>
-              <a:rPr lang="en-CA" dirty="0"/>
+              <a:rPr lang="en-CA" dirty="0">
+                <a:solidFill>
+                  <a:schemeClr val="tx1"/>
+                </a:solidFill>
+              </a:rPr>
               <a:t> Correction</a:t>
             </a:r>
           </a:p>
@@ -7692,11 +7876,19 @@
               <a:buChar char="•"/>
             </a:pPr>
             <a:r>
-              <a:rPr lang="en-CA" b="1" dirty="0" err="1"/>
+              <a:rPr lang="en-CA" b="1" dirty="0" err="1">
+                <a:solidFill>
+                  <a:schemeClr val="tx1"/>
+                </a:solidFill>
+              </a:rPr>
               <a:t>Benjamini</a:t>
             </a:r>
             <a:r>
-              <a:rPr lang="en-CA" b="1" dirty="0"/>
+              <a:rPr lang="en-CA" b="1" dirty="0">
+                <a:solidFill>
+                  <a:schemeClr val="tx1"/>
+                </a:solidFill>
+              </a:rPr>
               <a:t> &amp; Hochberg Correction</a:t>
             </a:r>
           </a:p>
@@ -7706,14 +7898,26 @@
               <a:buChar char="•"/>
             </a:pPr>
             <a:r>
-              <a:rPr lang="en-CA" dirty="0"/>
+              <a:rPr lang="en-CA" dirty="0">
+                <a:solidFill>
+                  <a:schemeClr val="tx1"/>
+                </a:solidFill>
+              </a:rPr>
               <a:t>Found in results as </a:t>
             </a:r>
             <a:r>
-              <a:rPr lang="en-CA" b="1" dirty="0"/>
+              <a:rPr lang="en-CA" b="1" dirty="0">
+                <a:solidFill>
+                  <a:schemeClr val="tx1"/>
+                </a:solidFill>
+              </a:rPr>
               <a:t>FDR, p-adjusted, q-value</a:t>
             </a:r>
-            <a:endParaRPr lang="en-US" b="1" dirty="0"/>
+            <a:endParaRPr lang="en-US" b="1" dirty="0">
+              <a:solidFill>
+                <a:schemeClr val="tx1"/>
+              </a:solidFill>
+            </a:endParaRPr>
           </a:p>
         </p:txBody>
       </p:sp>
@@ -8041,7 +8245,7 @@
             </p:nvSpPr>
             <p:spPr>
               <a:xfrm>
-                <a:off x="862084" y="4801812"/>
+                <a:off x="862084" y="4607981"/>
                 <a:ext cx="2865684" cy="615553"/>
               </a:xfrm>
               <a:prstGeom prst="rect">
@@ -8141,7 +8345,7 @@
             </p:nvSpPr>
             <p:spPr>
               <a:xfrm>
-                <a:off x="862084" y="4801812"/>
+                <a:off x="862084" y="4607981"/>
                 <a:ext cx="2865684" cy="615553"/>
               </a:xfrm>
               <a:prstGeom prst="rect">
@@ -8232,7 +8436,7 @@
             </p:nvSpPr>
             <p:spPr>
               <a:xfrm>
-                <a:off x="4761648" y="4859683"/>
+                <a:off x="4443109" y="4637468"/>
                 <a:ext cx="4296366" cy="615553"/>
               </a:xfrm>
               <a:prstGeom prst="rect">
@@ -8332,7 +8536,7 @@
             </p:nvSpPr>
             <p:spPr>
               <a:xfrm>
-                <a:off x="4761648" y="4859683"/>
+                <a:off x="4443109" y="4637468"/>
                 <a:ext cx="4296366" cy="615553"/>
               </a:xfrm>
               <a:prstGeom prst="rect">
@@ -8341,7 +8545,7 @@
               <a:blipFill>
                 <a:blip r:embed="rId4"/>
                 <a:stretch>
-                  <a:fillRect l="-7092" t="-24752" r="-4823" b="-49505"/>
+                  <a:fillRect l="-7234" t="-25743" r="-4681" b="-48515"/>
                 </a:stretch>
               </a:blipFill>
             </p:spPr>
@@ -8376,7 +8580,7 @@
             </p:nvSpPr>
             <p:spPr>
               <a:xfrm>
-                <a:off x="2294926" y="5605983"/>
+                <a:off x="2423817" y="5456638"/>
                 <a:ext cx="4296366" cy="615553"/>
               </a:xfrm>
               <a:prstGeom prst="rect">
@@ -8482,7 +8686,7 @@
             </p:nvSpPr>
             <p:spPr>
               <a:xfrm>
-                <a:off x="2294926" y="5605983"/>
+                <a:off x="2423817" y="5456638"/>
                 <a:ext cx="4296366" cy="615553"/>
               </a:xfrm>
               <a:prstGeom prst="rect">
@@ -8491,7 +8695,7 @@
               <a:blipFill>
                 <a:blip r:embed="rId5"/>
                 <a:stretch>
-                  <a:fillRect l="-7092" t="-25743" r="-8652" b="-48515"/>
+                  <a:fillRect l="-7244" t="-24752" r="-8665" b="-49505"/>
                 </a:stretch>
               </a:blipFill>
             </p:spPr>
@@ -8888,8 +9092,8 @@
           </a:p>
         </p:txBody>
       </p:sp>
-      <mc:AlternateContent xmlns:mc="http://schemas.openxmlformats.org/markup-compatibility/2006">
-        <mc:Choice xmlns:a14="http://schemas.microsoft.com/office/drawing/2010/main" Requires="a14">
+      <mc:AlternateContent xmlns:mc="http://schemas.openxmlformats.org/markup-compatibility/2006" xmlns:a14="http://schemas.microsoft.com/office/drawing/2010/main">
+        <mc:Choice Requires="a14">
           <p:sp>
             <p:nvSpPr>
               <p:cNvPr id="4" name="TextBox 3">
@@ -8993,7 +9197,7 @@
             </p:txBody>
           </p:sp>
         </mc:Choice>
-        <mc:Fallback>
+        <mc:Fallback xmlns="">
           <p:sp>
             <p:nvSpPr>
               <p:cNvPr id="4" name="TextBox 3">
@@ -9230,8 +9434,8 @@
           </a:p>
         </p:txBody>
       </p:sp>
-      <mc:AlternateContent xmlns:mc="http://schemas.openxmlformats.org/markup-compatibility/2006">
-        <mc:Choice xmlns:a14="http://schemas.microsoft.com/office/drawing/2010/main" Requires="a14">
+      <mc:AlternateContent xmlns:mc="http://schemas.openxmlformats.org/markup-compatibility/2006" xmlns:a14="http://schemas.microsoft.com/office/drawing/2010/main">
+        <mc:Choice Requires="a14">
           <p:sp>
             <p:nvSpPr>
               <p:cNvPr id="6" name="TextBox 5">
@@ -9260,6 +9464,7 @@
               </a:bodyPr>
               <a:lstStyle/>
               <a:p>
+                <a:pPr/>
                 <a14:m>
                   <m:oMathPara xmlns:m="http://schemas.openxmlformats.org/officeDocument/2006/math">
                     <m:oMathParaPr>
@@ -9322,7 +9527,7 @@
             </p:txBody>
           </p:sp>
         </mc:Choice>
-        <mc:Fallback>
+        <mc:Fallback xmlns="">
           <p:sp>
             <p:nvSpPr>
               <p:cNvPr id="6" name="TextBox 5">
@@ -9367,8 +9572,8 @@
           </p:sp>
         </mc:Fallback>
       </mc:AlternateContent>
-      <mc:AlternateContent xmlns:mc="http://schemas.openxmlformats.org/markup-compatibility/2006">
-        <mc:Choice xmlns:a14="http://schemas.microsoft.com/office/drawing/2010/main" Requires="a14">
+      <mc:AlternateContent xmlns:mc="http://schemas.openxmlformats.org/markup-compatibility/2006" xmlns:a14="http://schemas.microsoft.com/office/drawing/2010/main">
+        <mc:Choice Requires="a14">
           <p:sp>
             <p:nvSpPr>
               <p:cNvPr id="9" name="TextBox 8">
@@ -9397,6 +9602,7 @@
               </a:bodyPr>
               <a:lstStyle/>
               <a:p>
+                <a:pPr/>
                 <a14:m>
                   <m:oMathPara xmlns:m="http://schemas.openxmlformats.org/officeDocument/2006/math">
                     <m:oMathParaPr>
@@ -9447,7 +9653,7 @@
             </p:txBody>
           </p:sp>
         </mc:Choice>
-        <mc:Fallback>
+        <mc:Fallback xmlns="">
           <p:sp>
             <p:nvSpPr>
               <p:cNvPr id="9" name="TextBox 8">
@@ -9492,8 +9698,8 @@
           </p:sp>
         </mc:Fallback>
       </mc:AlternateContent>
-      <mc:AlternateContent xmlns:mc="http://schemas.openxmlformats.org/markup-compatibility/2006">
-        <mc:Choice xmlns:a14="http://schemas.microsoft.com/office/drawing/2010/main" Requires="a14">
+      <mc:AlternateContent xmlns:mc="http://schemas.openxmlformats.org/markup-compatibility/2006" xmlns:a14="http://schemas.microsoft.com/office/drawing/2010/main">
+        <mc:Choice Requires="a14">
           <p:sp>
             <p:nvSpPr>
               <p:cNvPr id="10" name="TextBox 9">
@@ -9522,6 +9728,7 @@
               </a:bodyPr>
               <a:lstStyle/>
               <a:p>
+                <a:pPr/>
                 <a14:m>
                   <m:oMathPara xmlns:m="http://schemas.openxmlformats.org/officeDocument/2006/math">
                     <m:oMathParaPr>
@@ -9708,7 +9915,7 @@
             </p:txBody>
           </p:sp>
         </mc:Choice>
-        <mc:Fallback>
+        <mc:Fallback xmlns="">
           <p:sp>
             <p:nvSpPr>
               <p:cNvPr id="10" name="TextBox 9">
@@ -10023,6 +10230,7 @@
                 </a:r>
               </a:p>
               <a:p>
+                <a:pPr/>
                 <a14:m>
                   <m:oMathPara xmlns:m="http://schemas.openxmlformats.org/officeDocument/2006/math">
                     <m:oMathParaPr>
@@ -10104,7 +10312,7 @@
                 </a:pPr>
                 <a:r>
                   <a:rPr lang="en-CA" dirty="0"/>
-                  <a:t>Where Z is the z-score that defines out confidence level</a:t>
+                  <a:t>Where Z is the z-score that defines our confidence level</a:t>
                 </a:r>
               </a:p>
             </p:txBody>
@@ -11736,8 +11944,8 @@
           </a:p>
         </p:txBody>
       </p:sp>
-      <mc:AlternateContent xmlns:mc="http://schemas.openxmlformats.org/markup-compatibility/2006">
-        <mc:Choice xmlns:a14="http://schemas.microsoft.com/office/drawing/2010/main" Requires="a14">
+      <mc:AlternateContent xmlns:mc="http://schemas.openxmlformats.org/markup-compatibility/2006" xmlns:a14="http://schemas.microsoft.com/office/drawing/2010/main">
+        <mc:Choice Requires="a14">
           <p:sp>
             <p:nvSpPr>
               <p:cNvPr id="3" name="Text Placeholder 2">
@@ -11786,6 +11994,7 @@
                 <a:endParaRPr lang="en-CA" dirty="0"/>
               </a:p>
               <a:p>
+                <a:pPr/>
                 <a14:m>
                   <m:oMathPara xmlns:m="http://schemas.openxmlformats.org/officeDocument/2006/math">
                     <m:oMathParaPr>
@@ -11857,6 +12066,7 @@
                 <a:endParaRPr lang="en-CA" b="0" dirty="0"/>
               </a:p>
               <a:p>
+                <a:pPr/>
                 <a14:m>
                   <m:oMathPara xmlns:m="http://schemas.openxmlformats.org/officeDocument/2006/math">
                     <m:oMathParaPr>
@@ -11985,7 +12195,7 @@
             </p:txBody>
           </p:sp>
         </mc:Choice>
-        <mc:Fallback>
+        <mc:Fallback xmlns="">
           <p:sp>
             <p:nvSpPr>
               <p:cNvPr id="3" name="Text Placeholder 2">
@@ -12095,8 +12305,8 @@
           </a:p>
         </p:txBody>
       </p:sp>
-      <mc:AlternateContent xmlns:mc="http://schemas.openxmlformats.org/markup-compatibility/2006">
-        <mc:Choice xmlns:a14="http://schemas.microsoft.com/office/drawing/2010/main" Requires="a14">
+      <mc:AlternateContent xmlns:mc="http://schemas.openxmlformats.org/markup-compatibility/2006" xmlns:a14="http://schemas.microsoft.com/office/drawing/2010/main">
+        <mc:Choice Requires="a14">
           <p:sp>
             <p:nvSpPr>
               <p:cNvPr id="3" name="Text Placeholder 2">
@@ -12120,6 +12330,7 @@
               </a:bodyPr>
               <a:lstStyle/>
               <a:p>
+                <a:pPr/>
                 <a14:m>
                   <m:oMathPara xmlns:m="http://schemas.openxmlformats.org/officeDocument/2006/math">
                     <m:oMathParaPr>
@@ -12308,6 +12519,7 @@
                 <a:endParaRPr lang="en-US" dirty="0"/>
               </a:p>
               <a:p>
+                <a:pPr/>
                 <a14:m>
                   <m:oMathPara xmlns:m="http://schemas.openxmlformats.org/officeDocument/2006/math">
                     <m:oMathParaPr>
@@ -12541,7 +12753,7 @@
             </p:txBody>
           </p:sp>
         </mc:Choice>
-        <mc:Fallback>
+        <mc:Fallback xmlns="">
           <p:sp>
             <p:nvSpPr>
               <p:cNvPr id="3" name="Text Placeholder 2">

--- a/slides/QLS-MiCM Statistics in R Fall 2024.pptx
+++ b/slides/QLS-MiCM Statistics in R Fall 2024.pptx
@@ -32,13 +32,13 @@
     <p:sldId id="463" r:id="rId20"/>
     <p:sldId id="478" r:id="rId21"/>
     <p:sldId id="477" r:id="rId22"/>
-    <p:sldId id="450" r:id="rId23"/>
-    <p:sldId id="455" r:id="rId24"/>
-    <p:sldId id="465" r:id="rId25"/>
-    <p:sldId id="469" r:id="rId26"/>
-    <p:sldId id="467" r:id="rId27"/>
-    <p:sldId id="471" r:id="rId28"/>
-    <p:sldId id="475" r:id="rId29"/>
+    <p:sldId id="471" r:id="rId23"/>
+    <p:sldId id="475" r:id="rId24"/>
+    <p:sldId id="450" r:id="rId25"/>
+    <p:sldId id="455" r:id="rId26"/>
+    <p:sldId id="465" r:id="rId27"/>
+    <p:sldId id="469" r:id="rId28"/>
+    <p:sldId id="467" r:id="rId29"/>
     <p:sldId id="451" r:id="rId30"/>
     <p:sldId id="457" r:id="rId31"/>
     <p:sldId id="474" r:id="rId32"/>
@@ -163,7 +163,7 @@
 <file path=ppt/revisionInfo.xml><?xml version="1.0" encoding="utf-8"?>
 <p1510:revInfo xmlns:a="http://schemas.openxmlformats.org/drawingml/2006/main" xmlns:r="http://schemas.openxmlformats.org/officeDocument/2006/relationships" xmlns:p1510="http://schemas.microsoft.com/office/powerpoint/2015/10/main">
   <p1510:revLst>
-    <p1510:client id="{68D50CE0-6F29-49CE-9181-508326FA075A}" v="1150" dt="2024-11-18T14:07:58.769"/>
+    <p1510:client id="{68D50CE0-6F29-49CE-9181-508326FA075A}" v="1173" dt="2024-11-18T17:01:12.222"/>
   </p1510:revLst>
 </p1510:revInfo>
 </file>
@@ -173,7 +173,7 @@
   <pc:docChgLst>
     <pc:chgData name="Adrien Osakwe" userId="7a3e290c-eb83-484b-8e3d-d46ef2333477" providerId="ADAL" clId="{68D50CE0-6F29-49CE-9181-508326FA075A}"/>
     <pc:docChg chg="undo redo custSel addSld delSld modSld sldOrd modMainMaster">
-      <pc:chgData name="Adrien Osakwe" userId="7a3e290c-eb83-484b-8e3d-d46ef2333477" providerId="ADAL" clId="{68D50CE0-6F29-49CE-9181-508326FA075A}" dt="2024-11-18T14:09:00.512" v="11571" actId="20577"/>
+      <pc:chgData name="Adrien Osakwe" userId="7a3e290c-eb83-484b-8e3d-d46ef2333477" providerId="ADAL" clId="{68D50CE0-6F29-49CE-9181-508326FA075A}" dt="2024-11-18T17:01:12.222" v="11607" actId="20577"/>
       <pc:docMkLst>
         <pc:docMk/>
       </pc:docMkLst>
@@ -535,7 +535,7 @@
         </pc:spChg>
       </pc:sldChg>
       <pc:sldChg chg="addSp delSp modSp new mod delAnim modAnim">
-        <pc:chgData name="Adrien Osakwe" userId="7a3e290c-eb83-484b-8e3d-d46ef2333477" providerId="ADAL" clId="{68D50CE0-6F29-49CE-9181-508326FA075A}" dt="2024-11-18T14:08:01.634" v="11569" actId="1076"/>
+        <pc:chgData name="Adrien Osakwe" userId="7a3e290c-eb83-484b-8e3d-d46ef2333477" providerId="ADAL" clId="{68D50CE0-6F29-49CE-9181-508326FA075A}" dt="2024-11-18T15:42:33.675" v="11579" actId="1076"/>
         <pc:sldMkLst>
           <pc:docMk/>
           <pc:sldMk cId="401542667" sldId="455"/>
@@ -554,6 +554,14 @@
             <pc:docMk/>
             <pc:sldMk cId="401542667" sldId="455"/>
             <ac:spMk id="3" creationId="{8DB4E871-E104-6882-2745-47F74AF22706}"/>
+          </ac:spMkLst>
+        </pc:spChg>
+        <pc:spChg chg="add mod">
+          <ac:chgData name="Adrien Osakwe" userId="7a3e290c-eb83-484b-8e3d-d46ef2333477" providerId="ADAL" clId="{68D50CE0-6F29-49CE-9181-508326FA075A}" dt="2024-11-18T15:42:33.675" v="11579" actId="1076"/>
+          <ac:spMkLst>
+            <pc:docMk/>
+            <pc:sldMk cId="401542667" sldId="455"/>
+            <ac:spMk id="4" creationId="{5D5743EF-03EC-1477-8BCB-379D06A8F5D7}"/>
           </ac:spMkLst>
         </pc:spChg>
         <pc:spChg chg="add del mod">
@@ -605,7 +613,7 @@
           </ac:picMkLst>
         </pc:picChg>
         <pc:picChg chg="add mod">
-          <ac:chgData name="Adrien Osakwe" userId="7a3e290c-eb83-484b-8e3d-d46ef2333477" providerId="ADAL" clId="{68D50CE0-6F29-49CE-9181-508326FA075A}" dt="2024-11-17T01:42:22.296" v="3985" actId="1076"/>
+          <ac:chgData name="Adrien Osakwe" userId="7a3e290c-eb83-484b-8e3d-d46ef2333477" providerId="ADAL" clId="{68D50CE0-6F29-49CE-9181-508326FA075A}" dt="2024-11-18T15:42:20.641" v="11574" actId="14100"/>
           <ac:picMkLst>
             <pc:docMk/>
             <pc:sldMk cId="401542667" sldId="455"/>
@@ -1002,7 +1010,7 @@
         </pc:spChg>
       </pc:sldChg>
       <pc:sldChg chg="modSp new mod ord">
-        <pc:chgData name="Adrien Osakwe" userId="7a3e290c-eb83-484b-8e3d-d46ef2333477" providerId="ADAL" clId="{68D50CE0-6F29-49CE-9181-508326FA075A}" dt="2024-11-17T14:31:44.322" v="5951" actId="113"/>
+        <pc:chgData name="Adrien Osakwe" userId="7a3e290c-eb83-484b-8e3d-d46ef2333477" providerId="ADAL" clId="{68D50CE0-6F29-49CE-9181-508326FA075A}" dt="2024-11-18T16:59:18.200" v="11585"/>
         <pc:sldMkLst>
           <pc:docMk/>
           <pc:sldMk cId="760899132" sldId="467"/>
@@ -1157,8 +1165,8 @@
           </ac:picMkLst>
         </pc:picChg>
       </pc:sldChg>
-      <pc:sldChg chg="addSp delSp modSp new mod ord setBg">
-        <pc:chgData name="Adrien Osakwe" userId="7a3e290c-eb83-484b-8e3d-d46ef2333477" providerId="ADAL" clId="{68D50CE0-6F29-49CE-9181-508326FA075A}" dt="2024-11-18T14:09:00.512" v="11571" actId="20577"/>
+      <pc:sldChg chg="addSp delSp modSp new del mod ord setBg">
+        <pc:chgData name="Adrien Osakwe" userId="7a3e290c-eb83-484b-8e3d-d46ef2333477" providerId="ADAL" clId="{68D50CE0-6F29-49CE-9181-508326FA075A}" dt="2024-11-18T16:59:24.384" v="11586" actId="2696"/>
         <pc:sldMkLst>
           <pc:docMk/>
           <pc:sldMk cId="1000633892" sldId="471"/>
@@ -1227,6 +1235,13 @@
             <ac:picMk id="9218" creationId="{6E410117-D63E-D18C-891D-0E74E617E39A}"/>
           </ac:picMkLst>
         </pc:picChg>
+      </pc:sldChg>
+      <pc:sldChg chg="add">
+        <pc:chgData name="Adrien Osakwe" userId="7a3e290c-eb83-484b-8e3d-d46ef2333477" providerId="ADAL" clId="{68D50CE0-6F29-49CE-9181-508326FA075A}" dt="2024-11-18T16:59:28.827" v="11587"/>
+        <pc:sldMkLst>
+          <pc:docMk/>
+          <pc:sldMk cId="1291056166" sldId="471"/>
+        </pc:sldMkLst>
       </pc:sldChg>
       <pc:sldChg chg="modSp new mod modAnim">
         <pc:chgData name="Adrien Osakwe" userId="7a3e290c-eb83-484b-8e3d-d46ef2333477" providerId="ADAL" clId="{68D50CE0-6F29-49CE-9181-508326FA075A}" dt="2024-11-17T21:46:14.534" v="11103" actId="114"/>
@@ -1321,8 +1336,8 @@
           </ac:picMkLst>
         </pc:picChg>
       </pc:sldChg>
-      <pc:sldChg chg="addSp modSp new mod">
-        <pc:chgData name="Adrien Osakwe" userId="7a3e290c-eb83-484b-8e3d-d46ef2333477" providerId="ADAL" clId="{68D50CE0-6F29-49CE-9181-508326FA075A}" dt="2024-11-17T14:36:54.798" v="6384" actId="1076"/>
+      <pc:sldChg chg="addSp modSp new del mod ord">
+        <pc:chgData name="Adrien Osakwe" userId="7a3e290c-eb83-484b-8e3d-d46ef2333477" providerId="ADAL" clId="{68D50CE0-6F29-49CE-9181-508326FA075A}" dt="2024-11-18T16:59:24.384" v="11586" actId="2696"/>
         <pc:sldMkLst>
           <pc:docMk/>
           <pc:sldMk cId="443152693" sldId="475"/>
@@ -1359,6 +1374,13 @@
             <ac:picMk id="1026" creationId="{4B9737DD-DF68-9500-CA63-977850AACB2C}"/>
           </ac:picMkLst>
         </pc:picChg>
+      </pc:sldChg>
+      <pc:sldChg chg="add">
+        <pc:chgData name="Adrien Osakwe" userId="7a3e290c-eb83-484b-8e3d-d46ef2333477" providerId="ADAL" clId="{68D50CE0-6F29-49CE-9181-508326FA075A}" dt="2024-11-18T16:59:28.827" v="11587"/>
+        <pc:sldMkLst>
+          <pc:docMk/>
+          <pc:sldMk cId="4253093352" sldId="475"/>
+        </pc:sldMkLst>
       </pc:sldChg>
       <pc:sldChg chg="modSp new mod ord">
         <pc:chgData name="Adrien Osakwe" userId="7a3e290c-eb83-484b-8e3d-d46ef2333477" providerId="ADAL" clId="{68D50CE0-6F29-49CE-9181-508326FA075A}" dt="2024-11-17T22:44:00.823" v="11520"/>
@@ -1454,7 +1476,7 @@
         </pc:picChg>
       </pc:sldChg>
       <pc:sldChg chg="modSp new mod ord">
-        <pc:chgData name="Adrien Osakwe" userId="7a3e290c-eb83-484b-8e3d-d46ef2333477" providerId="ADAL" clId="{68D50CE0-6F29-49CE-9181-508326FA075A}" dt="2024-11-17T22:44:00.823" v="11520"/>
+        <pc:chgData name="Adrien Osakwe" userId="7a3e290c-eb83-484b-8e3d-d46ef2333477" providerId="ADAL" clId="{68D50CE0-6F29-49CE-9181-508326FA075A}" dt="2024-11-18T17:01:12.222" v="11607" actId="20577"/>
         <pc:sldMkLst>
           <pc:docMk/>
           <pc:sldMk cId="3592411448" sldId="479"/>
@@ -1468,7 +1490,7 @@
           </ac:spMkLst>
         </pc:spChg>
         <pc:spChg chg="mod">
-          <ac:chgData name="Adrien Osakwe" userId="7a3e290c-eb83-484b-8e3d-d46ef2333477" providerId="ADAL" clId="{68D50CE0-6F29-49CE-9181-508326FA075A}" dt="2024-11-17T17:48:26.902" v="9684" actId="27636"/>
+          <ac:chgData name="Adrien Osakwe" userId="7a3e290c-eb83-484b-8e3d-d46ef2333477" providerId="ADAL" clId="{68D50CE0-6F29-49CE-9181-508326FA075A}" dt="2024-11-18T17:01:12.222" v="11607" actId="20577"/>
           <ac:spMkLst>
             <pc:docMk/>
             <pc:sldMk cId="3592411448" sldId="479"/>
@@ -6733,8 +6755,8 @@
           </a:p>
         </p:txBody>
       </p:sp>
-      <mc:AlternateContent xmlns:mc="http://schemas.openxmlformats.org/markup-compatibility/2006" xmlns:a14="http://schemas.microsoft.com/office/drawing/2010/main">
-        <mc:Choice Requires="a14">
+      <mc:AlternateContent xmlns:mc="http://schemas.openxmlformats.org/markup-compatibility/2006">
+        <mc:Choice xmlns:a14="http://schemas.microsoft.com/office/drawing/2010/main" Requires="a14">
           <p:sp>
             <p:nvSpPr>
               <p:cNvPr id="3" name="Text Placeholder 2">
@@ -7010,7 +7032,7 @@
             </p:txBody>
           </p:sp>
         </mc:Choice>
-        <mc:Fallback xmlns="">
+        <mc:Fallback>
           <p:sp>
             <p:nvSpPr>
               <p:cNvPr id="3" name="Text Placeholder 2">
@@ -7939,6 +7961,509 @@
   <p:cSld>
     <p:spTree>
       <p:nvGrpSpPr>
+        <p:cNvPr id="1" name=""/>
+        <p:cNvGrpSpPr/>
+        <p:nvPr/>
+      </p:nvGrpSpPr>
+      <p:grpSpPr>
+        <a:xfrm>
+          <a:off x="0" y="0"/>
+          <a:ext cx="0" cy="0"/>
+          <a:chOff x="0" y="0"/>
+          <a:chExt cx="0" cy="0"/>
+        </a:xfrm>
+      </p:grpSpPr>
+      <p:sp>
+        <p:nvSpPr>
+          <p:cNvPr id="2" name="Title 1">
+            <a:extLst>
+              <a:ext uri="{FF2B5EF4-FFF2-40B4-BE49-F238E27FC236}">
+                <a16:creationId xmlns:a16="http://schemas.microsoft.com/office/drawing/2014/main" id="{2E7D397F-CE0B-EB20-A6D1-2EB5AF5A80D7}"/>
+              </a:ext>
+            </a:extLst>
+          </p:cNvPr>
+          <p:cNvSpPr>
+            <a:spLocks noGrp="1"/>
+          </p:cNvSpPr>
+          <p:nvPr>
+            <p:ph type="title"/>
+          </p:nvPr>
+        </p:nvSpPr>
+        <p:spPr/>
+        <p:txBody>
+          <a:bodyPr/>
+          <a:lstStyle/>
+          <a:p>
+            <a:r>
+              <a:rPr lang="en-CA" dirty="0"/>
+              <a:t>Confidence Intervals</a:t>
+            </a:r>
+            <a:endParaRPr lang="en-US" dirty="0"/>
+          </a:p>
+        </p:txBody>
+      </p:sp>
+      <mc:AlternateContent xmlns:mc="http://schemas.openxmlformats.org/markup-compatibility/2006" xmlns:a14="http://schemas.microsoft.com/office/drawing/2010/main">
+        <mc:Choice Requires="a14">
+          <p:sp>
+            <p:nvSpPr>
+              <p:cNvPr id="3" name="Text Placeholder 2">
+                <a:extLst>
+                  <a:ext uri="{FF2B5EF4-FFF2-40B4-BE49-F238E27FC236}">
+                    <a16:creationId xmlns:a16="http://schemas.microsoft.com/office/drawing/2014/main" id="{15CB0082-C2BE-0282-EF44-77975DEDF22D}"/>
+                  </a:ext>
+                </a:extLst>
+              </p:cNvPr>
+              <p:cNvSpPr>
+                <a:spLocks noGrp="1"/>
+              </p:cNvSpPr>
+              <p:nvPr>
+                <p:ph type="body" idx="1"/>
+              </p:nvPr>
+            </p:nvSpPr>
+            <p:spPr>
+              <a:xfrm>
+                <a:off x="628650" y="1643432"/>
+                <a:ext cx="4134426" cy="4606723"/>
+              </a:xfrm>
+            </p:spPr>
+            <p:txBody>
+              <a:bodyPr/>
+              <a:lstStyle/>
+              <a:p>
+                <a:pPr marL="342900" indent="-342900">
+                  <a:buFont typeface="Arial" panose="020B0604020202020204" pitchFamily="34" charset="0"/>
+                  <a:buChar char="•"/>
+                </a:pPr>
+                <a:r>
+                  <a:rPr lang="en-CA" dirty="0"/>
+                  <a:t>We may want to attribute a range to our estimate</a:t>
+                </a:r>
+              </a:p>
+              <a:p>
+                <a:pPr marL="342900" indent="-342900">
+                  <a:buFont typeface="Arial" panose="020B0604020202020204" pitchFamily="34" charset="0"/>
+                  <a:buChar char="•"/>
+                </a:pPr>
+                <a:endParaRPr lang="en-CA" dirty="0"/>
+              </a:p>
+              <a:p>
+                <a:pPr marL="342900" indent="-342900">
+                  <a:buFont typeface="Arial" panose="020B0604020202020204" pitchFamily="34" charset="0"/>
+                  <a:buChar char="•"/>
+                </a:pPr>
+                <a:r>
+                  <a:rPr lang="en-CA" dirty="0"/>
+                  <a:t>Can be calculated with the </a:t>
+                </a:r>
+                <a:r>
+                  <a:rPr lang="en-CA" b="1" dirty="0"/>
+                  <a:t>margin of error</a:t>
+                </a:r>
+              </a:p>
+              <a:p>
+                <a:pPr/>
+                <a14:m>
+                  <m:oMathPara xmlns:m="http://schemas.openxmlformats.org/officeDocument/2006/math">
+                    <m:oMathParaPr>
+                      <m:jc m:val="centerGroup"/>
+                    </m:oMathParaPr>
+                    <m:oMath xmlns:m="http://schemas.openxmlformats.org/officeDocument/2006/math">
+                      <m:r>
+                        <a:rPr lang="en-CA" b="0" i="1" smtClean="0">
+                          <a:latin typeface="Cambria Math" panose="02040503050406030204" pitchFamily="18" charset="0"/>
+                        </a:rPr>
+                        <m:t>𝐸</m:t>
+                      </m:r>
+                      <m:r>
+                        <a:rPr lang="en-CA" b="0" i="1" smtClean="0">
+                          <a:latin typeface="Cambria Math" panose="02040503050406030204" pitchFamily="18" charset="0"/>
+                        </a:rPr>
+                        <m:t>=</m:t>
+                      </m:r>
+                      <m:r>
+                        <a:rPr lang="en-CA" b="0" i="1" smtClean="0">
+                          <a:latin typeface="Cambria Math" panose="02040503050406030204" pitchFamily="18" charset="0"/>
+                        </a:rPr>
+                        <m:t>𝑍</m:t>
+                      </m:r>
+                      <m:f>
+                        <m:fPr>
+                          <m:ctrlPr>
+                            <a:rPr lang="en-CA" b="0" i="1" smtClean="0">
+                              <a:latin typeface="Cambria Math" panose="02040503050406030204" pitchFamily="18" charset="0"/>
+                            </a:rPr>
+                          </m:ctrlPr>
+                        </m:fPr>
+                        <m:num>
+                          <m:r>
+                            <a:rPr lang="en-CA" b="0" i="1" smtClean="0">
+                              <a:latin typeface="Cambria Math" panose="02040503050406030204" pitchFamily="18" charset="0"/>
+                            </a:rPr>
+                            <m:t>𝜎</m:t>
+                          </m:r>
+                        </m:num>
+                        <m:den>
+                          <m:rad>
+                            <m:radPr>
+                              <m:degHide m:val="on"/>
+                              <m:ctrlPr>
+                                <a:rPr lang="en-CA" b="0" i="1" smtClean="0">
+                                  <a:latin typeface="Cambria Math" panose="02040503050406030204" pitchFamily="18" charset="0"/>
+                                </a:rPr>
+                              </m:ctrlPr>
+                            </m:radPr>
+                            <m:deg/>
+                            <m:e>
+                              <m:r>
+                                <a:rPr lang="en-CA" b="0" i="1" smtClean="0">
+                                  <a:latin typeface="Cambria Math" panose="02040503050406030204" pitchFamily="18" charset="0"/>
+                                </a:rPr>
+                                <m:t>𝑛</m:t>
+                              </m:r>
+                            </m:e>
+                          </m:rad>
+                        </m:den>
+                      </m:f>
+                    </m:oMath>
+                  </m:oMathPara>
+                </a14:m>
+                <a:endParaRPr lang="en-CA" b="0" dirty="0"/>
+              </a:p>
+              <a:p>
+                <a:pPr marL="342900" indent="-342900">
+                  <a:buFont typeface="Arial" panose="020B0604020202020204" pitchFamily="34" charset="0"/>
+                  <a:buChar char="•"/>
+                </a:pPr>
+                <a:endParaRPr lang="en-CA" dirty="0"/>
+              </a:p>
+              <a:p>
+                <a:pPr marL="342900" indent="-342900">
+                  <a:buFont typeface="Arial" panose="020B0604020202020204" pitchFamily="34" charset="0"/>
+                  <a:buChar char="•"/>
+                </a:pPr>
+                <a:r>
+                  <a:rPr lang="en-CA" dirty="0"/>
+                  <a:t>Where Z is the z-score that defines our confidence level</a:t>
+                </a:r>
+              </a:p>
+            </p:txBody>
+          </p:sp>
+        </mc:Choice>
+        <mc:Fallback xmlns="">
+          <p:sp>
+            <p:nvSpPr>
+              <p:cNvPr id="3" name="Text Placeholder 2">
+                <a:extLst>
+                  <a:ext uri="{FF2B5EF4-FFF2-40B4-BE49-F238E27FC236}">
+                    <a16:creationId xmlns:a16="http://schemas.microsoft.com/office/drawing/2014/main" id="{15CB0082-C2BE-0282-EF44-77975DEDF22D}"/>
+                  </a:ext>
+                </a:extLst>
+              </p:cNvPr>
+              <p:cNvSpPr>
+                <a:spLocks noGrp="1" noRot="1" noChangeAspect="1" noMove="1" noResize="1" noEditPoints="1" noAdjustHandles="1" noChangeArrowheads="1" noChangeShapeType="1" noTextEdit="1"/>
+              </p:cNvSpPr>
+              <p:nvPr>
+                <p:ph type="body" idx="1"/>
+              </p:nvPr>
+            </p:nvSpPr>
+            <p:spPr>
+              <a:xfrm>
+                <a:off x="628650" y="1643432"/>
+                <a:ext cx="4134426" cy="4606723"/>
+              </a:xfrm>
+              <a:blipFill>
+                <a:blip r:embed="rId2"/>
+                <a:stretch>
+                  <a:fillRect l="-1917" t="-1854"/>
+                </a:stretch>
+              </a:blipFill>
+            </p:spPr>
+            <p:txBody>
+              <a:bodyPr/>
+              <a:lstStyle/>
+              <a:p>
+                <a:r>
+                  <a:rPr lang="en-US">
+                    <a:noFill/>
+                  </a:rPr>
+                  <a:t> </a:t>
+                </a:r>
+              </a:p>
+            </p:txBody>
+          </p:sp>
+        </mc:Fallback>
+      </mc:AlternateContent>
+      <p:pic>
+        <p:nvPicPr>
+          <p:cNvPr id="9218" name="Picture 2">
+            <a:extLst>
+              <a:ext uri="{FF2B5EF4-FFF2-40B4-BE49-F238E27FC236}">
+                <a16:creationId xmlns:a16="http://schemas.microsoft.com/office/drawing/2014/main" id="{6E410117-D63E-D18C-891D-0E74E617E39A}"/>
+              </a:ext>
+            </a:extLst>
+          </p:cNvPr>
+          <p:cNvPicPr>
+            <a:picLocks noChangeAspect="1" noChangeArrowheads="1"/>
+          </p:cNvPicPr>
+          <p:nvPr/>
+        </p:nvPicPr>
+        <p:blipFill>
+          <a:blip r:embed="rId3">
+            <a:extLst>
+              <a:ext uri="{28A0092B-C50C-407E-A947-70E740481C1C}">
+                <a14:useLocalDpi xmlns:a14="http://schemas.microsoft.com/office/drawing/2010/main" val="0"/>
+              </a:ext>
+            </a:extLst>
+          </a:blip>
+          <a:srcRect/>
+          <a:stretch>
+            <a:fillRect/>
+          </a:stretch>
+        </p:blipFill>
+        <p:spPr bwMode="auto">
+          <a:xfrm>
+            <a:off x="5286375" y="2243014"/>
+            <a:ext cx="3790950" cy="3291234"/>
+          </a:xfrm>
+          <a:prstGeom prst="rect">
+            <a:avLst/>
+          </a:prstGeom>
+          <a:noFill/>
+          <a:extLst>
+            <a:ext uri="{909E8E84-426E-40DD-AFC4-6F175D3DCCD1}">
+              <a14:hiddenFill xmlns:a14="http://schemas.microsoft.com/office/drawing/2010/main">
+                <a:solidFill>
+                  <a:srgbClr val="FFFFFF"/>
+                </a:solidFill>
+              </a14:hiddenFill>
+            </a:ext>
+          </a:extLst>
+        </p:spPr>
+      </p:pic>
+    </p:spTree>
+    <p:extLst>
+      <p:ext uri="{BB962C8B-B14F-4D97-AF65-F5344CB8AC3E}">
+        <p14:creationId xmlns:p14="http://schemas.microsoft.com/office/powerpoint/2010/main" val="1291056166"/>
+      </p:ext>
+    </p:extLst>
+  </p:cSld>
+  <p:clrMapOvr>
+    <a:masterClrMapping/>
+  </p:clrMapOvr>
+</p:sld>
+</file>
+
+<file path=ppt/slides/slide23.xml><?xml version="1.0" encoding="utf-8"?>
+<p:sld xmlns:a="http://schemas.openxmlformats.org/drawingml/2006/main" xmlns:r="http://schemas.openxmlformats.org/officeDocument/2006/relationships" xmlns:p="http://schemas.openxmlformats.org/presentationml/2006/main">
+  <p:cSld>
+    <p:spTree>
+      <p:nvGrpSpPr>
+        <p:cNvPr id="1" name=""/>
+        <p:cNvGrpSpPr/>
+        <p:nvPr/>
+      </p:nvGrpSpPr>
+      <p:grpSpPr>
+        <a:xfrm>
+          <a:off x="0" y="0"/>
+          <a:ext cx="0" cy="0"/>
+          <a:chOff x="0" y="0"/>
+          <a:chExt cx="0" cy="0"/>
+        </a:xfrm>
+      </p:grpSpPr>
+      <p:sp>
+        <p:nvSpPr>
+          <p:cNvPr id="2" name="Title 1">
+            <a:extLst>
+              <a:ext uri="{FF2B5EF4-FFF2-40B4-BE49-F238E27FC236}">
+                <a16:creationId xmlns:a16="http://schemas.microsoft.com/office/drawing/2014/main" id="{5568DD53-0E60-48D4-A0EE-A8930702EFE2}"/>
+              </a:ext>
+            </a:extLst>
+          </p:cNvPr>
+          <p:cNvSpPr>
+            <a:spLocks noGrp="1"/>
+          </p:cNvSpPr>
+          <p:nvPr>
+            <p:ph type="title"/>
+          </p:nvPr>
+        </p:nvSpPr>
+        <p:spPr/>
+        <p:txBody>
+          <a:bodyPr>
+            <a:normAutofit fontScale="90000"/>
+          </a:bodyPr>
+          <a:lstStyle/>
+          <a:p>
+            <a:r>
+              <a:rPr lang="en-CA" dirty="0"/>
+              <a:t>PSA: Confidence Intervals</a:t>
+            </a:r>
+            <a:endParaRPr lang="en-US" dirty="0"/>
+          </a:p>
+        </p:txBody>
+      </p:sp>
+      <p:sp>
+        <p:nvSpPr>
+          <p:cNvPr id="3" name="Text Placeholder 2">
+            <a:extLst>
+              <a:ext uri="{FF2B5EF4-FFF2-40B4-BE49-F238E27FC236}">
+                <a16:creationId xmlns:a16="http://schemas.microsoft.com/office/drawing/2014/main" id="{F96E63DE-6149-CC4F-C3C8-3C7CD447355A}"/>
+              </a:ext>
+            </a:extLst>
+          </p:cNvPr>
+          <p:cNvSpPr>
+            <a:spLocks noGrp="1"/>
+          </p:cNvSpPr>
+          <p:nvPr>
+            <p:ph type="body" idx="1"/>
+          </p:nvPr>
+        </p:nvSpPr>
+        <p:spPr>
+          <a:xfrm>
+            <a:off x="194332" y="2476984"/>
+            <a:ext cx="4377668" cy="3426106"/>
+          </a:xfrm>
+        </p:spPr>
+        <p:txBody>
+          <a:bodyPr>
+            <a:normAutofit fontScale="92500"/>
+          </a:bodyPr>
+          <a:lstStyle/>
+          <a:p>
+            <a:r>
+              <a:rPr lang="en-CA" dirty="0"/>
+              <a:t>A  95% CI </a:t>
+            </a:r>
+            <a:r>
+              <a:rPr lang="en-CA" b="1" dirty="0"/>
+              <a:t>DOES NOT mean </a:t>
+            </a:r>
+            <a:r>
+              <a:rPr lang="en-CA" dirty="0"/>
+              <a:t>there is a 95% chance the true value is in that range</a:t>
+            </a:r>
+          </a:p>
+          <a:p>
+            <a:endParaRPr lang="en-CA" dirty="0"/>
+          </a:p>
+          <a:p>
+            <a:r>
+              <a:rPr lang="en-CA" b="1" dirty="0"/>
+              <a:t>For multiple experiments, 95% of CIs will overlap with the true value</a:t>
+            </a:r>
+          </a:p>
+          <a:p>
+            <a:endParaRPr lang="en-CA" sz="2000" b="1" dirty="0"/>
+          </a:p>
+          <a:p>
+            <a:r>
+              <a:rPr lang="en-CA" b="1" dirty="0"/>
+              <a:t>Consider a Bayesian formulation instead (beyond scope)</a:t>
+            </a:r>
+            <a:endParaRPr lang="en-US" b="1" dirty="0"/>
+          </a:p>
+        </p:txBody>
+      </p:sp>
+      <p:pic>
+        <p:nvPicPr>
+          <p:cNvPr id="1026" name="Picture 2" descr="undefined">
+            <a:extLst>
+              <a:ext uri="{FF2B5EF4-FFF2-40B4-BE49-F238E27FC236}">
+                <a16:creationId xmlns:a16="http://schemas.microsoft.com/office/drawing/2014/main" id="{4B9737DD-DF68-9500-CA63-977850AACB2C}"/>
+              </a:ext>
+            </a:extLst>
+          </p:cNvPr>
+          <p:cNvPicPr>
+            <a:picLocks noChangeAspect="1" noChangeArrowheads="1"/>
+          </p:cNvPicPr>
+          <p:nvPr/>
+        </p:nvPicPr>
+        <p:blipFill>
+          <a:blip r:embed="rId2">
+            <a:extLst>
+              <a:ext uri="{28A0092B-C50C-407E-A947-70E740481C1C}">
+                <a14:useLocalDpi xmlns:a14="http://schemas.microsoft.com/office/drawing/2010/main" val="0"/>
+              </a:ext>
+            </a:extLst>
+          </a:blip>
+          <a:srcRect/>
+          <a:stretch>
+            <a:fillRect/>
+          </a:stretch>
+        </p:blipFill>
+        <p:spPr bwMode="auto">
+          <a:xfrm>
+            <a:off x="4572000" y="1643432"/>
+            <a:ext cx="4470265" cy="4470265"/>
+          </a:xfrm>
+          <a:prstGeom prst="rect">
+            <a:avLst/>
+          </a:prstGeom>
+          <a:noFill/>
+          <a:extLst>
+            <a:ext uri="{909E8E84-426E-40DD-AFC4-6F175D3DCCD1}">
+              <a14:hiddenFill xmlns:a14="http://schemas.microsoft.com/office/drawing/2010/main">
+                <a:solidFill>
+                  <a:srgbClr val="FFFFFF"/>
+                </a:solidFill>
+              </a14:hiddenFill>
+            </a:ext>
+          </a:extLst>
+        </p:spPr>
+      </p:pic>
+      <p:sp>
+        <p:nvSpPr>
+          <p:cNvPr id="4" name="TextBox 3">
+            <a:extLst>
+              <a:ext uri="{FF2B5EF4-FFF2-40B4-BE49-F238E27FC236}">
+                <a16:creationId xmlns:a16="http://schemas.microsoft.com/office/drawing/2014/main" id="{CCF16B3C-8FD9-EF69-6A29-E55F05E405EE}"/>
+              </a:ext>
+            </a:extLst>
+          </p:cNvPr>
+          <p:cNvSpPr txBox="1"/>
+          <p:nvPr/>
+        </p:nvSpPr>
+        <p:spPr>
+          <a:xfrm>
+            <a:off x="7072132" y="1643432"/>
+            <a:ext cx="868101" cy="369460"/>
+          </a:xfrm>
+          <a:prstGeom prst="rect">
+            <a:avLst/>
+          </a:prstGeom>
+          <a:noFill/>
+        </p:spPr>
+        <p:txBody>
+          <a:bodyPr wrap="square" rtlCol="0">
+            <a:spAutoFit/>
+          </a:bodyPr>
+          <a:lstStyle/>
+          <a:p>
+            <a:r>
+              <a:rPr lang="en-CA" b="1" dirty="0"/>
+              <a:t>50% CI</a:t>
+            </a:r>
+            <a:endParaRPr lang="en-US" b="1" dirty="0"/>
+          </a:p>
+        </p:txBody>
+      </p:sp>
+    </p:spTree>
+    <p:extLst>
+      <p:ext uri="{BB962C8B-B14F-4D97-AF65-F5344CB8AC3E}">
+        <p14:creationId xmlns:p14="http://schemas.microsoft.com/office/powerpoint/2010/main" val="4253093352"/>
+      </p:ext>
+    </p:extLst>
+  </p:cSld>
+  <p:clrMapOvr>
+    <a:masterClrMapping/>
+  </p:clrMapOvr>
+</p:sld>
+</file>
+
+<file path=ppt/slides/slide24.xml><?xml version="1.0" encoding="utf-8"?>
+<p:sld xmlns:a="http://schemas.openxmlformats.org/drawingml/2006/main" xmlns:r="http://schemas.openxmlformats.org/officeDocument/2006/relationships" xmlns:p="http://schemas.openxmlformats.org/presentationml/2006/main">
+  <p:cSld>
+    <p:spTree>
+      <p:nvGrpSpPr>
         <p:cNvPr id="1" name="">
           <a:extLst>
             <a:ext uri="{FF2B5EF4-FFF2-40B4-BE49-F238E27FC236}">
@@ -8071,7 +8596,7 @@
 </p:sld>
 </file>
 
-<file path=ppt/slides/slide23.xml><?xml version="1.0" encoding="utf-8"?>
+<file path=ppt/slides/slide25.xml><?xml version="1.0" encoding="utf-8"?>
 <p:sld xmlns:a="http://schemas.openxmlformats.org/drawingml/2006/main" xmlns:r="http://schemas.openxmlformats.org/officeDocument/2006/relationships" xmlns:p="http://schemas.openxmlformats.org/presentationml/2006/main">
   <p:cSld>
     <p:spTree>
@@ -8229,8 +8754,8 @@
           </a:p>
         </p:txBody>
       </p:sp>
-      <mc:AlternateContent xmlns:mc="http://schemas.openxmlformats.org/markup-compatibility/2006">
-        <mc:Choice xmlns:a14="http://schemas.microsoft.com/office/drawing/2010/main" Requires="a14">
+      <mc:AlternateContent xmlns:mc="http://schemas.openxmlformats.org/markup-compatibility/2006" xmlns:a14="http://schemas.microsoft.com/office/drawing/2010/main">
+        <mc:Choice Requires="a14">
           <p:sp>
             <p:nvSpPr>
               <p:cNvPr id="8" name="TextBox 7">
@@ -8328,7 +8853,7 @@
             </p:txBody>
           </p:sp>
         </mc:Choice>
-        <mc:Fallback>
+        <mc:Fallback xmlns="">
           <p:sp>
             <p:nvSpPr>
               <p:cNvPr id="8" name="TextBox 7">
@@ -8402,8 +8927,8 @@
         </p:blipFill>
         <p:spPr bwMode="auto">
           <a:xfrm>
-            <a:off x="6909831" y="16829"/>
-            <a:ext cx="2234169" cy="2203704"/>
+            <a:off x="7114228" y="16829"/>
+            <a:ext cx="2029772" cy="2002094"/>
           </a:xfrm>
           <a:prstGeom prst="rect">
             <a:avLst/>
@@ -8420,8 +8945,8 @@
           </a:extLst>
         </p:spPr>
       </p:pic>
-      <mc:AlternateContent xmlns:mc="http://schemas.openxmlformats.org/markup-compatibility/2006">
-        <mc:Choice xmlns:a14="http://schemas.microsoft.com/office/drawing/2010/main" Requires="a14">
+      <mc:AlternateContent xmlns:mc="http://schemas.openxmlformats.org/markup-compatibility/2006" xmlns:a14="http://schemas.microsoft.com/office/drawing/2010/main">
+        <mc:Choice Requires="a14">
           <p:sp>
             <p:nvSpPr>
               <p:cNvPr id="10" name="TextBox 9">
@@ -8519,7 +9044,7 @@
             </p:txBody>
           </p:sp>
         </mc:Choice>
-        <mc:Fallback>
+        <mc:Fallback xmlns="">
           <p:sp>
             <p:nvSpPr>
               <p:cNvPr id="10" name="TextBox 9">
@@ -8564,8 +9089,8 @@
           </p:sp>
         </mc:Fallback>
       </mc:AlternateContent>
-      <mc:AlternateContent xmlns:mc="http://schemas.openxmlformats.org/markup-compatibility/2006">
-        <mc:Choice xmlns:a14="http://schemas.microsoft.com/office/drawing/2010/main" Requires="a14">
+      <mc:AlternateContent xmlns:mc="http://schemas.openxmlformats.org/markup-compatibility/2006" xmlns:a14="http://schemas.microsoft.com/office/drawing/2010/main">
+        <mc:Choice Requires="a14">
           <p:sp>
             <p:nvSpPr>
               <p:cNvPr id="11" name="TextBox 10">
@@ -8669,7 +9194,7 @@
             </p:txBody>
           </p:sp>
         </mc:Choice>
-        <mc:Fallback>
+        <mc:Fallback xmlns="">
           <p:sp>
             <p:nvSpPr>
               <p:cNvPr id="11" name="TextBox 10">
@@ -8714,6 +9239,44 @@
           </p:sp>
         </mc:Fallback>
       </mc:AlternateContent>
+      <p:sp>
+        <p:nvSpPr>
+          <p:cNvPr id="4" name="TextBox 3">
+            <a:extLst>
+              <a:ext uri="{FF2B5EF4-FFF2-40B4-BE49-F238E27FC236}">
+                <a16:creationId xmlns:a16="http://schemas.microsoft.com/office/drawing/2014/main" id="{5D5743EF-03EC-1477-8BCB-379D06A8F5D7}"/>
+              </a:ext>
+            </a:extLst>
+          </p:cNvPr>
+          <p:cNvSpPr txBox="1"/>
+          <p:nvPr/>
+        </p:nvSpPr>
+        <p:spPr>
+          <a:xfrm>
+            <a:off x="7634108" y="1898891"/>
+            <a:ext cx="1605519" cy="307777"/>
+          </a:xfrm>
+          <a:prstGeom prst="rect">
+            <a:avLst/>
+          </a:prstGeom>
+          <a:noFill/>
+        </p:spPr>
+        <p:txBody>
+          <a:bodyPr wrap="square">
+            <a:spAutoFit/>
+          </a:bodyPr>
+          <a:lstStyle/>
+          <a:p>
+            <a:r>
+              <a:rPr lang="en-US" sz="1400" b="0" i="0" u="none" strike="noStrike" baseline="0" dirty="0">
+                <a:latin typeface="HelveticaNeue"/>
+              </a:rPr>
+              <a:t>Credit: Wikipedia</a:t>
+            </a:r>
+            <a:endParaRPr lang="en-US" sz="1600" dirty="0"/>
+          </a:p>
+        </p:txBody>
+      </p:sp>
     </p:spTree>
     <p:extLst>
       <p:ext uri="{BB962C8B-B14F-4D97-AF65-F5344CB8AC3E}">
@@ -8851,7 +9414,7 @@
 </p:sld>
 </file>
 
-<file path=ppt/slides/slide24.xml><?xml version="1.0" encoding="utf-8"?>
+<file path=ppt/slides/slide26.xml><?xml version="1.0" encoding="utf-8"?>
 <p:sld xmlns:a="http://schemas.openxmlformats.org/drawingml/2006/main" xmlns:r="http://schemas.openxmlformats.org/officeDocument/2006/relationships" xmlns:p="http://schemas.openxmlformats.org/presentationml/2006/main">
   <p:cSld>
     <p:spTree>
@@ -9333,7 +9896,7 @@
 </p:sld>
 </file>
 
-<file path=ppt/slides/slide25.xml><?xml version="1.0" encoding="utf-8"?>
+<file path=ppt/slides/slide27.xml><?xml version="1.0" encoding="utf-8"?>
 <p:sld xmlns:a="http://schemas.openxmlformats.org/drawingml/2006/main" xmlns:r="http://schemas.openxmlformats.org/officeDocument/2006/relationships" xmlns:p="http://schemas.openxmlformats.org/presentationml/2006/main">
   <p:cSld>
     <p:spTree>
@@ -9973,7 +10536,7 @@
 </p:sld>
 </file>
 
-<file path=ppt/slides/slide26.xml><?xml version="1.0" encoding="utf-8"?>
+<file path=ppt/slides/slide28.xml><?xml version="1.0" encoding="utf-8"?>
 <p:sld xmlns:a="http://schemas.openxmlformats.org/drawingml/2006/main" xmlns:r="http://schemas.openxmlformats.org/officeDocument/2006/relationships" xmlns:p="http://schemas.openxmlformats.org/presentationml/2006/main">
   <p:cSld>
     <p:spTree>
@@ -10116,509 +10679,6 @@
     <p:extLst>
       <p:ext uri="{BB962C8B-B14F-4D97-AF65-F5344CB8AC3E}">
         <p14:creationId xmlns:p14="http://schemas.microsoft.com/office/powerpoint/2010/main" val="760899132"/>
-      </p:ext>
-    </p:extLst>
-  </p:cSld>
-  <p:clrMapOvr>
-    <a:masterClrMapping/>
-  </p:clrMapOvr>
-</p:sld>
-</file>
-
-<file path=ppt/slides/slide27.xml><?xml version="1.0" encoding="utf-8"?>
-<p:sld xmlns:a="http://schemas.openxmlformats.org/drawingml/2006/main" xmlns:r="http://schemas.openxmlformats.org/officeDocument/2006/relationships" xmlns:p="http://schemas.openxmlformats.org/presentationml/2006/main">
-  <p:cSld>
-    <p:spTree>
-      <p:nvGrpSpPr>
-        <p:cNvPr id="1" name=""/>
-        <p:cNvGrpSpPr/>
-        <p:nvPr/>
-      </p:nvGrpSpPr>
-      <p:grpSpPr>
-        <a:xfrm>
-          <a:off x="0" y="0"/>
-          <a:ext cx="0" cy="0"/>
-          <a:chOff x="0" y="0"/>
-          <a:chExt cx="0" cy="0"/>
-        </a:xfrm>
-      </p:grpSpPr>
-      <p:sp>
-        <p:nvSpPr>
-          <p:cNvPr id="2" name="Title 1">
-            <a:extLst>
-              <a:ext uri="{FF2B5EF4-FFF2-40B4-BE49-F238E27FC236}">
-                <a16:creationId xmlns:a16="http://schemas.microsoft.com/office/drawing/2014/main" id="{2E7D397F-CE0B-EB20-A6D1-2EB5AF5A80D7}"/>
-              </a:ext>
-            </a:extLst>
-          </p:cNvPr>
-          <p:cNvSpPr>
-            <a:spLocks noGrp="1"/>
-          </p:cNvSpPr>
-          <p:nvPr>
-            <p:ph type="title"/>
-          </p:nvPr>
-        </p:nvSpPr>
-        <p:spPr/>
-        <p:txBody>
-          <a:bodyPr/>
-          <a:lstStyle/>
-          <a:p>
-            <a:r>
-              <a:rPr lang="en-CA" dirty="0"/>
-              <a:t>Confidence Intervals</a:t>
-            </a:r>
-            <a:endParaRPr lang="en-US" dirty="0"/>
-          </a:p>
-        </p:txBody>
-      </p:sp>
-      <mc:AlternateContent xmlns:mc="http://schemas.openxmlformats.org/markup-compatibility/2006">
-        <mc:Choice xmlns:a14="http://schemas.microsoft.com/office/drawing/2010/main" Requires="a14">
-          <p:sp>
-            <p:nvSpPr>
-              <p:cNvPr id="3" name="Text Placeholder 2">
-                <a:extLst>
-                  <a:ext uri="{FF2B5EF4-FFF2-40B4-BE49-F238E27FC236}">
-                    <a16:creationId xmlns:a16="http://schemas.microsoft.com/office/drawing/2014/main" id="{15CB0082-C2BE-0282-EF44-77975DEDF22D}"/>
-                  </a:ext>
-                </a:extLst>
-              </p:cNvPr>
-              <p:cNvSpPr>
-                <a:spLocks noGrp="1"/>
-              </p:cNvSpPr>
-              <p:nvPr>
-                <p:ph type="body" idx="1"/>
-              </p:nvPr>
-            </p:nvSpPr>
-            <p:spPr>
-              <a:xfrm>
-                <a:off x="628650" y="1643432"/>
-                <a:ext cx="4134426" cy="4606723"/>
-              </a:xfrm>
-            </p:spPr>
-            <p:txBody>
-              <a:bodyPr/>
-              <a:lstStyle/>
-              <a:p>
-                <a:pPr marL="342900" indent="-342900">
-                  <a:buFont typeface="Arial" panose="020B0604020202020204" pitchFamily="34" charset="0"/>
-                  <a:buChar char="•"/>
-                </a:pPr>
-                <a:r>
-                  <a:rPr lang="en-CA" dirty="0"/>
-                  <a:t>We may want to attribute a range to our estimate</a:t>
-                </a:r>
-              </a:p>
-              <a:p>
-                <a:pPr marL="342900" indent="-342900">
-                  <a:buFont typeface="Arial" panose="020B0604020202020204" pitchFamily="34" charset="0"/>
-                  <a:buChar char="•"/>
-                </a:pPr>
-                <a:endParaRPr lang="en-CA" dirty="0"/>
-              </a:p>
-              <a:p>
-                <a:pPr marL="342900" indent="-342900">
-                  <a:buFont typeface="Arial" panose="020B0604020202020204" pitchFamily="34" charset="0"/>
-                  <a:buChar char="•"/>
-                </a:pPr>
-                <a:r>
-                  <a:rPr lang="en-CA" dirty="0"/>
-                  <a:t>Can be calculated with the </a:t>
-                </a:r>
-                <a:r>
-                  <a:rPr lang="en-CA" b="1" dirty="0"/>
-                  <a:t>margin of error</a:t>
-                </a:r>
-              </a:p>
-              <a:p>
-                <a:pPr/>
-                <a14:m>
-                  <m:oMathPara xmlns:m="http://schemas.openxmlformats.org/officeDocument/2006/math">
-                    <m:oMathParaPr>
-                      <m:jc m:val="centerGroup"/>
-                    </m:oMathParaPr>
-                    <m:oMath xmlns:m="http://schemas.openxmlformats.org/officeDocument/2006/math">
-                      <m:r>
-                        <a:rPr lang="en-CA" b="0" i="1" smtClean="0">
-                          <a:latin typeface="Cambria Math" panose="02040503050406030204" pitchFamily="18" charset="0"/>
-                        </a:rPr>
-                        <m:t>𝐸</m:t>
-                      </m:r>
-                      <m:r>
-                        <a:rPr lang="en-CA" b="0" i="1" smtClean="0">
-                          <a:latin typeface="Cambria Math" panose="02040503050406030204" pitchFamily="18" charset="0"/>
-                        </a:rPr>
-                        <m:t>=</m:t>
-                      </m:r>
-                      <m:r>
-                        <a:rPr lang="en-CA" b="0" i="1" smtClean="0">
-                          <a:latin typeface="Cambria Math" panose="02040503050406030204" pitchFamily="18" charset="0"/>
-                        </a:rPr>
-                        <m:t>𝑍</m:t>
-                      </m:r>
-                      <m:f>
-                        <m:fPr>
-                          <m:ctrlPr>
-                            <a:rPr lang="en-CA" b="0" i="1" smtClean="0">
-                              <a:latin typeface="Cambria Math" panose="02040503050406030204" pitchFamily="18" charset="0"/>
-                            </a:rPr>
-                          </m:ctrlPr>
-                        </m:fPr>
-                        <m:num>
-                          <m:r>
-                            <a:rPr lang="en-CA" b="0" i="1" smtClean="0">
-                              <a:latin typeface="Cambria Math" panose="02040503050406030204" pitchFamily="18" charset="0"/>
-                            </a:rPr>
-                            <m:t>𝜎</m:t>
-                          </m:r>
-                        </m:num>
-                        <m:den>
-                          <m:rad>
-                            <m:radPr>
-                              <m:degHide m:val="on"/>
-                              <m:ctrlPr>
-                                <a:rPr lang="en-CA" b="0" i="1" smtClean="0">
-                                  <a:latin typeface="Cambria Math" panose="02040503050406030204" pitchFamily="18" charset="0"/>
-                                </a:rPr>
-                              </m:ctrlPr>
-                            </m:radPr>
-                            <m:deg/>
-                            <m:e>
-                              <m:r>
-                                <a:rPr lang="en-CA" b="0" i="1" smtClean="0">
-                                  <a:latin typeface="Cambria Math" panose="02040503050406030204" pitchFamily="18" charset="0"/>
-                                </a:rPr>
-                                <m:t>𝑛</m:t>
-                              </m:r>
-                            </m:e>
-                          </m:rad>
-                        </m:den>
-                      </m:f>
-                    </m:oMath>
-                  </m:oMathPara>
-                </a14:m>
-                <a:endParaRPr lang="en-CA" b="0" dirty="0"/>
-              </a:p>
-              <a:p>
-                <a:pPr marL="342900" indent="-342900">
-                  <a:buFont typeface="Arial" panose="020B0604020202020204" pitchFamily="34" charset="0"/>
-                  <a:buChar char="•"/>
-                </a:pPr>
-                <a:endParaRPr lang="en-CA" dirty="0"/>
-              </a:p>
-              <a:p>
-                <a:pPr marL="342900" indent="-342900">
-                  <a:buFont typeface="Arial" panose="020B0604020202020204" pitchFamily="34" charset="0"/>
-                  <a:buChar char="•"/>
-                </a:pPr>
-                <a:r>
-                  <a:rPr lang="en-CA" dirty="0"/>
-                  <a:t>Where Z is the z-score that defines our confidence level</a:t>
-                </a:r>
-              </a:p>
-            </p:txBody>
-          </p:sp>
-        </mc:Choice>
-        <mc:Fallback>
-          <p:sp>
-            <p:nvSpPr>
-              <p:cNvPr id="3" name="Text Placeholder 2">
-                <a:extLst>
-                  <a:ext uri="{FF2B5EF4-FFF2-40B4-BE49-F238E27FC236}">
-                    <a16:creationId xmlns:a16="http://schemas.microsoft.com/office/drawing/2014/main" id="{15CB0082-C2BE-0282-EF44-77975DEDF22D}"/>
-                  </a:ext>
-                </a:extLst>
-              </p:cNvPr>
-              <p:cNvSpPr>
-                <a:spLocks noGrp="1" noRot="1" noChangeAspect="1" noMove="1" noResize="1" noEditPoints="1" noAdjustHandles="1" noChangeArrowheads="1" noChangeShapeType="1" noTextEdit="1"/>
-              </p:cNvSpPr>
-              <p:nvPr>
-                <p:ph type="body" idx="1"/>
-              </p:nvPr>
-            </p:nvSpPr>
-            <p:spPr>
-              <a:xfrm>
-                <a:off x="628650" y="1643432"/>
-                <a:ext cx="4134426" cy="4606723"/>
-              </a:xfrm>
-              <a:blipFill>
-                <a:blip r:embed="rId2"/>
-                <a:stretch>
-                  <a:fillRect l="-1917" t="-1854"/>
-                </a:stretch>
-              </a:blipFill>
-            </p:spPr>
-            <p:txBody>
-              <a:bodyPr/>
-              <a:lstStyle/>
-              <a:p>
-                <a:r>
-                  <a:rPr lang="en-US">
-                    <a:noFill/>
-                  </a:rPr>
-                  <a:t> </a:t>
-                </a:r>
-              </a:p>
-            </p:txBody>
-          </p:sp>
-        </mc:Fallback>
-      </mc:AlternateContent>
-      <p:pic>
-        <p:nvPicPr>
-          <p:cNvPr id="9218" name="Picture 2">
-            <a:extLst>
-              <a:ext uri="{FF2B5EF4-FFF2-40B4-BE49-F238E27FC236}">
-                <a16:creationId xmlns:a16="http://schemas.microsoft.com/office/drawing/2014/main" id="{6E410117-D63E-D18C-891D-0E74E617E39A}"/>
-              </a:ext>
-            </a:extLst>
-          </p:cNvPr>
-          <p:cNvPicPr>
-            <a:picLocks noChangeAspect="1" noChangeArrowheads="1"/>
-          </p:cNvPicPr>
-          <p:nvPr/>
-        </p:nvPicPr>
-        <p:blipFill>
-          <a:blip r:embed="rId3">
-            <a:extLst>
-              <a:ext uri="{28A0092B-C50C-407E-A947-70E740481C1C}">
-                <a14:useLocalDpi xmlns:a14="http://schemas.microsoft.com/office/drawing/2010/main" val="0"/>
-              </a:ext>
-            </a:extLst>
-          </a:blip>
-          <a:srcRect/>
-          <a:stretch>
-            <a:fillRect/>
-          </a:stretch>
-        </p:blipFill>
-        <p:spPr bwMode="auto">
-          <a:xfrm>
-            <a:off x="5286375" y="2243014"/>
-            <a:ext cx="3790950" cy="3291234"/>
-          </a:xfrm>
-          <a:prstGeom prst="rect">
-            <a:avLst/>
-          </a:prstGeom>
-          <a:noFill/>
-          <a:extLst>
-            <a:ext uri="{909E8E84-426E-40DD-AFC4-6F175D3DCCD1}">
-              <a14:hiddenFill xmlns:a14="http://schemas.microsoft.com/office/drawing/2010/main">
-                <a:solidFill>
-                  <a:srgbClr val="FFFFFF"/>
-                </a:solidFill>
-              </a14:hiddenFill>
-            </a:ext>
-          </a:extLst>
-        </p:spPr>
-      </p:pic>
-    </p:spTree>
-    <p:extLst>
-      <p:ext uri="{BB962C8B-B14F-4D97-AF65-F5344CB8AC3E}">
-        <p14:creationId xmlns:p14="http://schemas.microsoft.com/office/powerpoint/2010/main" val="1000633892"/>
-      </p:ext>
-    </p:extLst>
-  </p:cSld>
-  <p:clrMapOvr>
-    <a:masterClrMapping/>
-  </p:clrMapOvr>
-</p:sld>
-</file>
-
-<file path=ppt/slides/slide28.xml><?xml version="1.0" encoding="utf-8"?>
-<p:sld xmlns:a="http://schemas.openxmlformats.org/drawingml/2006/main" xmlns:r="http://schemas.openxmlformats.org/officeDocument/2006/relationships" xmlns:p="http://schemas.openxmlformats.org/presentationml/2006/main">
-  <p:cSld>
-    <p:spTree>
-      <p:nvGrpSpPr>
-        <p:cNvPr id="1" name=""/>
-        <p:cNvGrpSpPr/>
-        <p:nvPr/>
-      </p:nvGrpSpPr>
-      <p:grpSpPr>
-        <a:xfrm>
-          <a:off x="0" y="0"/>
-          <a:ext cx="0" cy="0"/>
-          <a:chOff x="0" y="0"/>
-          <a:chExt cx="0" cy="0"/>
-        </a:xfrm>
-      </p:grpSpPr>
-      <p:sp>
-        <p:nvSpPr>
-          <p:cNvPr id="2" name="Title 1">
-            <a:extLst>
-              <a:ext uri="{FF2B5EF4-FFF2-40B4-BE49-F238E27FC236}">
-                <a16:creationId xmlns:a16="http://schemas.microsoft.com/office/drawing/2014/main" id="{5568DD53-0E60-48D4-A0EE-A8930702EFE2}"/>
-              </a:ext>
-            </a:extLst>
-          </p:cNvPr>
-          <p:cNvSpPr>
-            <a:spLocks noGrp="1"/>
-          </p:cNvSpPr>
-          <p:nvPr>
-            <p:ph type="title"/>
-          </p:nvPr>
-        </p:nvSpPr>
-        <p:spPr/>
-        <p:txBody>
-          <a:bodyPr>
-            <a:normAutofit fontScale="90000"/>
-          </a:bodyPr>
-          <a:lstStyle/>
-          <a:p>
-            <a:r>
-              <a:rPr lang="en-CA" dirty="0"/>
-              <a:t>PSA: Confidence Intervals</a:t>
-            </a:r>
-            <a:endParaRPr lang="en-US" dirty="0"/>
-          </a:p>
-        </p:txBody>
-      </p:sp>
-      <p:sp>
-        <p:nvSpPr>
-          <p:cNvPr id="3" name="Text Placeholder 2">
-            <a:extLst>
-              <a:ext uri="{FF2B5EF4-FFF2-40B4-BE49-F238E27FC236}">
-                <a16:creationId xmlns:a16="http://schemas.microsoft.com/office/drawing/2014/main" id="{F96E63DE-6149-CC4F-C3C8-3C7CD447355A}"/>
-              </a:ext>
-            </a:extLst>
-          </p:cNvPr>
-          <p:cNvSpPr>
-            <a:spLocks noGrp="1"/>
-          </p:cNvSpPr>
-          <p:nvPr>
-            <p:ph type="body" idx="1"/>
-          </p:nvPr>
-        </p:nvSpPr>
-        <p:spPr>
-          <a:xfrm>
-            <a:off x="194332" y="2476984"/>
-            <a:ext cx="4377668" cy="3426106"/>
-          </a:xfrm>
-        </p:spPr>
-        <p:txBody>
-          <a:bodyPr>
-            <a:normAutofit fontScale="92500"/>
-          </a:bodyPr>
-          <a:lstStyle/>
-          <a:p>
-            <a:r>
-              <a:rPr lang="en-CA" dirty="0"/>
-              <a:t>A  95% CI </a:t>
-            </a:r>
-            <a:r>
-              <a:rPr lang="en-CA" b="1" dirty="0"/>
-              <a:t>DOES NOT mean </a:t>
-            </a:r>
-            <a:r>
-              <a:rPr lang="en-CA" dirty="0"/>
-              <a:t>there is a 95% chance the true value is in that range</a:t>
-            </a:r>
-          </a:p>
-          <a:p>
-            <a:endParaRPr lang="en-CA" dirty="0"/>
-          </a:p>
-          <a:p>
-            <a:r>
-              <a:rPr lang="en-CA" b="1" dirty="0"/>
-              <a:t>For multiple experiments, 95% of CIs will overlap with the true value</a:t>
-            </a:r>
-          </a:p>
-          <a:p>
-            <a:endParaRPr lang="en-CA" sz="2000" b="1" dirty="0"/>
-          </a:p>
-          <a:p>
-            <a:r>
-              <a:rPr lang="en-CA" b="1" dirty="0"/>
-              <a:t>Consider a Bayesian formulation instead (beyond scope)</a:t>
-            </a:r>
-            <a:endParaRPr lang="en-US" b="1" dirty="0"/>
-          </a:p>
-        </p:txBody>
-      </p:sp>
-      <p:pic>
-        <p:nvPicPr>
-          <p:cNvPr id="1026" name="Picture 2" descr="undefined">
-            <a:extLst>
-              <a:ext uri="{FF2B5EF4-FFF2-40B4-BE49-F238E27FC236}">
-                <a16:creationId xmlns:a16="http://schemas.microsoft.com/office/drawing/2014/main" id="{4B9737DD-DF68-9500-CA63-977850AACB2C}"/>
-              </a:ext>
-            </a:extLst>
-          </p:cNvPr>
-          <p:cNvPicPr>
-            <a:picLocks noChangeAspect="1" noChangeArrowheads="1"/>
-          </p:cNvPicPr>
-          <p:nvPr/>
-        </p:nvPicPr>
-        <p:blipFill>
-          <a:blip r:embed="rId2">
-            <a:extLst>
-              <a:ext uri="{28A0092B-C50C-407E-A947-70E740481C1C}">
-                <a14:useLocalDpi xmlns:a14="http://schemas.microsoft.com/office/drawing/2010/main" val="0"/>
-              </a:ext>
-            </a:extLst>
-          </a:blip>
-          <a:srcRect/>
-          <a:stretch>
-            <a:fillRect/>
-          </a:stretch>
-        </p:blipFill>
-        <p:spPr bwMode="auto">
-          <a:xfrm>
-            <a:off x="4572000" y="1643432"/>
-            <a:ext cx="4470265" cy="4470265"/>
-          </a:xfrm>
-          <a:prstGeom prst="rect">
-            <a:avLst/>
-          </a:prstGeom>
-          <a:noFill/>
-          <a:extLst>
-            <a:ext uri="{909E8E84-426E-40DD-AFC4-6F175D3DCCD1}">
-              <a14:hiddenFill xmlns:a14="http://schemas.microsoft.com/office/drawing/2010/main">
-                <a:solidFill>
-                  <a:srgbClr val="FFFFFF"/>
-                </a:solidFill>
-              </a14:hiddenFill>
-            </a:ext>
-          </a:extLst>
-        </p:spPr>
-      </p:pic>
-      <p:sp>
-        <p:nvSpPr>
-          <p:cNvPr id="4" name="TextBox 3">
-            <a:extLst>
-              <a:ext uri="{FF2B5EF4-FFF2-40B4-BE49-F238E27FC236}">
-                <a16:creationId xmlns:a16="http://schemas.microsoft.com/office/drawing/2014/main" id="{CCF16B3C-8FD9-EF69-6A29-E55F05E405EE}"/>
-              </a:ext>
-            </a:extLst>
-          </p:cNvPr>
-          <p:cNvSpPr txBox="1"/>
-          <p:nvPr/>
-        </p:nvSpPr>
-        <p:spPr>
-          <a:xfrm>
-            <a:off x="7072132" y="1643432"/>
-            <a:ext cx="868101" cy="369460"/>
-          </a:xfrm>
-          <a:prstGeom prst="rect">
-            <a:avLst/>
-          </a:prstGeom>
-          <a:noFill/>
-        </p:spPr>
-        <p:txBody>
-          <a:bodyPr wrap="square" rtlCol="0">
-            <a:spAutoFit/>
-          </a:bodyPr>
-          <a:lstStyle/>
-          <a:p>
-            <a:r>
-              <a:rPr lang="en-CA" b="1" dirty="0"/>
-              <a:t>50% CI</a:t>
-            </a:r>
-            <a:endParaRPr lang="en-US" b="1" dirty="0"/>
-          </a:p>
-        </p:txBody>
-      </p:sp>
-    </p:spTree>
-    <p:extLst>
-      <p:ext uri="{BB962C8B-B14F-4D97-AF65-F5344CB8AC3E}">
-        <p14:creationId xmlns:p14="http://schemas.microsoft.com/office/powerpoint/2010/main" val="443152693"/>
       </p:ext>
     </p:extLst>
   </p:cSld>

--- a/slides/QLS-MiCM Statistics in R Fall 2024.pptx
+++ b/slides/QLS-MiCM Statistics in R Fall 2024.pptx
@@ -5,52 +5,53 @@
     <p:sldMasterId id="2147483660" r:id="rId1"/>
   </p:sldMasterIdLst>
   <p:notesMasterIdLst>
-    <p:notesMasterId r:id="rId42"/>
+    <p:notesMasterId r:id="rId43"/>
   </p:notesMasterIdLst>
   <p:handoutMasterIdLst>
-    <p:handoutMasterId r:id="rId43"/>
+    <p:handoutMasterId r:id="rId44"/>
   </p:handoutMasterIdLst>
   <p:sldIdLst>
-    <p:sldId id="316" r:id="rId2"/>
-    <p:sldId id="321" r:id="rId3"/>
-    <p:sldId id="338" r:id="rId4"/>
-    <p:sldId id="353" r:id="rId5"/>
-    <p:sldId id="415" r:id="rId6"/>
-    <p:sldId id="446" r:id="rId7"/>
-    <p:sldId id="448" r:id="rId8"/>
-    <p:sldId id="447" r:id="rId9"/>
-    <p:sldId id="454" r:id="rId10"/>
-    <p:sldId id="472" r:id="rId11"/>
-    <p:sldId id="452" r:id="rId12"/>
-    <p:sldId id="460" r:id="rId13"/>
-    <p:sldId id="476" r:id="rId14"/>
-    <p:sldId id="459" r:id="rId15"/>
-    <p:sldId id="456" r:id="rId16"/>
-    <p:sldId id="462" r:id="rId17"/>
-    <p:sldId id="464" r:id="rId18"/>
-    <p:sldId id="479" r:id="rId19"/>
-    <p:sldId id="463" r:id="rId20"/>
-    <p:sldId id="478" r:id="rId21"/>
-    <p:sldId id="477" r:id="rId22"/>
-    <p:sldId id="471" r:id="rId23"/>
-    <p:sldId id="475" r:id="rId24"/>
-    <p:sldId id="450" r:id="rId25"/>
-    <p:sldId id="455" r:id="rId26"/>
-    <p:sldId id="465" r:id="rId27"/>
-    <p:sldId id="469" r:id="rId28"/>
-    <p:sldId id="467" r:id="rId29"/>
-    <p:sldId id="451" r:id="rId30"/>
-    <p:sldId id="457" r:id="rId31"/>
-    <p:sldId id="474" r:id="rId32"/>
-    <p:sldId id="470" r:id="rId33"/>
-    <p:sldId id="453" r:id="rId34"/>
-    <p:sldId id="480" r:id="rId35"/>
-    <p:sldId id="458" r:id="rId36"/>
-    <p:sldId id="481" r:id="rId37"/>
-    <p:sldId id="473" r:id="rId38"/>
-    <p:sldId id="354" r:id="rId39"/>
-    <p:sldId id="468" r:id="rId40"/>
-    <p:sldId id="318" r:id="rId41"/>
+    <p:sldId id="482" r:id="rId2"/>
+    <p:sldId id="316" r:id="rId3"/>
+    <p:sldId id="321" r:id="rId4"/>
+    <p:sldId id="338" r:id="rId5"/>
+    <p:sldId id="353" r:id="rId6"/>
+    <p:sldId id="415" r:id="rId7"/>
+    <p:sldId id="446" r:id="rId8"/>
+    <p:sldId id="448" r:id="rId9"/>
+    <p:sldId id="447" r:id="rId10"/>
+    <p:sldId id="454" r:id="rId11"/>
+    <p:sldId id="472" r:id="rId12"/>
+    <p:sldId id="452" r:id="rId13"/>
+    <p:sldId id="460" r:id="rId14"/>
+    <p:sldId id="476" r:id="rId15"/>
+    <p:sldId id="459" r:id="rId16"/>
+    <p:sldId id="456" r:id="rId17"/>
+    <p:sldId id="462" r:id="rId18"/>
+    <p:sldId id="464" r:id="rId19"/>
+    <p:sldId id="479" r:id="rId20"/>
+    <p:sldId id="463" r:id="rId21"/>
+    <p:sldId id="478" r:id="rId22"/>
+    <p:sldId id="477" r:id="rId23"/>
+    <p:sldId id="471" r:id="rId24"/>
+    <p:sldId id="475" r:id="rId25"/>
+    <p:sldId id="450" r:id="rId26"/>
+    <p:sldId id="455" r:id="rId27"/>
+    <p:sldId id="465" r:id="rId28"/>
+    <p:sldId id="469" r:id="rId29"/>
+    <p:sldId id="467" r:id="rId30"/>
+    <p:sldId id="451" r:id="rId31"/>
+    <p:sldId id="457" r:id="rId32"/>
+    <p:sldId id="474" r:id="rId33"/>
+    <p:sldId id="470" r:id="rId34"/>
+    <p:sldId id="453" r:id="rId35"/>
+    <p:sldId id="480" r:id="rId36"/>
+    <p:sldId id="458" r:id="rId37"/>
+    <p:sldId id="481" r:id="rId38"/>
+    <p:sldId id="473" r:id="rId39"/>
+    <p:sldId id="354" r:id="rId40"/>
+    <p:sldId id="468" r:id="rId41"/>
+    <p:sldId id="318" r:id="rId42"/>
   </p:sldIdLst>
   <p:sldSz cx="9144000" cy="6858000" type="screen4x3"/>
   <p:notesSz cx="6858000" cy="9144000"/>
@@ -163,7 +164,7 @@
 <file path=ppt/revisionInfo.xml><?xml version="1.0" encoding="utf-8"?>
 <p1510:revInfo xmlns:a="http://schemas.openxmlformats.org/drawingml/2006/main" xmlns:r="http://schemas.openxmlformats.org/officeDocument/2006/relationships" xmlns:p1510="http://schemas.microsoft.com/office/powerpoint/2015/10/main">
   <p1510:revLst>
-    <p1510:client id="{68D50CE0-6F29-49CE-9181-508326FA075A}" v="1173" dt="2024-11-18T17:01:12.222"/>
+    <p1510:client id="{68D50CE0-6F29-49CE-9181-508326FA075A}" v="1186" dt="2024-11-18T17:43:38.129"/>
   </p1510:revLst>
 </p1510:revInfo>
 </file>
@@ -173,7 +174,7 @@
   <pc:docChgLst>
     <pc:chgData name="Adrien Osakwe" userId="7a3e290c-eb83-484b-8e3d-d46ef2333477" providerId="ADAL" clId="{68D50CE0-6F29-49CE-9181-508326FA075A}"/>
     <pc:docChg chg="undo redo custSel addSld delSld modSld sldOrd modMainMaster">
-      <pc:chgData name="Adrien Osakwe" userId="7a3e290c-eb83-484b-8e3d-d46ef2333477" providerId="ADAL" clId="{68D50CE0-6F29-49CE-9181-508326FA075A}" dt="2024-11-18T17:01:12.222" v="11607" actId="20577"/>
+      <pc:chgData name="Adrien Osakwe" userId="7a3e290c-eb83-484b-8e3d-d46ef2333477" providerId="ADAL" clId="{68D50CE0-6F29-49CE-9181-508326FA075A}" dt="2024-11-18T17:43:38.129" v="11706" actId="20577"/>
       <pc:docMkLst>
         <pc:docMk/>
       </pc:docMkLst>
@@ -622,7 +623,7 @@
         </pc:picChg>
       </pc:sldChg>
       <pc:sldChg chg="addSp delSp modSp add mod ord">
-        <pc:chgData name="Adrien Osakwe" userId="7a3e290c-eb83-484b-8e3d-d46ef2333477" providerId="ADAL" clId="{68D50CE0-6F29-49CE-9181-508326FA075A}" dt="2024-11-18T14:06:49.152" v="11542" actId="1076"/>
+        <pc:chgData name="Adrien Osakwe" userId="7a3e290c-eb83-484b-8e3d-d46ef2333477" providerId="ADAL" clId="{68D50CE0-6F29-49CE-9181-508326FA075A}" dt="2024-11-18T17:43:38.129" v="11706" actId="20577"/>
         <pc:sldMkLst>
           <pc:docMk/>
           <pc:sldMk cId="3210398204" sldId="456"/>
@@ -644,7 +645,7 @@
           </ac:spMkLst>
         </pc:spChg>
         <pc:spChg chg="add mod">
-          <ac:chgData name="Adrien Osakwe" userId="7a3e290c-eb83-484b-8e3d-d46ef2333477" providerId="ADAL" clId="{68D50CE0-6F29-49CE-9181-508326FA075A}" dt="2024-11-17T15:36:03.641" v="8736" actId="20577"/>
+          <ac:chgData name="Adrien Osakwe" userId="7a3e290c-eb83-484b-8e3d-d46ef2333477" providerId="ADAL" clId="{68D50CE0-6F29-49CE-9181-508326FA075A}" dt="2024-11-18T17:43:38.129" v="11706" actId="20577"/>
           <ac:spMkLst>
             <pc:docMk/>
             <pc:sldMk cId="3210398204" sldId="456"/>
@@ -1581,6 +1582,53 @@
           </ac:picMkLst>
         </pc:picChg>
       </pc:sldChg>
+      <pc:sldChg chg="addSp modSp new mod ord">
+        <pc:chgData name="Adrien Osakwe" userId="7a3e290c-eb83-484b-8e3d-d46ef2333477" providerId="ADAL" clId="{68D50CE0-6F29-49CE-9181-508326FA075A}" dt="2024-11-18T17:40:00.061" v="11695" actId="1076"/>
+        <pc:sldMkLst>
+          <pc:docMk/>
+          <pc:sldMk cId="3856371583" sldId="482"/>
+        </pc:sldMkLst>
+        <pc:spChg chg="mod">
+          <ac:chgData name="Adrien Osakwe" userId="7a3e290c-eb83-484b-8e3d-d46ef2333477" providerId="ADAL" clId="{68D50CE0-6F29-49CE-9181-508326FA075A}" dt="2024-11-18T17:38:50.781" v="11677" actId="20577"/>
+          <ac:spMkLst>
+            <pc:docMk/>
+            <pc:sldMk cId="3856371583" sldId="482"/>
+            <ac:spMk id="2" creationId="{845BB119-6782-CBD8-8DCB-F8C750D639F4}"/>
+          </ac:spMkLst>
+        </pc:spChg>
+        <pc:spChg chg="add mod">
+          <ac:chgData name="Adrien Osakwe" userId="7a3e290c-eb83-484b-8e3d-d46ef2333477" providerId="ADAL" clId="{68D50CE0-6F29-49CE-9181-508326FA075A}" dt="2024-11-18T17:40:00.061" v="11695" actId="1076"/>
+          <ac:spMkLst>
+            <pc:docMk/>
+            <pc:sldMk cId="3856371583" sldId="482"/>
+            <ac:spMk id="7" creationId="{C3049C4C-2759-E54C-A73F-83294D1CDA12}"/>
+          </ac:spMkLst>
+        </pc:spChg>
+        <pc:spChg chg="add mod">
+          <ac:chgData name="Adrien Osakwe" userId="7a3e290c-eb83-484b-8e3d-d46ef2333477" providerId="ADAL" clId="{68D50CE0-6F29-49CE-9181-508326FA075A}" dt="2024-11-18T17:39:57.130" v="11694" actId="1076"/>
+          <ac:spMkLst>
+            <pc:docMk/>
+            <pc:sldMk cId="3856371583" sldId="482"/>
+            <ac:spMk id="8" creationId="{730DAE32-AB64-A8B6-158D-C7D97C079AE6}"/>
+          </ac:spMkLst>
+        </pc:spChg>
+        <pc:picChg chg="add mod">
+          <ac:chgData name="Adrien Osakwe" userId="7a3e290c-eb83-484b-8e3d-d46ef2333477" providerId="ADAL" clId="{68D50CE0-6F29-49CE-9181-508326FA075A}" dt="2024-11-18T17:39:27.027" v="11685" actId="14100"/>
+          <ac:picMkLst>
+            <pc:docMk/>
+            <pc:sldMk cId="3856371583" sldId="482"/>
+            <ac:picMk id="4" creationId="{9EC65435-E321-F1CB-1294-E328B9D727E4}"/>
+          </ac:picMkLst>
+        </pc:picChg>
+        <pc:picChg chg="add mod">
+          <ac:chgData name="Adrien Osakwe" userId="7a3e290c-eb83-484b-8e3d-d46ef2333477" providerId="ADAL" clId="{68D50CE0-6F29-49CE-9181-508326FA075A}" dt="2024-11-18T17:39:29.260" v="11687" actId="1076"/>
+          <ac:picMkLst>
+            <pc:docMk/>
+            <pc:sldMk cId="3856371583" sldId="482"/>
+            <ac:picMk id="6" creationId="{A70499DC-B646-041D-AB5B-5652FFE5021B}"/>
+          </ac:picMkLst>
+        </pc:picChg>
+      </pc:sldChg>
       <pc:sldMasterChg chg="addSp modSp mod">
         <pc:chgData name="Adrien Osakwe" userId="7a3e290c-eb83-484b-8e3d-d46ef2333477" providerId="ADAL" clId="{68D50CE0-6F29-49CE-9181-508326FA075A}" dt="2024-11-17T01:40:54.280" v="3970" actId="1076"/>
         <pc:sldMasterMkLst>
@@ -2179,7 +2227,7 @@
           <a:p>
             <a:fld id="{DACBD60B-517C-4242-AE46-E1BD2D086542}" type="slidenum">
               <a:rPr lang="fr-FR" smtClean="0"/>
-              <a:t>1</a:t>
+              <a:t>2</a:t>
             </a:fld>
             <a:endParaRPr lang="fr-FR"/>
           </a:p>
@@ -2263,7 +2311,7 @@
           <a:p>
             <a:fld id="{DACBD60B-517C-4242-AE46-E1BD2D086542}" type="slidenum">
               <a:rPr lang="fr-FR" smtClean="0"/>
-              <a:t>2</a:t>
+              <a:t>3</a:t>
             </a:fld>
             <a:endParaRPr lang="fr-FR"/>
           </a:p>
@@ -2347,7 +2395,7 @@
           <a:p>
             <a:fld id="{DACBD60B-517C-4242-AE46-E1BD2D086542}" type="slidenum">
               <a:rPr lang="fr-FR" smtClean="0"/>
-              <a:t>3</a:t>
+              <a:t>4</a:t>
             </a:fld>
             <a:endParaRPr lang="fr-FR"/>
           </a:p>
@@ -2431,7 +2479,7 @@
           <a:p>
             <a:fld id="{DACBD60B-517C-4242-AE46-E1BD2D086542}" type="slidenum">
               <a:rPr lang="fr-FR" smtClean="0"/>
-              <a:t>4</a:t>
+              <a:t>5</a:t>
             </a:fld>
             <a:endParaRPr lang="fr-FR"/>
           </a:p>
@@ -4308,10 +4356,10 @@
       </p:grpSpPr>
       <p:sp>
         <p:nvSpPr>
-          <p:cNvPr id="4" name="Titre 3">
+          <p:cNvPr id="2" name="Title 1">
             <a:extLst>
               <a:ext uri="{FF2B5EF4-FFF2-40B4-BE49-F238E27FC236}">
-                <a16:creationId xmlns:a16="http://schemas.microsoft.com/office/drawing/2014/main" id="{A45C165F-BC2D-0A42-B582-A27AE4DBB9CF}"/>
+                <a16:creationId xmlns:a16="http://schemas.microsoft.com/office/drawing/2014/main" id="{845BB119-6782-CBD8-8DCB-F8C750D639F4}"/>
               </a:ext>
             </a:extLst>
           </p:cNvPr>
@@ -4324,83 +4372,196 @@
         </p:nvSpPr>
         <p:spPr>
           <a:xfrm>
-            <a:off x="1985548" y="2962563"/>
-            <a:ext cx="5172904" cy="932873"/>
+            <a:off x="0" y="968961"/>
+            <a:ext cx="8515350" cy="1623768"/>
           </a:xfrm>
         </p:spPr>
         <p:txBody>
           <a:bodyPr>
-            <a:normAutofit fontScale="90000"/>
+            <a:noAutofit/>
           </a:bodyPr>
           <a:lstStyle/>
           <a:p>
+            <a:r>
+              <a:rPr lang="en-CA" sz="3200" b="1" dirty="0"/>
+              <a:t>Workshop materials</a:t>
+            </a:r>
+            <a:br>
+              <a:rPr lang="en-CA" sz="3200" dirty="0"/>
+            </a:br>
+            <a:r>
+              <a:rPr lang="en-CA" sz="3200" dirty="0">
+                <a:hlinkClick r:id="rId2"/>
+              </a:rPr>
+              <a:t>https://github.com/aosakwe/QLS-MiCM-StatsInR</a:t>
+            </a:r>
+            <a:br>
+              <a:rPr lang="en-CA" sz="3200" dirty="0"/>
+            </a:br>
+            <a:r>
+              <a:rPr lang="en-CA" sz="3200" dirty="0"/>
+              <a:t>use ‘git clone’ command OR </a:t>
+            </a:r>
+            <a:endParaRPr lang="en-US" sz="3200" dirty="0"/>
+          </a:p>
+        </p:txBody>
+      </p:sp>
+      <p:pic>
+        <p:nvPicPr>
+          <p:cNvPr id="4" name="Picture 3">
+            <a:extLst>
+              <a:ext uri="{FF2B5EF4-FFF2-40B4-BE49-F238E27FC236}">
+                <a16:creationId xmlns:a16="http://schemas.microsoft.com/office/drawing/2014/main" id="{9EC65435-E321-F1CB-1294-E328B9D727E4}"/>
+              </a:ext>
+            </a:extLst>
+          </p:cNvPr>
+          <p:cNvPicPr>
+            <a:picLocks noChangeAspect="1"/>
+          </p:cNvPicPr>
+          <p:nvPr/>
+        </p:nvPicPr>
+        <p:blipFill>
+          <a:blip r:embed="rId3"/>
+          <a:stretch>
+            <a:fillRect/>
+          </a:stretch>
+        </p:blipFill>
+        <p:spPr>
+          <a:xfrm>
+            <a:off x="0" y="3526265"/>
+            <a:ext cx="5023413" cy="2000062"/>
+          </a:xfrm>
+          <a:prstGeom prst="rect">
+            <a:avLst/>
+          </a:prstGeom>
+        </p:spPr>
+      </p:pic>
+      <p:pic>
+        <p:nvPicPr>
+          <p:cNvPr id="6" name="Picture 5">
+            <a:extLst>
+              <a:ext uri="{FF2B5EF4-FFF2-40B4-BE49-F238E27FC236}">
+                <a16:creationId xmlns:a16="http://schemas.microsoft.com/office/drawing/2014/main" id="{A70499DC-B646-041D-AB5B-5652FFE5021B}"/>
+              </a:ext>
+            </a:extLst>
+          </p:cNvPr>
+          <p:cNvPicPr>
+            <a:picLocks noChangeAspect="1"/>
+          </p:cNvPicPr>
+          <p:nvPr/>
+        </p:nvPicPr>
+        <p:blipFill>
+          <a:blip r:embed="rId4"/>
+          <a:stretch>
+            <a:fillRect/>
+          </a:stretch>
+        </p:blipFill>
+        <p:spPr>
+          <a:xfrm>
+            <a:off x="6283655" y="3370006"/>
+            <a:ext cx="2705866" cy="2507489"/>
+          </a:xfrm>
+          <a:prstGeom prst="rect">
+            <a:avLst/>
+          </a:prstGeom>
+        </p:spPr>
+      </p:pic>
+      <p:sp>
+        <p:nvSpPr>
+          <p:cNvPr id="7" name="Arrow: Down 6">
+            <a:extLst>
+              <a:ext uri="{FF2B5EF4-FFF2-40B4-BE49-F238E27FC236}">
+                <a16:creationId xmlns:a16="http://schemas.microsoft.com/office/drawing/2014/main" id="{C3049C4C-2759-E54C-A73F-83294D1CDA12}"/>
+              </a:ext>
+            </a:extLst>
+          </p:cNvPr>
+          <p:cNvSpPr/>
+          <p:nvPr/>
+        </p:nvSpPr>
+        <p:spPr>
+          <a:xfrm>
+            <a:off x="4572000" y="3134731"/>
+            <a:ext cx="208344" cy="470549"/>
+          </a:xfrm>
+          <a:prstGeom prst="downArrow">
+            <a:avLst/>
+          </a:prstGeom>
+        </p:spPr>
+        <p:style>
+          <a:lnRef idx="2">
+            <a:schemeClr val="accent1">
+              <a:shade val="15000"/>
+            </a:schemeClr>
+          </a:lnRef>
+          <a:fillRef idx="1">
+            <a:schemeClr val="accent1"/>
+          </a:fillRef>
+          <a:effectRef idx="0">
+            <a:schemeClr val="accent1"/>
+          </a:effectRef>
+          <a:fontRef idx="minor">
+            <a:schemeClr val="lt1"/>
+          </a:fontRef>
+        </p:style>
+        <p:txBody>
+          <a:bodyPr rtlCol="0" anchor="ctr"/>
+          <a:lstStyle/>
+          <a:p>
             <a:pPr algn="ctr"/>
-            <a:r>
-              <a:rPr lang="en-CA" dirty="0">
-                <a:latin typeface="Helvetica"/>
-                <a:cs typeface="Helvetica"/>
-              </a:rPr>
-              <a:t>Statistical Analysis in R</a:t>
-            </a:r>
-            <a:endParaRPr lang="en-CA" dirty="0">
-              <a:latin typeface="Helvetica" pitchFamily="2" charset="0"/>
-              <a:cs typeface="Helvetica"/>
-            </a:endParaRPr>
+            <a:endParaRPr lang="en-US" dirty="0"/>
           </a:p>
         </p:txBody>
       </p:sp>
       <p:sp>
         <p:nvSpPr>
-          <p:cNvPr id="2" name="TextBox 1">
+          <p:cNvPr id="8" name="Arrow: Down 7">
             <a:extLst>
               <a:ext uri="{FF2B5EF4-FFF2-40B4-BE49-F238E27FC236}">
-                <a16:creationId xmlns:a16="http://schemas.microsoft.com/office/drawing/2014/main" id="{E57E6C04-4051-B883-0FFD-0C104B795BCE}"/>
+                <a16:creationId xmlns:a16="http://schemas.microsoft.com/office/drawing/2014/main" id="{730DAE32-AB64-A8B6-158D-C7D97C079AE6}"/>
               </a:ext>
             </a:extLst>
           </p:cNvPr>
-          <p:cNvSpPr txBox="1"/>
+          <p:cNvSpPr/>
           <p:nvPr/>
         </p:nvSpPr>
         <p:spPr>
-          <a:xfrm>
-            <a:off x="0" y="5669245"/>
-            <a:ext cx="4882896" cy="646331"/>
+          <a:xfrm rot="16026986">
+            <a:off x="5939266" y="5406929"/>
+            <a:ext cx="208344" cy="470549"/>
           </a:xfrm>
-          <a:prstGeom prst="rect">
+          <a:prstGeom prst="downArrow">
             <a:avLst/>
           </a:prstGeom>
-          <a:noFill/>
         </p:spPr>
+        <p:style>
+          <a:lnRef idx="2">
+            <a:schemeClr val="accent1">
+              <a:shade val="15000"/>
+            </a:schemeClr>
+          </a:lnRef>
+          <a:fillRef idx="1">
+            <a:schemeClr val="accent1"/>
+          </a:fillRef>
+          <a:effectRef idx="0">
+            <a:schemeClr val="accent1"/>
+          </a:effectRef>
+          <a:fontRef idx="minor">
+            <a:schemeClr val="lt1"/>
+          </a:fontRef>
+        </p:style>
         <p:txBody>
-          <a:bodyPr wrap="square" lIns="91440" tIns="45720" rIns="91440" bIns="45720" rtlCol="0" anchor="t">
-            <a:spAutoFit/>
-          </a:bodyPr>
+          <a:bodyPr rtlCol="0" anchor="ctr"/>
           <a:lstStyle/>
           <a:p>
-            <a:r>
-              <a:rPr lang="en-CA" sz="1800" dirty="0">
-                <a:latin typeface="Helvetica Light"/>
-              </a:rPr>
-              <a:t>Workshop Lead: Adrien Osakwe</a:t>
-            </a:r>
-          </a:p>
-          <a:p>
-            <a:r>
-              <a:rPr lang="en-CA" sz="1800" dirty="0">
-                <a:latin typeface="Helvetica Light"/>
-              </a:rPr>
-              <a:t>November 18, 2024</a:t>
-            </a:r>
-            <a:endParaRPr lang="en-CA" dirty="0">
-              <a:latin typeface="Helvetica Light"/>
-            </a:endParaRPr>
+            <a:pPr algn="ctr"/>
+            <a:endParaRPr lang="en-US" dirty="0"/>
           </a:p>
         </p:txBody>
       </p:sp>
     </p:spTree>
     <p:extLst>
       <p:ext uri="{BB962C8B-B14F-4D97-AF65-F5344CB8AC3E}">
-        <p14:creationId xmlns:p14="http://schemas.microsoft.com/office/powerpoint/2010/main" val="2389275097"/>
+        <p14:creationId xmlns:p14="http://schemas.microsoft.com/office/powerpoint/2010/main" val="3856371583"/>
       </p:ext>
     </p:extLst>
   </p:cSld>
@@ -4411,6 +4572,198 @@
 </file>
 
 <file path=ppt/slides/slide10.xml><?xml version="1.0" encoding="utf-8"?>
+<p:sld xmlns:a="http://schemas.openxmlformats.org/drawingml/2006/main" xmlns:r="http://schemas.openxmlformats.org/officeDocument/2006/relationships" xmlns:p="http://schemas.openxmlformats.org/presentationml/2006/main">
+  <p:cSld>
+    <p:spTree>
+      <p:nvGrpSpPr>
+        <p:cNvPr id="1" name="">
+          <a:extLst>
+            <a:ext uri="{FF2B5EF4-FFF2-40B4-BE49-F238E27FC236}">
+              <a16:creationId xmlns:a16="http://schemas.microsoft.com/office/drawing/2014/main" id="{F300EF8C-FABF-A1BD-478A-8DE25B3DF02C}"/>
+            </a:ext>
+          </a:extLst>
+        </p:cNvPr>
+        <p:cNvGrpSpPr/>
+        <p:nvPr/>
+      </p:nvGrpSpPr>
+      <p:grpSpPr>
+        <a:xfrm>
+          <a:off x="0" y="0"/>
+          <a:ext cx="0" cy="0"/>
+          <a:chOff x="0" y="0"/>
+          <a:chExt cx="0" cy="0"/>
+        </a:xfrm>
+      </p:grpSpPr>
+      <p:sp>
+        <p:nvSpPr>
+          <p:cNvPr id="2" name="Title 1">
+            <a:extLst>
+              <a:ext uri="{FF2B5EF4-FFF2-40B4-BE49-F238E27FC236}">
+                <a16:creationId xmlns:a16="http://schemas.microsoft.com/office/drawing/2014/main" id="{7EDEF89F-7684-26BA-3E79-00FD333A6A14}"/>
+              </a:ext>
+            </a:extLst>
+          </p:cNvPr>
+          <p:cNvSpPr>
+            <a:spLocks noGrp="1"/>
+          </p:cNvSpPr>
+          <p:nvPr>
+            <p:ph type="title"/>
+          </p:nvPr>
+        </p:nvSpPr>
+        <p:spPr/>
+        <p:txBody>
+          <a:bodyPr/>
+          <a:lstStyle/>
+          <a:p>
+            <a:r>
+              <a:rPr lang="en-US" b="1" dirty="0"/>
+              <a:t>Summarize</a:t>
+            </a:r>
+          </a:p>
+        </p:txBody>
+      </p:sp>
+      <p:pic>
+        <p:nvPicPr>
+          <p:cNvPr id="5" name="Picture 4" descr="Diagram, schematic&#10;&#10;Description automatically generated">
+            <a:extLst>
+              <a:ext uri="{FF2B5EF4-FFF2-40B4-BE49-F238E27FC236}">
+                <a16:creationId xmlns:a16="http://schemas.microsoft.com/office/drawing/2014/main" id="{F7A096B2-B10F-9029-D72B-2284812ABDF4}"/>
+              </a:ext>
+            </a:extLst>
+          </p:cNvPr>
+          <p:cNvPicPr>
+            <a:picLocks noChangeAspect="1"/>
+          </p:cNvPicPr>
+          <p:nvPr/>
+        </p:nvPicPr>
+        <p:blipFill>
+          <a:blip r:embed="rId2"/>
+          <a:stretch>
+            <a:fillRect/>
+          </a:stretch>
+        </p:blipFill>
+        <p:spPr>
+          <a:xfrm>
+            <a:off x="1599853" y="1449216"/>
+            <a:ext cx="5494215" cy="4830719"/>
+          </a:xfrm>
+          <a:prstGeom prst="rect">
+            <a:avLst/>
+          </a:prstGeom>
+        </p:spPr>
+      </p:pic>
+      <p:sp>
+        <p:nvSpPr>
+          <p:cNvPr id="3" name="TextBox 2">
+            <a:extLst>
+              <a:ext uri="{FF2B5EF4-FFF2-40B4-BE49-F238E27FC236}">
+                <a16:creationId xmlns:a16="http://schemas.microsoft.com/office/drawing/2014/main" id="{51BE2CF9-8E8F-B0F9-71F6-1507F983FAA9}"/>
+              </a:ext>
+            </a:extLst>
+          </p:cNvPr>
+          <p:cNvSpPr txBox="1"/>
+          <p:nvPr/>
+        </p:nvSpPr>
+        <p:spPr>
+          <a:xfrm>
+            <a:off x="3744091" y="-23670"/>
+            <a:ext cx="6844811" cy="307777"/>
+          </a:xfrm>
+          <a:prstGeom prst="rect">
+            <a:avLst/>
+          </a:prstGeom>
+          <a:noFill/>
+        </p:spPr>
+        <p:txBody>
+          <a:bodyPr wrap="square">
+            <a:spAutoFit/>
+          </a:bodyPr>
+          <a:lstStyle/>
+          <a:p>
+            <a:r>
+              <a:rPr lang="en-US" sz="1400" i="1" dirty="0">
+                <a:solidFill>
+                  <a:schemeClr val="bg1">
+                    <a:lumMod val="65000"/>
+                  </a:schemeClr>
+                </a:solidFill>
+              </a:rPr>
+              <a:t>https://</a:t>
+            </a:r>
+            <a:r>
+              <a:rPr lang="en-US" sz="1400" i="1" dirty="0" err="1">
+                <a:solidFill>
+                  <a:schemeClr val="bg1">
+                    <a:lumMod val="65000"/>
+                  </a:schemeClr>
+                </a:solidFill>
+              </a:rPr>
+              <a:t>swcarpentry.github.io</a:t>
+            </a:r>
+            <a:r>
+              <a:rPr lang="en-US" sz="1400" i="1" dirty="0">
+                <a:solidFill>
+                  <a:schemeClr val="bg1">
+                    <a:lumMod val="65000"/>
+                  </a:schemeClr>
+                </a:solidFill>
+              </a:rPr>
+              <a:t>/r-novice-</a:t>
+            </a:r>
+            <a:r>
+              <a:rPr lang="en-US" sz="1400" i="1" dirty="0" err="1">
+                <a:solidFill>
+                  <a:schemeClr val="bg1">
+                    <a:lumMod val="65000"/>
+                  </a:schemeClr>
+                </a:solidFill>
+              </a:rPr>
+              <a:t>gapminder</a:t>
+            </a:r>
+            <a:r>
+              <a:rPr lang="en-US" sz="1400" i="1" dirty="0">
+                <a:solidFill>
+                  <a:schemeClr val="bg1">
+                    <a:lumMod val="65000"/>
+                  </a:schemeClr>
+                </a:solidFill>
+              </a:rPr>
+              <a:t>/13-dplyr/</a:t>
+            </a:r>
+            <a:r>
+              <a:rPr lang="en-US" sz="1400" i="1" dirty="0" err="1">
+                <a:solidFill>
+                  <a:schemeClr val="bg1">
+                    <a:lumMod val="65000"/>
+                  </a:schemeClr>
+                </a:solidFill>
+              </a:rPr>
+              <a:t>index.html</a:t>
+            </a:r>
+            <a:endParaRPr lang="en-US" sz="1400" i="1" dirty="0">
+              <a:solidFill>
+                <a:schemeClr val="bg1">
+                  <a:lumMod val="65000"/>
+                </a:schemeClr>
+              </a:solidFill>
+            </a:endParaRPr>
+          </a:p>
+        </p:txBody>
+      </p:sp>
+    </p:spTree>
+    <p:extLst>
+      <p:ext uri="{BB962C8B-B14F-4D97-AF65-F5344CB8AC3E}">
+        <p14:creationId xmlns:p14="http://schemas.microsoft.com/office/powerpoint/2010/main" val="78875540"/>
+      </p:ext>
+    </p:extLst>
+  </p:cSld>
+  <p:clrMapOvr>
+    <a:masterClrMapping/>
+  </p:clrMapOvr>
+</p:sld>
+</file>
+
+<file path=ppt/slides/slide11.xml><?xml version="1.0" encoding="utf-8"?>
 <p:sld xmlns:a="http://schemas.openxmlformats.org/drawingml/2006/main" xmlns:r="http://schemas.openxmlformats.org/officeDocument/2006/relationships" xmlns:p="http://schemas.openxmlformats.org/presentationml/2006/main">
   <p:cSld>
     <p:spTree>
@@ -4794,7 +5147,7 @@
 </p:sld>
 </file>
 
-<file path=ppt/slides/slide11.xml><?xml version="1.0" encoding="utf-8"?>
+<file path=ppt/slides/slide12.xml><?xml version="1.0" encoding="utf-8"?>
 <p:sld xmlns:a="http://schemas.openxmlformats.org/drawingml/2006/main" xmlns:r="http://schemas.openxmlformats.org/officeDocument/2006/relationships" xmlns:p="http://schemas.openxmlformats.org/presentationml/2006/main">
   <p:cSld>
     <p:spTree>
@@ -4941,7 +5294,7 @@
 </p:sld>
 </file>
 
-<file path=ppt/slides/slide12.xml><?xml version="1.0" encoding="utf-8"?>
+<file path=ppt/slides/slide13.xml><?xml version="1.0" encoding="utf-8"?>
 <p:sld xmlns:a="http://schemas.openxmlformats.org/drawingml/2006/main" xmlns:r="http://schemas.openxmlformats.org/officeDocument/2006/relationships" xmlns:p="http://schemas.openxmlformats.org/presentationml/2006/main">
   <p:cSld>
     <p:spTree>
@@ -5150,7 +5503,7 @@
 </p:sld>
 </file>
 
-<file path=ppt/slides/slide13.xml><?xml version="1.0" encoding="utf-8"?>
+<file path=ppt/slides/slide14.xml><?xml version="1.0" encoding="utf-8"?>
 <p:sld xmlns:a="http://schemas.openxmlformats.org/drawingml/2006/main" xmlns:r="http://schemas.openxmlformats.org/officeDocument/2006/relationships" xmlns:p="http://schemas.openxmlformats.org/presentationml/2006/main">
   <p:cSld>
     <p:spTree>
@@ -5309,7 +5662,7 @@
 </p:sld>
 </file>
 
-<file path=ppt/slides/slide14.xml><?xml version="1.0" encoding="utf-8"?>
+<file path=ppt/slides/slide15.xml><?xml version="1.0" encoding="utf-8"?>
 <p:sld xmlns:a="http://schemas.openxmlformats.org/drawingml/2006/main" xmlns:r="http://schemas.openxmlformats.org/officeDocument/2006/relationships" xmlns:p="http://schemas.openxmlformats.org/presentationml/2006/main">
   <p:cSld>
     <p:spTree>
@@ -5439,7 +5792,7 @@
 </p:sld>
 </file>
 
-<file path=ppt/slides/slide15.xml><?xml version="1.0" encoding="utf-8"?>
+<file path=ppt/slides/slide16.xml><?xml version="1.0" encoding="utf-8"?>
 <p:sld xmlns:a="http://schemas.openxmlformats.org/drawingml/2006/main" xmlns:r="http://schemas.openxmlformats.org/officeDocument/2006/relationships" xmlns:p="http://schemas.openxmlformats.org/presentationml/2006/main">
   <p:cSld>
     <p:spTree>
@@ -5648,8 +6001,8 @@
           </a:p>
         </p:txBody>
       </p:sp>
-      <mc:AlternateContent xmlns:mc="http://schemas.openxmlformats.org/markup-compatibility/2006" xmlns:a14="http://schemas.microsoft.com/office/drawing/2010/main">
-        <mc:Choice Requires="a14">
+      <mc:AlternateContent xmlns:mc="http://schemas.openxmlformats.org/markup-compatibility/2006">
+        <mc:Choice xmlns:a14="http://schemas.microsoft.com/office/drawing/2010/main" Requires="a14">
           <p:sp>
             <p:nvSpPr>
               <p:cNvPr id="4" name="TextBox 3">
@@ -5665,7 +6018,7 @@
             <p:spPr>
               <a:xfrm>
                 <a:off x="793371" y="5172415"/>
-                <a:ext cx="2783133" cy="766877"/>
+                <a:ext cx="2783134" cy="766877"/>
               </a:xfrm>
               <a:prstGeom prst="rect">
                 <a:avLst/>
@@ -5726,31 +6079,12 @@
                           </m:r>
                         </m:num>
                         <m:den>
-                          <m:sSup>
-                            <m:sSupPr>
-                              <m:ctrlPr>
-                                <a:rPr lang="en-CA" sz="2400" b="0" i="1" smtClean="0">
-                                  <a:latin typeface="Cambria Math" panose="02040503050406030204" pitchFamily="18" charset="0"/>
-                                </a:rPr>
-                              </m:ctrlPr>
-                            </m:sSupPr>
-                            <m:e>
-                              <m:r>
-                                <a:rPr lang="en-CA" sz="2400" b="0" i="1" smtClean="0">
-                                  <a:latin typeface="Cambria Math" panose="02040503050406030204" pitchFamily="18" charset="0"/>
-                                </a:rPr>
-                                <m:t>𝜎</m:t>
-                              </m:r>
-                            </m:e>
-                            <m:sup>
-                              <m:r>
-                                <a:rPr lang="en-CA" sz="2400" b="0" i="1" smtClean="0">
-                                  <a:latin typeface="Cambria Math" panose="02040503050406030204" pitchFamily="18" charset="0"/>
-                                </a:rPr>
-                                <m:t>2</m:t>
-                              </m:r>
-                            </m:sup>
-                          </m:sSup>
+                          <m:r>
+                            <a:rPr lang="en-CA" sz="2400" b="0" i="1" smtClean="0">
+                              <a:latin typeface="Cambria Math" panose="02040503050406030204" pitchFamily="18" charset="0"/>
+                            </a:rPr>
+                            <m:t>𝜎</m:t>
+                          </m:r>
                         </m:den>
                       </m:f>
                       <m:r>
@@ -5810,7 +6144,7 @@
             </p:txBody>
           </p:sp>
         </mc:Choice>
-        <mc:Fallback xmlns="">
+        <mc:Fallback>
           <p:sp>
             <p:nvSpPr>
               <p:cNvPr id="4" name="TextBox 3">
@@ -5828,7 +6162,7 @@
             <p:spPr>
               <a:xfrm>
                 <a:off x="793371" y="5172415"/>
-                <a:ext cx="2783133" cy="766877"/>
+                <a:ext cx="2783134" cy="766877"/>
               </a:xfrm>
               <a:prstGeom prst="rect">
                 <a:avLst/>
@@ -5868,7 +6202,7 @@
 </p:sld>
 </file>
 
-<file path=ppt/slides/slide16.xml><?xml version="1.0" encoding="utf-8"?>
+<file path=ppt/slides/slide17.xml><?xml version="1.0" encoding="utf-8"?>
 <p:sld xmlns:a="http://schemas.openxmlformats.org/drawingml/2006/main" xmlns:r="http://schemas.openxmlformats.org/officeDocument/2006/relationships" xmlns:p="http://schemas.openxmlformats.org/presentationml/2006/main">
   <p:cSld>
     <p:spTree>
@@ -6493,7 +6827,7 @@
 </p:sld>
 </file>
 
-<file path=ppt/slides/slide17.xml><?xml version="1.0" encoding="utf-8"?>
+<file path=ppt/slides/slide18.xml><?xml version="1.0" encoding="utf-8"?>
 <p:sld xmlns:a="http://schemas.openxmlformats.org/drawingml/2006/main" xmlns:r="http://schemas.openxmlformats.org/officeDocument/2006/relationships" xmlns:p="http://schemas.openxmlformats.org/presentationml/2006/main">
   <p:cSld>
     <p:spTree>
@@ -6709,7 +7043,7 @@
 </p:sld>
 </file>
 
-<file path=ppt/slides/slide18.xml><?xml version="1.0" encoding="utf-8"?>
+<file path=ppt/slides/slide19.xml><?xml version="1.0" encoding="utf-8"?>
 <p:sld xmlns:a="http://schemas.openxmlformats.org/drawingml/2006/main" xmlns:r="http://schemas.openxmlformats.org/officeDocument/2006/relationships" xmlns:p="http://schemas.openxmlformats.org/presentationml/2006/main">
   <p:cSld>
     <p:spTree>
@@ -7089,7 +7423,128 @@
 </p:sld>
 </file>
 
-<file path=ppt/slides/slide19.xml><?xml version="1.0" encoding="utf-8"?>
+<file path=ppt/slides/slide2.xml><?xml version="1.0" encoding="utf-8"?>
+<p:sld xmlns:a="http://schemas.openxmlformats.org/drawingml/2006/main" xmlns:r="http://schemas.openxmlformats.org/officeDocument/2006/relationships" xmlns:p="http://schemas.openxmlformats.org/presentationml/2006/main">
+  <p:cSld>
+    <p:spTree>
+      <p:nvGrpSpPr>
+        <p:cNvPr id="1" name=""/>
+        <p:cNvGrpSpPr/>
+        <p:nvPr/>
+      </p:nvGrpSpPr>
+      <p:grpSpPr>
+        <a:xfrm>
+          <a:off x="0" y="0"/>
+          <a:ext cx="0" cy="0"/>
+          <a:chOff x="0" y="0"/>
+          <a:chExt cx="0" cy="0"/>
+        </a:xfrm>
+      </p:grpSpPr>
+      <p:sp>
+        <p:nvSpPr>
+          <p:cNvPr id="4" name="Titre 3">
+            <a:extLst>
+              <a:ext uri="{FF2B5EF4-FFF2-40B4-BE49-F238E27FC236}">
+                <a16:creationId xmlns:a16="http://schemas.microsoft.com/office/drawing/2014/main" id="{A45C165F-BC2D-0A42-B582-A27AE4DBB9CF}"/>
+              </a:ext>
+            </a:extLst>
+          </p:cNvPr>
+          <p:cNvSpPr>
+            <a:spLocks noGrp="1"/>
+          </p:cNvSpPr>
+          <p:nvPr>
+            <p:ph type="title"/>
+          </p:nvPr>
+        </p:nvSpPr>
+        <p:spPr>
+          <a:xfrm>
+            <a:off x="1985548" y="2962563"/>
+            <a:ext cx="5172904" cy="932873"/>
+          </a:xfrm>
+        </p:spPr>
+        <p:txBody>
+          <a:bodyPr>
+            <a:normAutofit fontScale="90000"/>
+          </a:bodyPr>
+          <a:lstStyle/>
+          <a:p>
+            <a:pPr algn="ctr"/>
+            <a:r>
+              <a:rPr lang="en-CA" dirty="0">
+                <a:latin typeface="Helvetica"/>
+                <a:cs typeface="Helvetica"/>
+              </a:rPr>
+              <a:t>Statistical Analysis in R</a:t>
+            </a:r>
+            <a:endParaRPr lang="en-CA" dirty="0">
+              <a:latin typeface="Helvetica" pitchFamily="2" charset="0"/>
+              <a:cs typeface="Helvetica"/>
+            </a:endParaRPr>
+          </a:p>
+        </p:txBody>
+      </p:sp>
+      <p:sp>
+        <p:nvSpPr>
+          <p:cNvPr id="2" name="TextBox 1">
+            <a:extLst>
+              <a:ext uri="{FF2B5EF4-FFF2-40B4-BE49-F238E27FC236}">
+                <a16:creationId xmlns:a16="http://schemas.microsoft.com/office/drawing/2014/main" id="{E57E6C04-4051-B883-0FFD-0C104B795BCE}"/>
+              </a:ext>
+            </a:extLst>
+          </p:cNvPr>
+          <p:cNvSpPr txBox="1"/>
+          <p:nvPr/>
+        </p:nvSpPr>
+        <p:spPr>
+          <a:xfrm>
+            <a:off x="0" y="5669245"/>
+            <a:ext cx="4882896" cy="646331"/>
+          </a:xfrm>
+          <a:prstGeom prst="rect">
+            <a:avLst/>
+          </a:prstGeom>
+          <a:noFill/>
+        </p:spPr>
+        <p:txBody>
+          <a:bodyPr wrap="square" lIns="91440" tIns="45720" rIns="91440" bIns="45720" rtlCol="0" anchor="t">
+            <a:spAutoFit/>
+          </a:bodyPr>
+          <a:lstStyle/>
+          <a:p>
+            <a:r>
+              <a:rPr lang="en-CA" sz="1800" dirty="0">
+                <a:latin typeface="Helvetica Light"/>
+              </a:rPr>
+              <a:t>Workshop Lead: Adrien Osakwe</a:t>
+            </a:r>
+          </a:p>
+          <a:p>
+            <a:r>
+              <a:rPr lang="en-CA" sz="1800" dirty="0">
+                <a:latin typeface="Helvetica Light"/>
+              </a:rPr>
+              <a:t>November 18, 2024</a:t>
+            </a:r>
+            <a:endParaRPr lang="en-CA" dirty="0">
+              <a:latin typeface="Helvetica Light"/>
+            </a:endParaRPr>
+          </a:p>
+        </p:txBody>
+      </p:sp>
+    </p:spTree>
+    <p:extLst>
+      <p:ext uri="{BB962C8B-B14F-4D97-AF65-F5344CB8AC3E}">
+        <p14:creationId xmlns:p14="http://schemas.microsoft.com/office/powerpoint/2010/main" val="2389275097"/>
+      </p:ext>
+    </p:extLst>
+  </p:cSld>
+  <p:clrMapOvr>
+    <a:masterClrMapping/>
+  </p:clrMapOvr>
+</p:sld>
+</file>
+
+<file path=ppt/slides/slide20.xml><?xml version="1.0" encoding="utf-8"?>
 <p:sld xmlns:a="http://schemas.openxmlformats.org/drawingml/2006/main" xmlns:r="http://schemas.openxmlformats.org/officeDocument/2006/relationships" xmlns:p="http://schemas.openxmlformats.org/presentationml/2006/main">
   <p:cSld>
     <p:spTree>
@@ -7287,343 +7742,7 @@
 </p:sld>
 </file>
 
-<file path=ppt/slides/slide2.xml><?xml version="1.0" encoding="utf-8"?>
-<p:sld xmlns:a="http://schemas.openxmlformats.org/drawingml/2006/main" xmlns:r="http://schemas.openxmlformats.org/officeDocument/2006/relationships" xmlns:p="http://schemas.openxmlformats.org/presentationml/2006/main">
-  <p:cSld>
-    <p:spTree>
-      <p:nvGrpSpPr>
-        <p:cNvPr id="1" name=""/>
-        <p:cNvGrpSpPr/>
-        <p:nvPr/>
-      </p:nvGrpSpPr>
-      <p:grpSpPr>
-        <a:xfrm>
-          <a:off x="0" y="0"/>
-          <a:ext cx="0" cy="0"/>
-          <a:chOff x="0" y="0"/>
-          <a:chExt cx="0" cy="0"/>
-        </a:xfrm>
-      </p:grpSpPr>
-      <p:sp>
-        <p:nvSpPr>
-          <p:cNvPr id="4" name="Content Placeholder 3">
-            <a:extLst>
-              <a:ext uri="{FF2B5EF4-FFF2-40B4-BE49-F238E27FC236}">
-                <a16:creationId xmlns:a16="http://schemas.microsoft.com/office/drawing/2014/main" id="{8AE12D43-9137-DB7C-570B-E48AB2308897}"/>
-              </a:ext>
-            </a:extLst>
-          </p:cNvPr>
-          <p:cNvSpPr>
-            <a:spLocks noGrp="1"/>
-          </p:cNvSpPr>
-          <p:nvPr>
-            <p:ph sz="half" idx="2"/>
-          </p:nvPr>
-        </p:nvSpPr>
-        <p:spPr>
-          <a:xfrm>
-            <a:off x="924887" y="5287892"/>
-            <a:ext cx="3224152" cy="646331"/>
-          </a:xfrm>
-        </p:spPr>
-        <p:txBody>
-          <a:bodyPr vert="horz" lIns="91440" tIns="45720" rIns="91440" bIns="45720" rtlCol="0" anchor="t">
-            <a:normAutofit/>
-          </a:bodyPr>
-          <a:lstStyle/>
-          <a:p>
-            <a:pPr marL="0" indent="0">
-              <a:buNone/>
-            </a:pPr>
-            <a:r>
-              <a:rPr lang="en-CA" sz="1800" dirty="0">
-                <a:latin typeface="Helvetica" panose="020B0604020202020204" pitchFamily="34" charset="0"/>
-                <a:cs typeface="Helvetica" panose="020B0604020202020204" pitchFamily="34" charset="0"/>
-              </a:rPr>
-              <a:t>Location: 550 Sherbrooke Street, Montreal, Quebec</a:t>
-            </a:r>
-          </a:p>
-        </p:txBody>
-      </p:sp>
-      <p:sp>
-        <p:nvSpPr>
-          <p:cNvPr id="8" name="TextBox 7">
-            <a:extLst>
-              <a:ext uri="{FF2B5EF4-FFF2-40B4-BE49-F238E27FC236}">
-                <a16:creationId xmlns:a16="http://schemas.microsoft.com/office/drawing/2014/main" id="{2A92A9C4-6F5B-9A18-012E-5626D25E3582}"/>
-              </a:ext>
-            </a:extLst>
-          </p:cNvPr>
-          <p:cNvSpPr txBox="1"/>
-          <p:nvPr/>
-        </p:nvSpPr>
-        <p:spPr>
-          <a:xfrm>
-            <a:off x="820547" y="1461827"/>
-            <a:ext cx="7502906" cy="646331"/>
-          </a:xfrm>
-          <a:prstGeom prst="rect">
-            <a:avLst/>
-          </a:prstGeom>
-          <a:noFill/>
-        </p:spPr>
-        <p:txBody>
-          <a:bodyPr wrap="square" lIns="91440" tIns="45720" rIns="91440" bIns="45720" rtlCol="0" anchor="t">
-            <a:spAutoFit/>
-          </a:bodyPr>
-          <a:lstStyle/>
-          <a:p>
-            <a:pPr algn="ctr"/>
-            <a:r>
-              <a:rPr lang="en-CA" sz="1800" dirty="0">
-                <a:latin typeface="Helvetica" pitchFamily="2" charset="0"/>
-              </a:rPr>
-              <a:t>QLS-MiCM mission statement: d</a:t>
-            </a:r>
-            <a:r>
-              <a:rPr lang="en-CA" sz="1800" b="0" i="0" dirty="0">
-                <a:solidFill>
-                  <a:srgbClr val="000000"/>
-                </a:solidFill>
-                <a:effectLst/>
-                <a:latin typeface="Helvetica" pitchFamily="2" charset="0"/>
-                <a:cs typeface="Calibri"/>
-              </a:rPr>
-              <a:t>eliver quality workshops designed to help biomedical researchers develop the skills they need to succeed.</a:t>
-            </a:r>
-            <a:endParaRPr lang="en-CA" sz="1800" dirty="0">
-              <a:latin typeface="Helvetica" pitchFamily="2" charset="0"/>
-              <a:cs typeface="Calibri"/>
-            </a:endParaRPr>
-          </a:p>
-        </p:txBody>
-      </p:sp>
-      <p:pic>
-        <p:nvPicPr>
-          <p:cNvPr id="10" name="Picture 9" descr="A logo with a letter m&#10;&#10;Description automatically generated">
-            <a:extLst>
-              <a:ext uri="{FF2B5EF4-FFF2-40B4-BE49-F238E27FC236}">
-                <a16:creationId xmlns:a16="http://schemas.microsoft.com/office/drawing/2014/main" id="{E494228A-9E5D-1800-FDEC-760556611BD3}"/>
-              </a:ext>
-            </a:extLst>
-          </p:cNvPr>
-          <p:cNvPicPr>
-            <a:picLocks noChangeAspect="1"/>
-          </p:cNvPicPr>
-          <p:nvPr/>
-        </p:nvPicPr>
-        <p:blipFill>
-          <a:blip r:embed="rId3"/>
-          <a:stretch>
-            <a:fillRect/>
-          </a:stretch>
-        </p:blipFill>
-        <p:spPr>
-          <a:xfrm>
-            <a:off x="2705825" y="181659"/>
-            <a:ext cx="3732349" cy="900740"/>
-          </a:xfrm>
-          <a:prstGeom prst="rect">
-            <a:avLst/>
-          </a:prstGeom>
-        </p:spPr>
-      </p:pic>
-      <p:pic>
-        <p:nvPicPr>
-          <p:cNvPr id="12" name="Picture 11" descr="A qr code with black squares&#10;&#10;Description automatically generated">
-            <a:extLst>
-              <a:ext uri="{FF2B5EF4-FFF2-40B4-BE49-F238E27FC236}">
-                <a16:creationId xmlns:a16="http://schemas.microsoft.com/office/drawing/2014/main" id="{333BAB40-358F-BE60-7494-578A1971B335}"/>
-              </a:ext>
-            </a:extLst>
-          </p:cNvPr>
-          <p:cNvPicPr>
-            <a:picLocks noChangeAspect="1"/>
-          </p:cNvPicPr>
-          <p:nvPr/>
-        </p:nvPicPr>
-        <p:blipFill>
-          <a:blip r:embed="rId4"/>
-          <a:stretch>
-            <a:fillRect/>
-          </a:stretch>
-        </p:blipFill>
-        <p:spPr>
-          <a:xfrm>
-            <a:off x="5518580" y="2808275"/>
-            <a:ext cx="2203814" cy="2203814"/>
-          </a:xfrm>
-          <a:prstGeom prst="rect">
-            <a:avLst/>
-          </a:prstGeom>
-        </p:spPr>
-      </p:pic>
-      <p:sp>
-        <p:nvSpPr>
-          <p:cNvPr id="13" name="TextBox 12">
-            <a:extLst>
-              <a:ext uri="{FF2B5EF4-FFF2-40B4-BE49-F238E27FC236}">
-                <a16:creationId xmlns:a16="http://schemas.microsoft.com/office/drawing/2014/main" id="{174C1E59-2F37-F73C-4DFA-8971D19A54AE}"/>
-              </a:ext>
-            </a:extLst>
-          </p:cNvPr>
-          <p:cNvSpPr txBox="1"/>
-          <p:nvPr/>
-        </p:nvSpPr>
-        <p:spPr>
-          <a:xfrm>
-            <a:off x="4373913" y="5288330"/>
-            <a:ext cx="4632294" cy="646331"/>
-          </a:xfrm>
-          <a:prstGeom prst="rect">
-            <a:avLst/>
-          </a:prstGeom>
-          <a:noFill/>
-        </p:spPr>
-        <p:txBody>
-          <a:bodyPr wrap="square" lIns="91440" tIns="45720" rIns="91440" bIns="45720" rtlCol="0" anchor="t">
-            <a:spAutoFit/>
-          </a:bodyPr>
-          <a:lstStyle/>
-          <a:p>
-            <a:pPr algn="ctr"/>
-            <a:r>
-              <a:rPr lang="en-CA" sz="1800" dirty="0">
-                <a:latin typeface="Helvetica" panose="020B0604020202020204" pitchFamily="34" charset="0"/>
-                <a:cs typeface="Helvetica" panose="020B0604020202020204" pitchFamily="34" charset="0"/>
-              </a:rPr>
-              <a:t>Scan the QR code to sign up </a:t>
-            </a:r>
-          </a:p>
-          <a:p>
-            <a:pPr algn="ctr"/>
-            <a:r>
-              <a:rPr lang="en-CA" sz="1800" dirty="0">
-                <a:latin typeface="Helvetica" panose="020B0604020202020204" pitchFamily="34" charset="0"/>
-                <a:cs typeface="Helvetica" panose="020B0604020202020204" pitchFamily="34" charset="0"/>
-              </a:rPr>
-              <a:t>for our </a:t>
-            </a:r>
-            <a:r>
-              <a:rPr lang="en-CA" sz="1800" b="1" dirty="0">
-                <a:latin typeface="Helvetica" panose="020B0604020202020204" pitchFamily="34" charset="0"/>
-                <a:cs typeface="Helvetica" panose="020B0604020202020204" pitchFamily="34" charset="0"/>
-              </a:rPr>
-              <a:t>mailing list</a:t>
-            </a:r>
-            <a:endParaRPr lang="en-CA" sz="1800" dirty="0">
-              <a:latin typeface="Helvetica" panose="020B0604020202020204" pitchFamily="34" charset="0"/>
-              <a:cs typeface="Helvetica" panose="020B0604020202020204" pitchFamily="34" charset="0"/>
-            </a:endParaRPr>
-          </a:p>
-        </p:txBody>
-      </p:sp>
-      <p:sp>
-        <p:nvSpPr>
-          <p:cNvPr id="3" name="TextBox 2">
-            <a:extLst>
-              <a:ext uri="{FF2B5EF4-FFF2-40B4-BE49-F238E27FC236}">
-                <a16:creationId xmlns:a16="http://schemas.microsoft.com/office/drawing/2014/main" id="{8E0D0C58-4777-B836-81EE-F027A53CFFAF}"/>
-              </a:ext>
-            </a:extLst>
-          </p:cNvPr>
-          <p:cNvSpPr txBox="1"/>
-          <p:nvPr/>
-        </p:nvSpPr>
-        <p:spPr>
-          <a:xfrm>
-            <a:off x="238539" y="5934223"/>
-            <a:ext cx="4596848" cy="369332"/>
-          </a:xfrm>
-          <a:prstGeom prst="rect">
-            <a:avLst/>
-          </a:prstGeom>
-          <a:noFill/>
-        </p:spPr>
-        <p:txBody>
-          <a:bodyPr wrap="square">
-            <a:spAutoFit/>
-          </a:bodyPr>
-          <a:lstStyle/>
-          <a:p>
-            <a:pPr marL="0" indent="0">
-              <a:buNone/>
-            </a:pPr>
-            <a:r>
-              <a:rPr lang="en-CA" sz="1800" dirty="0">
-                <a:latin typeface="Helvetica" panose="020B0604020202020204" pitchFamily="34" charset="0"/>
-                <a:cs typeface="Helvetica" panose="020B0604020202020204" pitchFamily="34" charset="0"/>
-              </a:rPr>
-              <a:t>Contact: </a:t>
-            </a:r>
-            <a:r>
-              <a:rPr lang="en-CA" sz="1800" dirty="0">
-                <a:latin typeface="Helvetica" panose="020B0604020202020204" pitchFamily="34" charset="0"/>
-                <a:cs typeface="Helvetica" panose="020B0604020202020204" pitchFamily="34" charset="0"/>
-                <a:hlinkClick r:id="rId5"/>
-              </a:rPr>
-              <a:t>workshop-micm@mcgill.ca</a:t>
-            </a:r>
-            <a:r>
-              <a:rPr lang="en-CA" sz="1800" dirty="0">
-                <a:latin typeface="Helvetica" panose="020B0604020202020204" pitchFamily="34" charset="0"/>
-                <a:cs typeface="Helvetica" panose="020B0604020202020204" pitchFamily="34" charset="0"/>
-              </a:rPr>
-              <a:t> </a:t>
-            </a:r>
-          </a:p>
-        </p:txBody>
-      </p:sp>
-      <p:pic>
-        <p:nvPicPr>
-          <p:cNvPr id="2" name="Picture 1" descr="A map of a city&#10;&#10;Description automatically generated">
-            <a:extLst>
-              <a:ext uri="{FF2B5EF4-FFF2-40B4-BE49-F238E27FC236}">
-                <a16:creationId xmlns:a16="http://schemas.microsoft.com/office/drawing/2014/main" id="{0D7302FE-4674-2672-DBA9-50C4E86C9AA1}"/>
-              </a:ext>
-            </a:extLst>
-          </p:cNvPr>
-          <p:cNvPicPr>
-            <a:picLocks noChangeAspect="1"/>
-          </p:cNvPicPr>
-          <p:nvPr/>
-        </p:nvPicPr>
-        <p:blipFill>
-          <a:blip r:embed="rId6"/>
-          <a:stretch>
-            <a:fillRect/>
-          </a:stretch>
-        </p:blipFill>
-        <p:spPr>
-          <a:xfrm>
-            <a:off x="924887" y="2649379"/>
-            <a:ext cx="2868491" cy="2356534"/>
-          </a:xfrm>
-          <a:prstGeom prst="ellipse">
-            <a:avLst/>
-          </a:prstGeom>
-          <a:ln>
-            <a:noFill/>
-          </a:ln>
-          <a:effectLst>
-            <a:softEdge rad="112500"/>
-          </a:effectLst>
-        </p:spPr>
-      </p:pic>
-    </p:spTree>
-    <p:extLst>
-      <p:ext uri="{BB962C8B-B14F-4D97-AF65-F5344CB8AC3E}">
-        <p14:creationId xmlns:p14="http://schemas.microsoft.com/office/powerpoint/2010/main" val="1324269546"/>
-      </p:ext>
-    </p:extLst>
-  </p:cSld>
-  <p:clrMapOvr>
-    <a:masterClrMapping/>
-  </p:clrMapOvr>
-</p:sld>
-</file>
-
-<file path=ppt/slides/slide20.xml><?xml version="1.0" encoding="utf-8"?>
+<file path=ppt/slides/slide21.xml><?xml version="1.0" encoding="utf-8"?>
 <p:sld xmlns:a="http://schemas.openxmlformats.org/drawingml/2006/main" xmlns:r="http://schemas.openxmlformats.org/officeDocument/2006/relationships" xmlns:p="http://schemas.openxmlformats.org/presentationml/2006/main">
   <p:cSld>
     <p:spTree>
@@ -7750,7 +7869,7 @@
 </p:sld>
 </file>
 
-<file path=ppt/slides/slide21.xml><?xml version="1.0" encoding="utf-8"?>
+<file path=ppt/slides/slide22.xml><?xml version="1.0" encoding="utf-8"?>
 <p:sld xmlns:a="http://schemas.openxmlformats.org/drawingml/2006/main" xmlns:r="http://schemas.openxmlformats.org/officeDocument/2006/relationships" xmlns:p="http://schemas.openxmlformats.org/presentationml/2006/main">
   <p:cSld>
     <p:spTree>
@@ -7956,7 +8075,7 @@
 </p:sld>
 </file>
 
-<file path=ppt/slides/slide22.xml><?xml version="1.0" encoding="utf-8"?>
+<file path=ppt/slides/slide23.xml><?xml version="1.0" encoding="utf-8"?>
 <p:sld xmlns:a="http://schemas.openxmlformats.org/drawingml/2006/main" xmlns:r="http://schemas.openxmlformats.org/officeDocument/2006/relationships" xmlns:p="http://schemas.openxmlformats.org/presentationml/2006/main">
   <p:cSld>
     <p:spTree>
@@ -8253,7 +8372,7 @@
 </p:sld>
 </file>
 
-<file path=ppt/slides/slide23.xml><?xml version="1.0" encoding="utf-8"?>
+<file path=ppt/slides/slide24.xml><?xml version="1.0" encoding="utf-8"?>
 <p:sld xmlns:a="http://schemas.openxmlformats.org/drawingml/2006/main" xmlns:r="http://schemas.openxmlformats.org/officeDocument/2006/relationships" xmlns:p="http://schemas.openxmlformats.org/presentationml/2006/main">
   <p:cSld>
     <p:spTree>
@@ -8459,7 +8578,7 @@
 </p:sld>
 </file>
 
-<file path=ppt/slides/slide24.xml><?xml version="1.0" encoding="utf-8"?>
+<file path=ppt/slides/slide25.xml><?xml version="1.0" encoding="utf-8"?>
 <p:sld xmlns:a="http://schemas.openxmlformats.org/drawingml/2006/main" xmlns:r="http://schemas.openxmlformats.org/officeDocument/2006/relationships" xmlns:p="http://schemas.openxmlformats.org/presentationml/2006/main">
   <p:cSld>
     <p:spTree>
@@ -8596,7 +8715,7 @@
 </p:sld>
 </file>
 
-<file path=ppt/slides/slide25.xml><?xml version="1.0" encoding="utf-8"?>
+<file path=ppt/slides/slide26.xml><?xml version="1.0" encoding="utf-8"?>
 <p:sld xmlns:a="http://schemas.openxmlformats.org/drawingml/2006/main" xmlns:r="http://schemas.openxmlformats.org/officeDocument/2006/relationships" xmlns:p="http://schemas.openxmlformats.org/presentationml/2006/main">
   <p:cSld>
     <p:spTree>
@@ -9414,7 +9533,7 @@
 </p:sld>
 </file>
 
-<file path=ppt/slides/slide26.xml><?xml version="1.0" encoding="utf-8"?>
+<file path=ppt/slides/slide27.xml><?xml version="1.0" encoding="utf-8"?>
 <p:sld xmlns:a="http://schemas.openxmlformats.org/drawingml/2006/main" xmlns:r="http://schemas.openxmlformats.org/officeDocument/2006/relationships" xmlns:p="http://schemas.openxmlformats.org/presentationml/2006/main">
   <p:cSld>
     <p:spTree>
@@ -9896,7 +10015,7 @@
 </p:sld>
 </file>
 
-<file path=ppt/slides/slide27.xml><?xml version="1.0" encoding="utf-8"?>
+<file path=ppt/slides/slide28.xml><?xml version="1.0" encoding="utf-8"?>
 <p:sld xmlns:a="http://schemas.openxmlformats.org/drawingml/2006/main" xmlns:r="http://schemas.openxmlformats.org/officeDocument/2006/relationships" xmlns:p="http://schemas.openxmlformats.org/presentationml/2006/main">
   <p:cSld>
     <p:spTree>
@@ -10536,7 +10655,7 @@
 </p:sld>
 </file>
 
-<file path=ppt/slides/slide28.xml><?xml version="1.0" encoding="utf-8"?>
+<file path=ppt/slides/slide29.xml><?xml version="1.0" encoding="utf-8"?>
 <p:sld xmlns:a="http://schemas.openxmlformats.org/drawingml/2006/main" xmlns:r="http://schemas.openxmlformats.org/officeDocument/2006/relationships" xmlns:p="http://schemas.openxmlformats.org/presentationml/2006/main">
   <p:cSld>
     <p:spTree>
@@ -10688,7 +10807,343 @@
 </p:sld>
 </file>
 
-<file path=ppt/slides/slide29.xml><?xml version="1.0" encoding="utf-8"?>
+<file path=ppt/slides/slide3.xml><?xml version="1.0" encoding="utf-8"?>
+<p:sld xmlns:a="http://schemas.openxmlformats.org/drawingml/2006/main" xmlns:r="http://schemas.openxmlformats.org/officeDocument/2006/relationships" xmlns:p="http://schemas.openxmlformats.org/presentationml/2006/main">
+  <p:cSld>
+    <p:spTree>
+      <p:nvGrpSpPr>
+        <p:cNvPr id="1" name=""/>
+        <p:cNvGrpSpPr/>
+        <p:nvPr/>
+      </p:nvGrpSpPr>
+      <p:grpSpPr>
+        <a:xfrm>
+          <a:off x="0" y="0"/>
+          <a:ext cx="0" cy="0"/>
+          <a:chOff x="0" y="0"/>
+          <a:chExt cx="0" cy="0"/>
+        </a:xfrm>
+      </p:grpSpPr>
+      <p:sp>
+        <p:nvSpPr>
+          <p:cNvPr id="4" name="Content Placeholder 3">
+            <a:extLst>
+              <a:ext uri="{FF2B5EF4-FFF2-40B4-BE49-F238E27FC236}">
+                <a16:creationId xmlns:a16="http://schemas.microsoft.com/office/drawing/2014/main" id="{8AE12D43-9137-DB7C-570B-E48AB2308897}"/>
+              </a:ext>
+            </a:extLst>
+          </p:cNvPr>
+          <p:cNvSpPr>
+            <a:spLocks noGrp="1"/>
+          </p:cNvSpPr>
+          <p:nvPr>
+            <p:ph sz="half" idx="2"/>
+          </p:nvPr>
+        </p:nvSpPr>
+        <p:spPr>
+          <a:xfrm>
+            <a:off x="924887" y="5287892"/>
+            <a:ext cx="3224152" cy="646331"/>
+          </a:xfrm>
+        </p:spPr>
+        <p:txBody>
+          <a:bodyPr vert="horz" lIns="91440" tIns="45720" rIns="91440" bIns="45720" rtlCol="0" anchor="t">
+            <a:normAutofit/>
+          </a:bodyPr>
+          <a:lstStyle/>
+          <a:p>
+            <a:pPr marL="0" indent="0">
+              <a:buNone/>
+            </a:pPr>
+            <a:r>
+              <a:rPr lang="en-CA" sz="1800" dirty="0">
+                <a:latin typeface="Helvetica" panose="020B0604020202020204" pitchFamily="34" charset="0"/>
+                <a:cs typeface="Helvetica" panose="020B0604020202020204" pitchFamily="34" charset="0"/>
+              </a:rPr>
+              <a:t>Location: 550 Sherbrooke Street, Montreal, Quebec</a:t>
+            </a:r>
+          </a:p>
+        </p:txBody>
+      </p:sp>
+      <p:sp>
+        <p:nvSpPr>
+          <p:cNvPr id="8" name="TextBox 7">
+            <a:extLst>
+              <a:ext uri="{FF2B5EF4-FFF2-40B4-BE49-F238E27FC236}">
+                <a16:creationId xmlns:a16="http://schemas.microsoft.com/office/drawing/2014/main" id="{2A92A9C4-6F5B-9A18-012E-5626D25E3582}"/>
+              </a:ext>
+            </a:extLst>
+          </p:cNvPr>
+          <p:cNvSpPr txBox="1"/>
+          <p:nvPr/>
+        </p:nvSpPr>
+        <p:spPr>
+          <a:xfrm>
+            <a:off x="820547" y="1461827"/>
+            <a:ext cx="7502906" cy="646331"/>
+          </a:xfrm>
+          <a:prstGeom prst="rect">
+            <a:avLst/>
+          </a:prstGeom>
+          <a:noFill/>
+        </p:spPr>
+        <p:txBody>
+          <a:bodyPr wrap="square" lIns="91440" tIns="45720" rIns="91440" bIns="45720" rtlCol="0" anchor="t">
+            <a:spAutoFit/>
+          </a:bodyPr>
+          <a:lstStyle/>
+          <a:p>
+            <a:pPr algn="ctr"/>
+            <a:r>
+              <a:rPr lang="en-CA" sz="1800" dirty="0">
+                <a:latin typeface="Helvetica" pitchFamily="2" charset="0"/>
+              </a:rPr>
+              <a:t>QLS-MiCM mission statement: d</a:t>
+            </a:r>
+            <a:r>
+              <a:rPr lang="en-CA" sz="1800" b="0" i="0" dirty="0">
+                <a:solidFill>
+                  <a:srgbClr val="000000"/>
+                </a:solidFill>
+                <a:effectLst/>
+                <a:latin typeface="Helvetica" pitchFamily="2" charset="0"/>
+                <a:cs typeface="Calibri"/>
+              </a:rPr>
+              <a:t>eliver quality workshops designed to help biomedical researchers develop the skills they need to succeed.</a:t>
+            </a:r>
+            <a:endParaRPr lang="en-CA" sz="1800" dirty="0">
+              <a:latin typeface="Helvetica" pitchFamily="2" charset="0"/>
+              <a:cs typeface="Calibri"/>
+            </a:endParaRPr>
+          </a:p>
+        </p:txBody>
+      </p:sp>
+      <p:pic>
+        <p:nvPicPr>
+          <p:cNvPr id="10" name="Picture 9" descr="A logo with a letter m&#10;&#10;Description automatically generated">
+            <a:extLst>
+              <a:ext uri="{FF2B5EF4-FFF2-40B4-BE49-F238E27FC236}">
+                <a16:creationId xmlns:a16="http://schemas.microsoft.com/office/drawing/2014/main" id="{E494228A-9E5D-1800-FDEC-760556611BD3}"/>
+              </a:ext>
+            </a:extLst>
+          </p:cNvPr>
+          <p:cNvPicPr>
+            <a:picLocks noChangeAspect="1"/>
+          </p:cNvPicPr>
+          <p:nvPr/>
+        </p:nvPicPr>
+        <p:blipFill>
+          <a:blip r:embed="rId3"/>
+          <a:stretch>
+            <a:fillRect/>
+          </a:stretch>
+        </p:blipFill>
+        <p:spPr>
+          <a:xfrm>
+            <a:off x="2705825" y="181659"/>
+            <a:ext cx="3732349" cy="900740"/>
+          </a:xfrm>
+          <a:prstGeom prst="rect">
+            <a:avLst/>
+          </a:prstGeom>
+        </p:spPr>
+      </p:pic>
+      <p:pic>
+        <p:nvPicPr>
+          <p:cNvPr id="12" name="Picture 11" descr="A qr code with black squares&#10;&#10;Description automatically generated">
+            <a:extLst>
+              <a:ext uri="{FF2B5EF4-FFF2-40B4-BE49-F238E27FC236}">
+                <a16:creationId xmlns:a16="http://schemas.microsoft.com/office/drawing/2014/main" id="{333BAB40-358F-BE60-7494-578A1971B335}"/>
+              </a:ext>
+            </a:extLst>
+          </p:cNvPr>
+          <p:cNvPicPr>
+            <a:picLocks noChangeAspect="1"/>
+          </p:cNvPicPr>
+          <p:nvPr/>
+        </p:nvPicPr>
+        <p:blipFill>
+          <a:blip r:embed="rId4"/>
+          <a:stretch>
+            <a:fillRect/>
+          </a:stretch>
+        </p:blipFill>
+        <p:spPr>
+          <a:xfrm>
+            <a:off x="5518580" y="2808275"/>
+            <a:ext cx="2203814" cy="2203814"/>
+          </a:xfrm>
+          <a:prstGeom prst="rect">
+            <a:avLst/>
+          </a:prstGeom>
+        </p:spPr>
+      </p:pic>
+      <p:sp>
+        <p:nvSpPr>
+          <p:cNvPr id="13" name="TextBox 12">
+            <a:extLst>
+              <a:ext uri="{FF2B5EF4-FFF2-40B4-BE49-F238E27FC236}">
+                <a16:creationId xmlns:a16="http://schemas.microsoft.com/office/drawing/2014/main" id="{174C1E59-2F37-F73C-4DFA-8971D19A54AE}"/>
+              </a:ext>
+            </a:extLst>
+          </p:cNvPr>
+          <p:cNvSpPr txBox="1"/>
+          <p:nvPr/>
+        </p:nvSpPr>
+        <p:spPr>
+          <a:xfrm>
+            <a:off x="4373913" y="5288330"/>
+            <a:ext cx="4632294" cy="646331"/>
+          </a:xfrm>
+          <a:prstGeom prst="rect">
+            <a:avLst/>
+          </a:prstGeom>
+          <a:noFill/>
+        </p:spPr>
+        <p:txBody>
+          <a:bodyPr wrap="square" lIns="91440" tIns="45720" rIns="91440" bIns="45720" rtlCol="0" anchor="t">
+            <a:spAutoFit/>
+          </a:bodyPr>
+          <a:lstStyle/>
+          <a:p>
+            <a:pPr algn="ctr"/>
+            <a:r>
+              <a:rPr lang="en-CA" sz="1800" dirty="0">
+                <a:latin typeface="Helvetica" panose="020B0604020202020204" pitchFamily="34" charset="0"/>
+                <a:cs typeface="Helvetica" panose="020B0604020202020204" pitchFamily="34" charset="0"/>
+              </a:rPr>
+              <a:t>Scan the QR code to sign up </a:t>
+            </a:r>
+          </a:p>
+          <a:p>
+            <a:pPr algn="ctr"/>
+            <a:r>
+              <a:rPr lang="en-CA" sz="1800" dirty="0">
+                <a:latin typeface="Helvetica" panose="020B0604020202020204" pitchFamily="34" charset="0"/>
+                <a:cs typeface="Helvetica" panose="020B0604020202020204" pitchFamily="34" charset="0"/>
+              </a:rPr>
+              <a:t>for our </a:t>
+            </a:r>
+            <a:r>
+              <a:rPr lang="en-CA" sz="1800" b="1" dirty="0">
+                <a:latin typeface="Helvetica" panose="020B0604020202020204" pitchFamily="34" charset="0"/>
+                <a:cs typeface="Helvetica" panose="020B0604020202020204" pitchFamily="34" charset="0"/>
+              </a:rPr>
+              <a:t>mailing list</a:t>
+            </a:r>
+            <a:endParaRPr lang="en-CA" sz="1800" dirty="0">
+              <a:latin typeface="Helvetica" panose="020B0604020202020204" pitchFamily="34" charset="0"/>
+              <a:cs typeface="Helvetica" panose="020B0604020202020204" pitchFamily="34" charset="0"/>
+            </a:endParaRPr>
+          </a:p>
+        </p:txBody>
+      </p:sp>
+      <p:sp>
+        <p:nvSpPr>
+          <p:cNvPr id="3" name="TextBox 2">
+            <a:extLst>
+              <a:ext uri="{FF2B5EF4-FFF2-40B4-BE49-F238E27FC236}">
+                <a16:creationId xmlns:a16="http://schemas.microsoft.com/office/drawing/2014/main" id="{8E0D0C58-4777-B836-81EE-F027A53CFFAF}"/>
+              </a:ext>
+            </a:extLst>
+          </p:cNvPr>
+          <p:cNvSpPr txBox="1"/>
+          <p:nvPr/>
+        </p:nvSpPr>
+        <p:spPr>
+          <a:xfrm>
+            <a:off x="238539" y="5934223"/>
+            <a:ext cx="4596848" cy="369332"/>
+          </a:xfrm>
+          <a:prstGeom prst="rect">
+            <a:avLst/>
+          </a:prstGeom>
+          <a:noFill/>
+        </p:spPr>
+        <p:txBody>
+          <a:bodyPr wrap="square">
+            <a:spAutoFit/>
+          </a:bodyPr>
+          <a:lstStyle/>
+          <a:p>
+            <a:pPr marL="0" indent="0">
+              <a:buNone/>
+            </a:pPr>
+            <a:r>
+              <a:rPr lang="en-CA" sz="1800" dirty="0">
+                <a:latin typeface="Helvetica" panose="020B0604020202020204" pitchFamily="34" charset="0"/>
+                <a:cs typeface="Helvetica" panose="020B0604020202020204" pitchFamily="34" charset="0"/>
+              </a:rPr>
+              <a:t>Contact: </a:t>
+            </a:r>
+            <a:r>
+              <a:rPr lang="en-CA" sz="1800" dirty="0">
+                <a:latin typeface="Helvetica" panose="020B0604020202020204" pitchFamily="34" charset="0"/>
+                <a:cs typeface="Helvetica" panose="020B0604020202020204" pitchFamily="34" charset="0"/>
+                <a:hlinkClick r:id="rId5"/>
+              </a:rPr>
+              <a:t>workshop-micm@mcgill.ca</a:t>
+            </a:r>
+            <a:r>
+              <a:rPr lang="en-CA" sz="1800" dirty="0">
+                <a:latin typeface="Helvetica" panose="020B0604020202020204" pitchFamily="34" charset="0"/>
+                <a:cs typeface="Helvetica" panose="020B0604020202020204" pitchFamily="34" charset="0"/>
+              </a:rPr>
+              <a:t> </a:t>
+            </a:r>
+          </a:p>
+        </p:txBody>
+      </p:sp>
+      <p:pic>
+        <p:nvPicPr>
+          <p:cNvPr id="2" name="Picture 1" descr="A map of a city&#10;&#10;Description automatically generated">
+            <a:extLst>
+              <a:ext uri="{FF2B5EF4-FFF2-40B4-BE49-F238E27FC236}">
+                <a16:creationId xmlns:a16="http://schemas.microsoft.com/office/drawing/2014/main" id="{0D7302FE-4674-2672-DBA9-50C4E86C9AA1}"/>
+              </a:ext>
+            </a:extLst>
+          </p:cNvPr>
+          <p:cNvPicPr>
+            <a:picLocks noChangeAspect="1"/>
+          </p:cNvPicPr>
+          <p:nvPr/>
+        </p:nvPicPr>
+        <p:blipFill>
+          <a:blip r:embed="rId6"/>
+          <a:stretch>
+            <a:fillRect/>
+          </a:stretch>
+        </p:blipFill>
+        <p:spPr>
+          <a:xfrm>
+            <a:off x="924887" y="2649379"/>
+            <a:ext cx="2868491" cy="2356534"/>
+          </a:xfrm>
+          <a:prstGeom prst="ellipse">
+            <a:avLst/>
+          </a:prstGeom>
+          <a:ln>
+            <a:noFill/>
+          </a:ln>
+          <a:effectLst>
+            <a:softEdge rad="112500"/>
+          </a:effectLst>
+        </p:spPr>
+      </p:pic>
+    </p:spTree>
+    <p:extLst>
+      <p:ext uri="{BB962C8B-B14F-4D97-AF65-F5344CB8AC3E}">
+        <p14:creationId xmlns:p14="http://schemas.microsoft.com/office/powerpoint/2010/main" val="1324269546"/>
+      </p:ext>
+    </p:extLst>
+  </p:cSld>
+  <p:clrMapOvr>
+    <a:masterClrMapping/>
+  </p:clrMapOvr>
+</p:sld>
+</file>
+
+<file path=ppt/slides/slide30.xml><?xml version="1.0" encoding="utf-8"?>
 <p:sld xmlns:a="http://schemas.openxmlformats.org/drawingml/2006/main" xmlns:r="http://schemas.openxmlformats.org/officeDocument/2006/relationships" xmlns:p="http://schemas.openxmlformats.org/presentationml/2006/main">
   <p:cSld>
     <p:spTree>
@@ -10838,165 +11293,7 @@
 </p:sld>
 </file>
 
-<file path=ppt/slides/slide3.xml><?xml version="1.0" encoding="utf-8"?>
-<p:sld xmlns:a="http://schemas.openxmlformats.org/drawingml/2006/main" xmlns:r="http://schemas.openxmlformats.org/officeDocument/2006/relationships" xmlns:p="http://schemas.openxmlformats.org/presentationml/2006/main">
-  <p:cSld>
-    <p:spTree>
-      <p:nvGrpSpPr>
-        <p:cNvPr id="1" name="">
-          <a:extLst>
-            <a:ext uri="{FF2B5EF4-FFF2-40B4-BE49-F238E27FC236}">
-              <a16:creationId xmlns:a16="http://schemas.microsoft.com/office/drawing/2014/main" id="{C39F2376-9E04-ED70-502E-4CB0F87AB963}"/>
-            </a:ext>
-          </a:extLst>
-        </p:cNvPr>
-        <p:cNvGrpSpPr/>
-        <p:nvPr/>
-      </p:nvGrpSpPr>
-      <p:grpSpPr>
-        <a:xfrm>
-          <a:off x="0" y="0"/>
-          <a:ext cx="0" cy="0"/>
-          <a:chOff x="0" y="0"/>
-          <a:chExt cx="0" cy="0"/>
-        </a:xfrm>
-      </p:grpSpPr>
-      <p:sp>
-        <p:nvSpPr>
-          <p:cNvPr id="17" name="TextBox 16">
-            <a:extLst>
-              <a:ext uri="{FF2B5EF4-FFF2-40B4-BE49-F238E27FC236}">
-                <a16:creationId xmlns:a16="http://schemas.microsoft.com/office/drawing/2014/main" id="{16AE1CEB-BA97-61DD-841E-10CAC5F24A90}"/>
-              </a:ext>
-            </a:extLst>
-          </p:cNvPr>
-          <p:cNvSpPr txBox="1"/>
-          <p:nvPr/>
-        </p:nvSpPr>
-        <p:spPr>
-          <a:xfrm>
-            <a:off x="1647890" y="5377669"/>
-            <a:ext cx="5848220" cy="369460"/>
-          </a:xfrm>
-          <a:prstGeom prst="rect">
-            <a:avLst/>
-          </a:prstGeom>
-          <a:noFill/>
-        </p:spPr>
-        <p:txBody>
-          <a:bodyPr wrap="square">
-            <a:spAutoFit/>
-          </a:bodyPr>
-          <a:lstStyle/>
-          <a:p>
-            <a:r>
-              <a:rPr lang="en-US" dirty="0">
-                <a:latin typeface="Helvetica" pitchFamily="2" charset="0"/>
-                <a:hlinkClick r:id="rId3"/>
-              </a:rPr>
-              <a:t>https://www.mcgill.ca/micm/training/workshops-series</a:t>
-            </a:r>
-            <a:endParaRPr lang="en-US" dirty="0">
-              <a:latin typeface="Helvetica" pitchFamily="2" charset="0"/>
-            </a:endParaRPr>
-          </a:p>
-        </p:txBody>
-      </p:sp>
-      <p:sp>
-        <p:nvSpPr>
-          <p:cNvPr id="4" name="TextBox 3">
-            <a:extLst>
-              <a:ext uri="{FF2B5EF4-FFF2-40B4-BE49-F238E27FC236}">
-                <a16:creationId xmlns:a16="http://schemas.microsoft.com/office/drawing/2014/main" id="{FCD96498-6607-422D-4649-CD2575F6D567}"/>
-              </a:ext>
-            </a:extLst>
-          </p:cNvPr>
-          <p:cNvSpPr txBox="1"/>
-          <p:nvPr/>
-        </p:nvSpPr>
-        <p:spPr>
-          <a:xfrm>
-            <a:off x="2597550" y="1295601"/>
-            <a:ext cx="4208602" cy="646331"/>
-          </a:xfrm>
-          <a:prstGeom prst="rect">
-            <a:avLst/>
-          </a:prstGeom>
-          <a:noFill/>
-        </p:spPr>
-        <p:txBody>
-          <a:bodyPr rot="0" spcFirstLastPara="0" vertOverflow="overflow" horzOverflow="overflow" vert="horz" wrap="square" lIns="91440" tIns="45720" rIns="91440" bIns="45720" numCol="1" spcCol="0" rtlCol="0" fromWordArt="0" anchor="t" anchorCtr="0" forceAA="0" compatLnSpc="1">
-            <a:prstTxWarp prst="textNoShape">
-              <a:avLst/>
-            </a:prstTxWarp>
-            <a:spAutoFit/>
-          </a:bodyPr>
-          <a:lstStyle/>
-          <a:p>
-            <a:r>
-              <a:rPr lang="en-US" sz="3600" dirty="0">
-                <a:latin typeface="Helvetica" panose="020B0604020202020204" pitchFamily="34" charset="0"/>
-                <a:cs typeface="Helvetica" panose="020B0604020202020204" pitchFamily="34" charset="0"/>
-              </a:rPr>
-              <a:t>Workshop Series</a:t>
-            </a:r>
-            <a:endParaRPr lang="en-US" sz="4000" dirty="0">
-              <a:latin typeface="Helvetica" panose="020B0604020202020204" pitchFamily="34" charset="0"/>
-              <a:cs typeface="Helvetica" panose="020B0604020202020204" pitchFamily="34" charset="0"/>
-            </a:endParaRPr>
-          </a:p>
-        </p:txBody>
-      </p:sp>
-      <p:sp>
-        <p:nvSpPr>
-          <p:cNvPr id="2" name="TextBox 1">
-            <a:extLst>
-              <a:ext uri="{FF2B5EF4-FFF2-40B4-BE49-F238E27FC236}">
-                <a16:creationId xmlns:a16="http://schemas.microsoft.com/office/drawing/2014/main" id="{3B626093-774D-D353-9512-85AB782D3038}"/>
-              </a:ext>
-            </a:extLst>
-          </p:cNvPr>
-          <p:cNvSpPr txBox="1"/>
-          <p:nvPr/>
-        </p:nvSpPr>
-        <p:spPr>
-          <a:xfrm>
-            <a:off x="1774479" y="2811070"/>
-            <a:ext cx="6111088" cy="1754326"/>
-          </a:xfrm>
-          <a:prstGeom prst="rect">
-            <a:avLst/>
-          </a:prstGeom>
-          <a:noFill/>
-        </p:spPr>
-        <p:txBody>
-          <a:bodyPr wrap="square" rtlCol="0">
-            <a:spAutoFit/>
-          </a:bodyPr>
-          <a:lstStyle/>
-          <a:p>
-            <a:r>
-              <a:rPr lang="en-CA" sz="5400" dirty="0"/>
-              <a:t>Winter 2025 Series Coming Soon!!</a:t>
-            </a:r>
-            <a:endParaRPr lang="en-US" sz="5400" dirty="0"/>
-          </a:p>
-        </p:txBody>
-      </p:sp>
-    </p:spTree>
-    <p:extLst>
-      <p:ext uri="{BB962C8B-B14F-4D97-AF65-F5344CB8AC3E}">
-        <p14:creationId xmlns:p14="http://schemas.microsoft.com/office/powerpoint/2010/main" val="3301951615"/>
-      </p:ext>
-    </p:extLst>
-  </p:cSld>
-  <p:clrMapOvr>
-    <a:masterClrMapping/>
-  </p:clrMapOvr>
-</p:sld>
-</file>
-
-<file path=ppt/slides/slide30.xml><?xml version="1.0" encoding="utf-8"?>
+<file path=ppt/slides/slide31.xml><?xml version="1.0" encoding="utf-8"?>
 <p:sld xmlns:a="http://schemas.openxmlformats.org/drawingml/2006/main" xmlns:r="http://schemas.openxmlformats.org/officeDocument/2006/relationships" xmlns:p="http://schemas.openxmlformats.org/presentationml/2006/main">
   <p:cSld>
     <p:spTree>
@@ -11133,7 +11430,7 @@
 </p:sld>
 </file>
 
-<file path=ppt/slides/slide31.xml><?xml version="1.0" encoding="utf-8"?>
+<file path=ppt/slides/slide32.xml><?xml version="1.0" encoding="utf-8"?>
 <p:sld xmlns:a="http://schemas.openxmlformats.org/drawingml/2006/main" xmlns:r="http://schemas.openxmlformats.org/officeDocument/2006/relationships" xmlns:p="http://schemas.openxmlformats.org/presentationml/2006/main">
   <p:cSld>
     <p:spTree>
@@ -11368,7 +11665,7 @@
 </p:sld>
 </file>
 
-<file path=ppt/slides/slide32.xml><?xml version="1.0" encoding="utf-8"?>
+<file path=ppt/slides/slide33.xml><?xml version="1.0" encoding="utf-8"?>
 <p:sld xmlns:a="http://schemas.openxmlformats.org/drawingml/2006/main" xmlns:r="http://schemas.openxmlformats.org/officeDocument/2006/relationships" xmlns:p="http://schemas.openxmlformats.org/presentationml/2006/main">
   <p:cSld>
     <p:spTree>
@@ -11532,7 +11829,7 @@
 </p:sld>
 </file>
 
-<file path=ppt/slides/slide33.xml><?xml version="1.0" encoding="utf-8"?>
+<file path=ppt/slides/slide34.xml><?xml version="1.0" encoding="utf-8"?>
 <p:sld xmlns:a="http://schemas.openxmlformats.org/drawingml/2006/main" xmlns:r="http://schemas.openxmlformats.org/officeDocument/2006/relationships" xmlns:p="http://schemas.openxmlformats.org/presentationml/2006/main">
   <p:cSld>
     <p:spTree>
@@ -11659,7 +11956,7 @@
 </p:sld>
 </file>
 
-<file path=ppt/slides/slide34.xml><?xml version="1.0" encoding="utf-8"?>
+<file path=ppt/slides/slide35.xml><?xml version="1.0" encoding="utf-8"?>
 <p:sld xmlns:a="http://schemas.openxmlformats.org/drawingml/2006/main" xmlns:r="http://schemas.openxmlformats.org/officeDocument/2006/relationships" xmlns:p="http://schemas.openxmlformats.org/presentationml/2006/main">
   <p:cSld>
     <p:spTree>
@@ -11786,7 +12083,7 @@
 </p:sld>
 </file>
 
-<file path=ppt/slides/slide35.xml><?xml version="1.0" encoding="utf-8"?>
+<file path=ppt/slides/slide36.xml><?xml version="1.0" encoding="utf-8"?>
 <p:sld xmlns:a="http://schemas.openxmlformats.org/drawingml/2006/main" xmlns:r="http://schemas.openxmlformats.org/officeDocument/2006/relationships" xmlns:p="http://schemas.openxmlformats.org/presentationml/2006/main">
   <p:cSld>
     <p:spTree>
@@ -11945,7 +12242,7 @@
 </p:sld>
 </file>
 
-<file path=ppt/slides/slide36.xml><?xml version="1.0" encoding="utf-8"?>
+<file path=ppt/slides/slide37.xml><?xml version="1.0" encoding="utf-8"?>
 <p:sld xmlns:a="http://schemas.openxmlformats.org/drawingml/2006/main" xmlns:r="http://schemas.openxmlformats.org/officeDocument/2006/relationships" xmlns:p="http://schemas.openxmlformats.org/presentationml/2006/main">
   <p:cSld>
     <p:spTree>
@@ -12312,7 +12609,7 @@
 </p:sld>
 </file>
 
-<file path=ppt/slides/slide37.xml><?xml version="1.0" encoding="utf-8"?>
+<file path=ppt/slides/slide38.xml><?xml version="1.0" encoding="utf-8"?>
 <p:sld xmlns:a="http://schemas.openxmlformats.org/drawingml/2006/main" xmlns:r="http://schemas.openxmlformats.org/officeDocument/2006/relationships" xmlns:p="http://schemas.openxmlformats.org/presentationml/2006/main">
   <p:cSld>
     <p:spTree>
@@ -12866,7 +13163,7 @@
 </p:sld>
 </file>
 
-<file path=ppt/slides/slide38.xml><?xml version="1.0" encoding="utf-8"?>
+<file path=ppt/slides/slide39.xml><?xml version="1.0" encoding="utf-8"?>
 <p:sld xmlns:a="http://schemas.openxmlformats.org/drawingml/2006/main" xmlns:r="http://schemas.openxmlformats.org/officeDocument/2006/relationships" xmlns:p="http://schemas.openxmlformats.org/presentationml/2006/main">
   <p:cSld>
     <p:spTree>
@@ -13192,7 +13489,165 @@
 </p:sld>
 </file>
 
-<file path=ppt/slides/slide39.xml><?xml version="1.0" encoding="utf-8"?>
+<file path=ppt/slides/slide4.xml><?xml version="1.0" encoding="utf-8"?>
+<p:sld xmlns:a="http://schemas.openxmlformats.org/drawingml/2006/main" xmlns:r="http://schemas.openxmlformats.org/officeDocument/2006/relationships" xmlns:p="http://schemas.openxmlformats.org/presentationml/2006/main">
+  <p:cSld>
+    <p:spTree>
+      <p:nvGrpSpPr>
+        <p:cNvPr id="1" name="">
+          <a:extLst>
+            <a:ext uri="{FF2B5EF4-FFF2-40B4-BE49-F238E27FC236}">
+              <a16:creationId xmlns:a16="http://schemas.microsoft.com/office/drawing/2014/main" id="{C39F2376-9E04-ED70-502E-4CB0F87AB963}"/>
+            </a:ext>
+          </a:extLst>
+        </p:cNvPr>
+        <p:cNvGrpSpPr/>
+        <p:nvPr/>
+      </p:nvGrpSpPr>
+      <p:grpSpPr>
+        <a:xfrm>
+          <a:off x="0" y="0"/>
+          <a:ext cx="0" cy="0"/>
+          <a:chOff x="0" y="0"/>
+          <a:chExt cx="0" cy="0"/>
+        </a:xfrm>
+      </p:grpSpPr>
+      <p:sp>
+        <p:nvSpPr>
+          <p:cNvPr id="17" name="TextBox 16">
+            <a:extLst>
+              <a:ext uri="{FF2B5EF4-FFF2-40B4-BE49-F238E27FC236}">
+                <a16:creationId xmlns:a16="http://schemas.microsoft.com/office/drawing/2014/main" id="{16AE1CEB-BA97-61DD-841E-10CAC5F24A90}"/>
+              </a:ext>
+            </a:extLst>
+          </p:cNvPr>
+          <p:cNvSpPr txBox="1"/>
+          <p:nvPr/>
+        </p:nvSpPr>
+        <p:spPr>
+          <a:xfrm>
+            <a:off x="1647890" y="5377669"/>
+            <a:ext cx="5848220" cy="369460"/>
+          </a:xfrm>
+          <a:prstGeom prst="rect">
+            <a:avLst/>
+          </a:prstGeom>
+          <a:noFill/>
+        </p:spPr>
+        <p:txBody>
+          <a:bodyPr wrap="square">
+            <a:spAutoFit/>
+          </a:bodyPr>
+          <a:lstStyle/>
+          <a:p>
+            <a:r>
+              <a:rPr lang="en-US" dirty="0">
+                <a:latin typeface="Helvetica" pitchFamily="2" charset="0"/>
+                <a:hlinkClick r:id="rId3"/>
+              </a:rPr>
+              <a:t>https://www.mcgill.ca/micm/training/workshops-series</a:t>
+            </a:r>
+            <a:endParaRPr lang="en-US" dirty="0">
+              <a:latin typeface="Helvetica" pitchFamily="2" charset="0"/>
+            </a:endParaRPr>
+          </a:p>
+        </p:txBody>
+      </p:sp>
+      <p:sp>
+        <p:nvSpPr>
+          <p:cNvPr id="4" name="TextBox 3">
+            <a:extLst>
+              <a:ext uri="{FF2B5EF4-FFF2-40B4-BE49-F238E27FC236}">
+                <a16:creationId xmlns:a16="http://schemas.microsoft.com/office/drawing/2014/main" id="{FCD96498-6607-422D-4649-CD2575F6D567}"/>
+              </a:ext>
+            </a:extLst>
+          </p:cNvPr>
+          <p:cNvSpPr txBox="1"/>
+          <p:nvPr/>
+        </p:nvSpPr>
+        <p:spPr>
+          <a:xfrm>
+            <a:off x="2597550" y="1295601"/>
+            <a:ext cx="4208602" cy="646331"/>
+          </a:xfrm>
+          <a:prstGeom prst="rect">
+            <a:avLst/>
+          </a:prstGeom>
+          <a:noFill/>
+        </p:spPr>
+        <p:txBody>
+          <a:bodyPr rot="0" spcFirstLastPara="0" vertOverflow="overflow" horzOverflow="overflow" vert="horz" wrap="square" lIns="91440" tIns="45720" rIns="91440" bIns="45720" numCol="1" spcCol="0" rtlCol="0" fromWordArt="0" anchor="t" anchorCtr="0" forceAA="0" compatLnSpc="1">
+            <a:prstTxWarp prst="textNoShape">
+              <a:avLst/>
+            </a:prstTxWarp>
+            <a:spAutoFit/>
+          </a:bodyPr>
+          <a:lstStyle/>
+          <a:p>
+            <a:r>
+              <a:rPr lang="en-US" sz="3600" dirty="0">
+                <a:latin typeface="Helvetica" panose="020B0604020202020204" pitchFamily="34" charset="0"/>
+                <a:cs typeface="Helvetica" panose="020B0604020202020204" pitchFamily="34" charset="0"/>
+              </a:rPr>
+              <a:t>Workshop Series</a:t>
+            </a:r>
+            <a:endParaRPr lang="en-US" sz="4000" dirty="0">
+              <a:latin typeface="Helvetica" panose="020B0604020202020204" pitchFamily="34" charset="0"/>
+              <a:cs typeface="Helvetica" panose="020B0604020202020204" pitchFamily="34" charset="0"/>
+            </a:endParaRPr>
+          </a:p>
+        </p:txBody>
+      </p:sp>
+      <p:sp>
+        <p:nvSpPr>
+          <p:cNvPr id="2" name="TextBox 1">
+            <a:extLst>
+              <a:ext uri="{FF2B5EF4-FFF2-40B4-BE49-F238E27FC236}">
+                <a16:creationId xmlns:a16="http://schemas.microsoft.com/office/drawing/2014/main" id="{3B626093-774D-D353-9512-85AB782D3038}"/>
+              </a:ext>
+            </a:extLst>
+          </p:cNvPr>
+          <p:cNvSpPr txBox="1"/>
+          <p:nvPr/>
+        </p:nvSpPr>
+        <p:spPr>
+          <a:xfrm>
+            <a:off x="1774479" y="2811070"/>
+            <a:ext cx="6111088" cy="1754326"/>
+          </a:xfrm>
+          <a:prstGeom prst="rect">
+            <a:avLst/>
+          </a:prstGeom>
+          <a:noFill/>
+        </p:spPr>
+        <p:txBody>
+          <a:bodyPr wrap="square" rtlCol="0">
+            <a:spAutoFit/>
+          </a:bodyPr>
+          <a:lstStyle/>
+          <a:p>
+            <a:r>
+              <a:rPr lang="en-CA" sz="5400" dirty="0"/>
+              <a:t>Winter 2025 Series Coming Soon!!</a:t>
+            </a:r>
+            <a:endParaRPr lang="en-US" sz="5400" dirty="0"/>
+          </a:p>
+        </p:txBody>
+      </p:sp>
+    </p:spTree>
+    <p:extLst>
+      <p:ext uri="{BB962C8B-B14F-4D97-AF65-F5344CB8AC3E}">
+        <p14:creationId xmlns:p14="http://schemas.microsoft.com/office/powerpoint/2010/main" val="3301951615"/>
+      </p:ext>
+    </p:extLst>
+  </p:cSld>
+  <p:clrMapOvr>
+    <a:masterClrMapping/>
+  </p:clrMapOvr>
+</p:sld>
+</file>
+
+<file path=ppt/slides/slide40.xml><?xml version="1.0" encoding="utf-8"?>
 <p:sld xmlns:a="http://schemas.openxmlformats.org/drawingml/2006/main" xmlns:r="http://schemas.openxmlformats.org/officeDocument/2006/relationships" xmlns:p="http://schemas.openxmlformats.org/presentationml/2006/main">
   <p:cSld>
     <p:spTree>
@@ -13298,283 +13753,7 @@
 </p:sld>
 </file>
 
-<file path=ppt/slides/slide4.xml><?xml version="1.0" encoding="utf-8"?>
-<p:sld xmlns:a="http://schemas.openxmlformats.org/drawingml/2006/main" xmlns:r="http://schemas.openxmlformats.org/officeDocument/2006/relationships" xmlns:p="http://schemas.openxmlformats.org/presentationml/2006/main">
-  <p:cSld>
-    <p:spTree>
-      <p:nvGrpSpPr>
-        <p:cNvPr id="1" name="">
-          <a:extLst>
-            <a:ext uri="{FF2B5EF4-FFF2-40B4-BE49-F238E27FC236}">
-              <a16:creationId xmlns:a16="http://schemas.microsoft.com/office/drawing/2014/main" id="{F8B469F5-1CB1-A0C5-A0AB-8C0E16D75DC0}"/>
-            </a:ext>
-          </a:extLst>
-        </p:cNvPr>
-        <p:cNvGrpSpPr/>
-        <p:nvPr/>
-      </p:nvGrpSpPr>
-      <p:grpSpPr>
-        <a:xfrm>
-          <a:off x="0" y="0"/>
-          <a:ext cx="0" cy="0"/>
-          <a:chOff x="0" y="0"/>
-          <a:chExt cx="0" cy="0"/>
-        </a:xfrm>
-      </p:grpSpPr>
-      <p:sp>
-        <p:nvSpPr>
-          <p:cNvPr id="2" name="Title 1">
-            <a:extLst>
-              <a:ext uri="{FF2B5EF4-FFF2-40B4-BE49-F238E27FC236}">
-                <a16:creationId xmlns:a16="http://schemas.microsoft.com/office/drawing/2014/main" id="{4927BB53-9B9C-129F-A1E3-EEB13FE26D89}"/>
-              </a:ext>
-            </a:extLst>
-          </p:cNvPr>
-          <p:cNvSpPr>
-            <a:spLocks noGrp="1"/>
-          </p:cNvSpPr>
-          <p:nvPr>
-            <p:ph type="title"/>
-          </p:nvPr>
-        </p:nvSpPr>
-        <p:spPr>
-          <a:xfrm>
-            <a:off x="279138" y="138412"/>
-            <a:ext cx="7886700" cy="1325565"/>
-          </a:xfrm>
-        </p:spPr>
-        <p:txBody>
-          <a:bodyPr/>
-          <a:lstStyle/>
-          <a:p>
-            <a:r>
-              <a:rPr lang="en-US" sz="4400" dirty="0">
-                <a:latin typeface="Helvetica"/>
-                <a:cs typeface="Helvetica"/>
-              </a:rPr>
-              <a:t>Outline</a:t>
-            </a:r>
-            <a:endParaRPr lang="en-US" sz="4400" dirty="0">
-              <a:latin typeface="Helvetica" pitchFamily="2" charset="0"/>
-              <a:cs typeface="Helvetica"/>
-            </a:endParaRPr>
-          </a:p>
-        </p:txBody>
-      </p:sp>
-      <p:sp>
-        <p:nvSpPr>
-          <p:cNvPr id="3" name="Content Placeholder 2">
-            <a:extLst>
-              <a:ext uri="{FF2B5EF4-FFF2-40B4-BE49-F238E27FC236}">
-                <a16:creationId xmlns:a16="http://schemas.microsoft.com/office/drawing/2014/main" id="{7D6D0FD1-C3AF-4B3B-2756-C8EC565B082F}"/>
-              </a:ext>
-            </a:extLst>
-          </p:cNvPr>
-          <p:cNvSpPr>
-            <a:spLocks noGrp="1"/>
-          </p:cNvSpPr>
-          <p:nvPr>
-            <p:ph idx="1"/>
-          </p:nvPr>
-        </p:nvSpPr>
-        <p:spPr>
-          <a:xfrm>
-            <a:off x="519343" y="1650355"/>
-            <a:ext cx="5406895" cy="3387815"/>
-          </a:xfrm>
-        </p:spPr>
-        <p:txBody>
-          <a:bodyPr vert="horz" lIns="91440" tIns="45720" rIns="91440" bIns="45720" rtlCol="0" anchor="t">
-            <a:normAutofit fontScale="92500" lnSpcReduction="10000"/>
-          </a:bodyPr>
-          <a:lstStyle/>
-          <a:p>
-            <a:pPr marL="342900" indent="-342900">
-              <a:lnSpc>
-                <a:spcPct val="109000"/>
-              </a:lnSpc>
-              <a:spcAft>
-                <a:spcPts val="1000"/>
-              </a:spcAft>
-              <a:buFont typeface="+mj-lt"/>
-              <a:buAutoNum type="arabicPeriod"/>
-            </a:pPr>
-            <a:r>
-              <a:rPr lang="en-CA" sz="3200" dirty="0">
-                <a:latin typeface="Helvetica" pitchFamily="2" charset="0"/>
-                <a:ea typeface="Arial" panose="020B0604020202020204" pitchFamily="34" charset="0"/>
-                <a:cs typeface="Helvetica" pitchFamily="2" charset="0"/>
-              </a:rPr>
-              <a:t>Data Manipulation/Wrangling</a:t>
-            </a:r>
-          </a:p>
-          <a:p>
-            <a:pPr marL="342900" indent="-342900">
-              <a:lnSpc>
-                <a:spcPct val="109000"/>
-              </a:lnSpc>
-              <a:spcAft>
-                <a:spcPts val="1000"/>
-              </a:spcAft>
-              <a:buFont typeface="+mj-lt"/>
-              <a:buAutoNum type="arabicPeriod"/>
-            </a:pPr>
-            <a:r>
-              <a:rPr lang="en-CA" sz="3200" dirty="0">
-                <a:latin typeface="Helvetica" pitchFamily="2" charset="0"/>
-                <a:ea typeface="Arial" panose="020B0604020202020204" pitchFamily="34" charset="0"/>
-                <a:cs typeface="Helvetica" pitchFamily="2" charset="0"/>
-              </a:rPr>
-              <a:t>Statistical Testing</a:t>
-            </a:r>
-          </a:p>
-          <a:p>
-            <a:pPr marL="342900" indent="-342900">
-              <a:lnSpc>
-                <a:spcPct val="109000"/>
-              </a:lnSpc>
-              <a:spcAft>
-                <a:spcPts val="1000"/>
-              </a:spcAft>
-              <a:buFont typeface="+mj-lt"/>
-              <a:buAutoNum type="arabicPeriod"/>
-            </a:pPr>
-            <a:r>
-              <a:rPr lang="en-CA" sz="3200" dirty="0">
-                <a:latin typeface="Helvetica" pitchFamily="2" charset="0"/>
-                <a:ea typeface="Arial" panose="020B0604020202020204" pitchFamily="34" charset="0"/>
-                <a:cs typeface="Helvetica" pitchFamily="2" charset="0"/>
-              </a:rPr>
-              <a:t>Linear Regression Models</a:t>
-            </a:r>
-          </a:p>
-          <a:p>
-            <a:pPr marL="342900" indent="-342900">
-              <a:lnSpc>
-                <a:spcPct val="109000"/>
-              </a:lnSpc>
-              <a:spcAft>
-                <a:spcPts val="1000"/>
-              </a:spcAft>
-              <a:buFont typeface="+mj-lt"/>
-              <a:buAutoNum type="arabicPeriod"/>
-            </a:pPr>
-            <a:r>
-              <a:rPr lang="en-CA" sz="3200" dirty="0">
-                <a:latin typeface="Helvetica" pitchFamily="2" charset="0"/>
-                <a:ea typeface="Arial" panose="020B0604020202020204" pitchFamily="34" charset="0"/>
-                <a:cs typeface="Helvetica" pitchFamily="2" charset="0"/>
-              </a:rPr>
-              <a:t>Logistic Regression Models</a:t>
-            </a:r>
-          </a:p>
-          <a:p>
-            <a:pPr marL="342900" indent="-342900">
-              <a:lnSpc>
-                <a:spcPct val="109000"/>
-              </a:lnSpc>
-              <a:spcAft>
-                <a:spcPts val="1000"/>
-              </a:spcAft>
-              <a:buFont typeface="+mj-lt"/>
-              <a:buAutoNum type="arabicPeriod"/>
-            </a:pPr>
-            <a:r>
-              <a:rPr lang="en-CA" sz="3200" dirty="0">
-                <a:latin typeface="Helvetica" pitchFamily="2" charset="0"/>
-                <a:ea typeface="Arial" panose="020B0604020202020204" pitchFamily="34" charset="0"/>
-                <a:cs typeface="Helvetica" pitchFamily="2" charset="0"/>
-              </a:rPr>
-              <a:t>Study Design</a:t>
-            </a:r>
-          </a:p>
-        </p:txBody>
-      </p:sp>
-      <p:sp>
-        <p:nvSpPr>
-          <p:cNvPr id="4" name="TextBox 3">
-            <a:extLst>
-              <a:ext uri="{FF2B5EF4-FFF2-40B4-BE49-F238E27FC236}">
-                <a16:creationId xmlns:a16="http://schemas.microsoft.com/office/drawing/2014/main" id="{43578A04-C04F-7F80-6DED-12231FAA1A65}"/>
-              </a:ext>
-            </a:extLst>
-          </p:cNvPr>
-          <p:cNvSpPr txBox="1"/>
-          <p:nvPr/>
-        </p:nvSpPr>
-        <p:spPr>
-          <a:xfrm>
-            <a:off x="6111433" y="4534578"/>
-            <a:ext cx="3032567" cy="1631216"/>
-          </a:xfrm>
-          <a:prstGeom prst="rect">
-            <a:avLst/>
-          </a:prstGeom>
-          <a:noFill/>
-        </p:spPr>
-        <p:txBody>
-          <a:bodyPr wrap="square" rtlCol="0">
-            <a:spAutoFit/>
-          </a:bodyPr>
-          <a:lstStyle/>
-          <a:p>
-            <a:pPr algn="ctr"/>
-            <a:r>
-              <a:rPr lang="en-CA" sz="2000" b="1" u="sng" dirty="0"/>
-              <a:t>Acknowledgements</a:t>
-            </a:r>
-            <a:endParaRPr lang="en-CA" sz="2000" dirty="0"/>
-          </a:p>
-          <a:p>
-            <a:pPr algn="ctr"/>
-            <a:r>
-              <a:rPr lang="en-CA" sz="2000" dirty="0"/>
-              <a:t>Gerardo Martinez</a:t>
-            </a:r>
-          </a:p>
-          <a:p>
-            <a:pPr algn="ctr"/>
-            <a:r>
-              <a:rPr lang="en-CA" sz="2000" dirty="0"/>
-              <a:t>Alex Diaz-</a:t>
-            </a:r>
-            <a:r>
-              <a:rPr lang="en-CA" sz="2000" dirty="0" err="1"/>
-              <a:t>Papkovich</a:t>
-            </a:r>
-            <a:endParaRPr lang="en-CA" sz="2000" dirty="0"/>
-          </a:p>
-          <a:p>
-            <a:pPr algn="ctr"/>
-            <a:r>
-              <a:rPr lang="en-CA" sz="2000" dirty="0"/>
-              <a:t>Larisa Morales Soto</a:t>
-            </a:r>
-          </a:p>
-          <a:p>
-            <a:pPr algn="ctr"/>
-            <a:r>
-              <a:rPr lang="en-CA" sz="2000" dirty="0"/>
-              <a:t>Lisa Sullivan  BUSPH</a:t>
-            </a:r>
-            <a:endParaRPr lang="en-US" sz="2000" dirty="0"/>
-          </a:p>
-        </p:txBody>
-      </p:sp>
-    </p:spTree>
-    <p:extLst>
-      <p:ext uri="{BB962C8B-B14F-4D97-AF65-F5344CB8AC3E}">
-        <p14:creationId xmlns:p14="http://schemas.microsoft.com/office/powerpoint/2010/main" val="742620507"/>
-      </p:ext>
-    </p:extLst>
-  </p:cSld>
-  <p:clrMapOvr>
-    <a:masterClrMapping/>
-  </p:clrMapOvr>
-</p:sld>
-</file>
-
-<file path=ppt/slides/slide40.xml><?xml version="1.0" encoding="utf-8"?>
+<file path=ppt/slides/slide41.xml><?xml version="1.0" encoding="utf-8"?>
 <p:sld xmlns:a="http://schemas.openxmlformats.org/drawingml/2006/main" xmlns:r="http://schemas.openxmlformats.org/officeDocument/2006/relationships" xmlns:p="http://schemas.openxmlformats.org/presentationml/2006/main">
   <p:cSld>
     <p:spTree>
@@ -14057,6 +14236,282 @@
   <p:cSld>
     <p:spTree>
       <p:nvGrpSpPr>
+        <p:cNvPr id="1" name="">
+          <a:extLst>
+            <a:ext uri="{FF2B5EF4-FFF2-40B4-BE49-F238E27FC236}">
+              <a16:creationId xmlns:a16="http://schemas.microsoft.com/office/drawing/2014/main" id="{F8B469F5-1CB1-A0C5-A0AB-8C0E16D75DC0}"/>
+            </a:ext>
+          </a:extLst>
+        </p:cNvPr>
+        <p:cNvGrpSpPr/>
+        <p:nvPr/>
+      </p:nvGrpSpPr>
+      <p:grpSpPr>
+        <a:xfrm>
+          <a:off x="0" y="0"/>
+          <a:ext cx="0" cy="0"/>
+          <a:chOff x="0" y="0"/>
+          <a:chExt cx="0" cy="0"/>
+        </a:xfrm>
+      </p:grpSpPr>
+      <p:sp>
+        <p:nvSpPr>
+          <p:cNvPr id="2" name="Title 1">
+            <a:extLst>
+              <a:ext uri="{FF2B5EF4-FFF2-40B4-BE49-F238E27FC236}">
+                <a16:creationId xmlns:a16="http://schemas.microsoft.com/office/drawing/2014/main" id="{4927BB53-9B9C-129F-A1E3-EEB13FE26D89}"/>
+              </a:ext>
+            </a:extLst>
+          </p:cNvPr>
+          <p:cNvSpPr>
+            <a:spLocks noGrp="1"/>
+          </p:cNvSpPr>
+          <p:nvPr>
+            <p:ph type="title"/>
+          </p:nvPr>
+        </p:nvSpPr>
+        <p:spPr>
+          <a:xfrm>
+            <a:off x="279138" y="138412"/>
+            <a:ext cx="7886700" cy="1325565"/>
+          </a:xfrm>
+        </p:spPr>
+        <p:txBody>
+          <a:bodyPr/>
+          <a:lstStyle/>
+          <a:p>
+            <a:r>
+              <a:rPr lang="en-US" sz="4400" dirty="0">
+                <a:latin typeface="Helvetica"/>
+                <a:cs typeface="Helvetica"/>
+              </a:rPr>
+              <a:t>Outline</a:t>
+            </a:r>
+            <a:endParaRPr lang="en-US" sz="4400" dirty="0">
+              <a:latin typeface="Helvetica" pitchFamily="2" charset="0"/>
+              <a:cs typeface="Helvetica"/>
+            </a:endParaRPr>
+          </a:p>
+        </p:txBody>
+      </p:sp>
+      <p:sp>
+        <p:nvSpPr>
+          <p:cNvPr id="3" name="Content Placeholder 2">
+            <a:extLst>
+              <a:ext uri="{FF2B5EF4-FFF2-40B4-BE49-F238E27FC236}">
+                <a16:creationId xmlns:a16="http://schemas.microsoft.com/office/drawing/2014/main" id="{7D6D0FD1-C3AF-4B3B-2756-C8EC565B082F}"/>
+              </a:ext>
+            </a:extLst>
+          </p:cNvPr>
+          <p:cNvSpPr>
+            <a:spLocks noGrp="1"/>
+          </p:cNvSpPr>
+          <p:nvPr>
+            <p:ph idx="1"/>
+          </p:nvPr>
+        </p:nvSpPr>
+        <p:spPr>
+          <a:xfrm>
+            <a:off x="519343" y="1650355"/>
+            <a:ext cx="5406895" cy="3387815"/>
+          </a:xfrm>
+        </p:spPr>
+        <p:txBody>
+          <a:bodyPr vert="horz" lIns="91440" tIns="45720" rIns="91440" bIns="45720" rtlCol="0" anchor="t">
+            <a:normAutofit fontScale="92500" lnSpcReduction="10000"/>
+          </a:bodyPr>
+          <a:lstStyle/>
+          <a:p>
+            <a:pPr marL="342900" indent="-342900">
+              <a:lnSpc>
+                <a:spcPct val="109000"/>
+              </a:lnSpc>
+              <a:spcAft>
+                <a:spcPts val="1000"/>
+              </a:spcAft>
+              <a:buFont typeface="+mj-lt"/>
+              <a:buAutoNum type="arabicPeriod"/>
+            </a:pPr>
+            <a:r>
+              <a:rPr lang="en-CA" sz="3200" dirty="0">
+                <a:latin typeface="Helvetica" pitchFamily="2" charset="0"/>
+                <a:ea typeface="Arial" panose="020B0604020202020204" pitchFamily="34" charset="0"/>
+                <a:cs typeface="Helvetica" pitchFamily="2" charset="0"/>
+              </a:rPr>
+              <a:t>Data Manipulation/Wrangling</a:t>
+            </a:r>
+          </a:p>
+          <a:p>
+            <a:pPr marL="342900" indent="-342900">
+              <a:lnSpc>
+                <a:spcPct val="109000"/>
+              </a:lnSpc>
+              <a:spcAft>
+                <a:spcPts val="1000"/>
+              </a:spcAft>
+              <a:buFont typeface="+mj-lt"/>
+              <a:buAutoNum type="arabicPeriod"/>
+            </a:pPr>
+            <a:r>
+              <a:rPr lang="en-CA" sz="3200" dirty="0">
+                <a:latin typeface="Helvetica" pitchFamily="2" charset="0"/>
+                <a:ea typeface="Arial" panose="020B0604020202020204" pitchFamily="34" charset="0"/>
+                <a:cs typeface="Helvetica" pitchFamily="2" charset="0"/>
+              </a:rPr>
+              <a:t>Statistical Testing</a:t>
+            </a:r>
+          </a:p>
+          <a:p>
+            <a:pPr marL="342900" indent="-342900">
+              <a:lnSpc>
+                <a:spcPct val="109000"/>
+              </a:lnSpc>
+              <a:spcAft>
+                <a:spcPts val="1000"/>
+              </a:spcAft>
+              <a:buFont typeface="+mj-lt"/>
+              <a:buAutoNum type="arabicPeriod"/>
+            </a:pPr>
+            <a:r>
+              <a:rPr lang="en-CA" sz="3200" dirty="0">
+                <a:latin typeface="Helvetica" pitchFamily="2" charset="0"/>
+                <a:ea typeface="Arial" panose="020B0604020202020204" pitchFamily="34" charset="0"/>
+                <a:cs typeface="Helvetica" pitchFamily="2" charset="0"/>
+              </a:rPr>
+              <a:t>Linear Regression Models</a:t>
+            </a:r>
+          </a:p>
+          <a:p>
+            <a:pPr marL="342900" indent="-342900">
+              <a:lnSpc>
+                <a:spcPct val="109000"/>
+              </a:lnSpc>
+              <a:spcAft>
+                <a:spcPts val="1000"/>
+              </a:spcAft>
+              <a:buFont typeface="+mj-lt"/>
+              <a:buAutoNum type="arabicPeriod"/>
+            </a:pPr>
+            <a:r>
+              <a:rPr lang="en-CA" sz="3200" dirty="0">
+                <a:latin typeface="Helvetica" pitchFamily="2" charset="0"/>
+                <a:ea typeface="Arial" panose="020B0604020202020204" pitchFamily="34" charset="0"/>
+                <a:cs typeface="Helvetica" pitchFamily="2" charset="0"/>
+              </a:rPr>
+              <a:t>Logistic Regression Models</a:t>
+            </a:r>
+          </a:p>
+          <a:p>
+            <a:pPr marL="342900" indent="-342900">
+              <a:lnSpc>
+                <a:spcPct val="109000"/>
+              </a:lnSpc>
+              <a:spcAft>
+                <a:spcPts val="1000"/>
+              </a:spcAft>
+              <a:buFont typeface="+mj-lt"/>
+              <a:buAutoNum type="arabicPeriod"/>
+            </a:pPr>
+            <a:r>
+              <a:rPr lang="en-CA" sz="3200" dirty="0">
+                <a:latin typeface="Helvetica" pitchFamily="2" charset="0"/>
+                <a:ea typeface="Arial" panose="020B0604020202020204" pitchFamily="34" charset="0"/>
+                <a:cs typeface="Helvetica" pitchFamily="2" charset="0"/>
+              </a:rPr>
+              <a:t>Study Design</a:t>
+            </a:r>
+          </a:p>
+        </p:txBody>
+      </p:sp>
+      <p:sp>
+        <p:nvSpPr>
+          <p:cNvPr id="4" name="TextBox 3">
+            <a:extLst>
+              <a:ext uri="{FF2B5EF4-FFF2-40B4-BE49-F238E27FC236}">
+                <a16:creationId xmlns:a16="http://schemas.microsoft.com/office/drawing/2014/main" id="{43578A04-C04F-7F80-6DED-12231FAA1A65}"/>
+              </a:ext>
+            </a:extLst>
+          </p:cNvPr>
+          <p:cNvSpPr txBox="1"/>
+          <p:nvPr/>
+        </p:nvSpPr>
+        <p:spPr>
+          <a:xfrm>
+            <a:off x="6111433" y="4534578"/>
+            <a:ext cx="3032567" cy="1631216"/>
+          </a:xfrm>
+          <a:prstGeom prst="rect">
+            <a:avLst/>
+          </a:prstGeom>
+          <a:noFill/>
+        </p:spPr>
+        <p:txBody>
+          <a:bodyPr wrap="square" rtlCol="0">
+            <a:spAutoFit/>
+          </a:bodyPr>
+          <a:lstStyle/>
+          <a:p>
+            <a:pPr algn="ctr"/>
+            <a:r>
+              <a:rPr lang="en-CA" sz="2000" b="1" u="sng" dirty="0"/>
+              <a:t>Acknowledgements</a:t>
+            </a:r>
+            <a:endParaRPr lang="en-CA" sz="2000" dirty="0"/>
+          </a:p>
+          <a:p>
+            <a:pPr algn="ctr"/>
+            <a:r>
+              <a:rPr lang="en-CA" sz="2000" dirty="0"/>
+              <a:t>Gerardo Martinez</a:t>
+            </a:r>
+          </a:p>
+          <a:p>
+            <a:pPr algn="ctr"/>
+            <a:r>
+              <a:rPr lang="en-CA" sz="2000" dirty="0"/>
+              <a:t>Alex Diaz-</a:t>
+            </a:r>
+            <a:r>
+              <a:rPr lang="en-CA" sz="2000" dirty="0" err="1"/>
+              <a:t>Papkovich</a:t>
+            </a:r>
+            <a:endParaRPr lang="en-CA" sz="2000" dirty="0"/>
+          </a:p>
+          <a:p>
+            <a:pPr algn="ctr"/>
+            <a:r>
+              <a:rPr lang="en-CA" sz="2000" dirty="0"/>
+              <a:t>Larisa Morales Soto</a:t>
+            </a:r>
+          </a:p>
+          <a:p>
+            <a:pPr algn="ctr"/>
+            <a:r>
+              <a:rPr lang="en-CA" sz="2000" dirty="0"/>
+              <a:t>Lisa Sullivan  BUSPH</a:t>
+            </a:r>
+            <a:endParaRPr lang="en-US" sz="2000" dirty="0"/>
+          </a:p>
+        </p:txBody>
+      </p:sp>
+    </p:spTree>
+    <p:extLst>
+      <p:ext uri="{BB962C8B-B14F-4D97-AF65-F5344CB8AC3E}">
+        <p14:creationId xmlns:p14="http://schemas.microsoft.com/office/powerpoint/2010/main" val="742620507"/>
+      </p:ext>
+    </p:extLst>
+  </p:cSld>
+  <p:clrMapOvr>
+    <a:masterClrMapping/>
+  </p:clrMapOvr>
+</p:sld>
+</file>
+
+<file path=ppt/slides/slide6.xml><?xml version="1.0" encoding="utf-8"?>
+<p:sld xmlns:a="http://schemas.openxmlformats.org/drawingml/2006/main" xmlns:r="http://schemas.openxmlformats.org/officeDocument/2006/relationships" xmlns:p="http://schemas.openxmlformats.org/presentationml/2006/main">
+  <p:cSld>
+    <p:spTree>
+      <p:nvGrpSpPr>
         <p:cNvPr id="1" name=""/>
         <p:cNvGrpSpPr/>
         <p:nvPr/>
@@ -14207,7 +14662,7 @@
 </p:sld>
 </file>
 
-<file path=ppt/slides/slide6.xml><?xml version="1.0" encoding="utf-8"?>
+<file path=ppt/slides/slide7.xml><?xml version="1.0" encoding="utf-8"?>
 <p:sld xmlns:a="http://schemas.openxmlformats.org/drawingml/2006/main" xmlns:r="http://schemas.openxmlformats.org/officeDocument/2006/relationships" xmlns:p="http://schemas.openxmlformats.org/presentationml/2006/main">
   <p:cSld>
     <p:spTree>
@@ -14295,7 +14750,7 @@
 </p:sld>
 </file>
 
-<file path=ppt/slides/slide7.xml><?xml version="1.0" encoding="utf-8"?>
+<file path=ppt/slides/slide8.xml><?xml version="1.0" encoding="utf-8"?>
 <p:sld xmlns:a="http://schemas.openxmlformats.org/drawingml/2006/main" xmlns:r="http://schemas.openxmlformats.org/officeDocument/2006/relationships" xmlns:p="http://schemas.openxmlformats.org/presentationml/2006/main">
   <p:cSld>
     <p:spTree>
@@ -14481,7 +14936,7 @@
 </p:sld>
 </file>
 
-<file path=ppt/slides/slide8.xml><?xml version="1.0" encoding="utf-8"?>
+<file path=ppt/slides/slide9.xml><?xml version="1.0" encoding="utf-8"?>
 <p:sld xmlns:a="http://schemas.openxmlformats.org/drawingml/2006/main" xmlns:r="http://schemas.openxmlformats.org/officeDocument/2006/relationships" xmlns:p="http://schemas.openxmlformats.org/presentationml/2006/main">
   <p:cSld>
     <p:spTree>
@@ -14657,198 +15112,6 @@
     <p:extLst>
       <p:ext uri="{BB962C8B-B14F-4D97-AF65-F5344CB8AC3E}">
         <p14:creationId xmlns:p14="http://schemas.microsoft.com/office/powerpoint/2010/main" val="578451499"/>
-      </p:ext>
-    </p:extLst>
-  </p:cSld>
-  <p:clrMapOvr>
-    <a:masterClrMapping/>
-  </p:clrMapOvr>
-</p:sld>
-</file>
-
-<file path=ppt/slides/slide9.xml><?xml version="1.0" encoding="utf-8"?>
-<p:sld xmlns:a="http://schemas.openxmlformats.org/drawingml/2006/main" xmlns:r="http://schemas.openxmlformats.org/officeDocument/2006/relationships" xmlns:p="http://schemas.openxmlformats.org/presentationml/2006/main">
-  <p:cSld>
-    <p:spTree>
-      <p:nvGrpSpPr>
-        <p:cNvPr id="1" name="">
-          <a:extLst>
-            <a:ext uri="{FF2B5EF4-FFF2-40B4-BE49-F238E27FC236}">
-              <a16:creationId xmlns:a16="http://schemas.microsoft.com/office/drawing/2014/main" id="{F300EF8C-FABF-A1BD-478A-8DE25B3DF02C}"/>
-            </a:ext>
-          </a:extLst>
-        </p:cNvPr>
-        <p:cNvGrpSpPr/>
-        <p:nvPr/>
-      </p:nvGrpSpPr>
-      <p:grpSpPr>
-        <a:xfrm>
-          <a:off x="0" y="0"/>
-          <a:ext cx="0" cy="0"/>
-          <a:chOff x="0" y="0"/>
-          <a:chExt cx="0" cy="0"/>
-        </a:xfrm>
-      </p:grpSpPr>
-      <p:sp>
-        <p:nvSpPr>
-          <p:cNvPr id="2" name="Title 1">
-            <a:extLst>
-              <a:ext uri="{FF2B5EF4-FFF2-40B4-BE49-F238E27FC236}">
-                <a16:creationId xmlns:a16="http://schemas.microsoft.com/office/drawing/2014/main" id="{7EDEF89F-7684-26BA-3E79-00FD333A6A14}"/>
-              </a:ext>
-            </a:extLst>
-          </p:cNvPr>
-          <p:cNvSpPr>
-            <a:spLocks noGrp="1"/>
-          </p:cNvSpPr>
-          <p:nvPr>
-            <p:ph type="title"/>
-          </p:nvPr>
-        </p:nvSpPr>
-        <p:spPr/>
-        <p:txBody>
-          <a:bodyPr/>
-          <a:lstStyle/>
-          <a:p>
-            <a:r>
-              <a:rPr lang="en-US" b="1" dirty="0"/>
-              <a:t>Summarize</a:t>
-            </a:r>
-          </a:p>
-        </p:txBody>
-      </p:sp>
-      <p:pic>
-        <p:nvPicPr>
-          <p:cNvPr id="5" name="Picture 4" descr="Diagram, schematic&#10;&#10;Description automatically generated">
-            <a:extLst>
-              <a:ext uri="{FF2B5EF4-FFF2-40B4-BE49-F238E27FC236}">
-                <a16:creationId xmlns:a16="http://schemas.microsoft.com/office/drawing/2014/main" id="{F7A096B2-B10F-9029-D72B-2284812ABDF4}"/>
-              </a:ext>
-            </a:extLst>
-          </p:cNvPr>
-          <p:cNvPicPr>
-            <a:picLocks noChangeAspect="1"/>
-          </p:cNvPicPr>
-          <p:nvPr/>
-        </p:nvPicPr>
-        <p:blipFill>
-          <a:blip r:embed="rId2"/>
-          <a:stretch>
-            <a:fillRect/>
-          </a:stretch>
-        </p:blipFill>
-        <p:spPr>
-          <a:xfrm>
-            <a:off x="1599853" y="1449216"/>
-            <a:ext cx="5494215" cy="4830719"/>
-          </a:xfrm>
-          <a:prstGeom prst="rect">
-            <a:avLst/>
-          </a:prstGeom>
-        </p:spPr>
-      </p:pic>
-      <p:sp>
-        <p:nvSpPr>
-          <p:cNvPr id="3" name="TextBox 2">
-            <a:extLst>
-              <a:ext uri="{FF2B5EF4-FFF2-40B4-BE49-F238E27FC236}">
-                <a16:creationId xmlns:a16="http://schemas.microsoft.com/office/drawing/2014/main" id="{51BE2CF9-8E8F-B0F9-71F6-1507F983FAA9}"/>
-              </a:ext>
-            </a:extLst>
-          </p:cNvPr>
-          <p:cNvSpPr txBox="1"/>
-          <p:nvPr/>
-        </p:nvSpPr>
-        <p:spPr>
-          <a:xfrm>
-            <a:off x="3744091" y="-23670"/>
-            <a:ext cx="6844811" cy="307777"/>
-          </a:xfrm>
-          <a:prstGeom prst="rect">
-            <a:avLst/>
-          </a:prstGeom>
-          <a:noFill/>
-        </p:spPr>
-        <p:txBody>
-          <a:bodyPr wrap="square">
-            <a:spAutoFit/>
-          </a:bodyPr>
-          <a:lstStyle/>
-          <a:p>
-            <a:r>
-              <a:rPr lang="en-US" sz="1400" i="1" dirty="0">
-                <a:solidFill>
-                  <a:schemeClr val="bg1">
-                    <a:lumMod val="65000"/>
-                  </a:schemeClr>
-                </a:solidFill>
-              </a:rPr>
-              <a:t>https://</a:t>
-            </a:r>
-            <a:r>
-              <a:rPr lang="en-US" sz="1400" i="1" dirty="0" err="1">
-                <a:solidFill>
-                  <a:schemeClr val="bg1">
-                    <a:lumMod val="65000"/>
-                  </a:schemeClr>
-                </a:solidFill>
-              </a:rPr>
-              <a:t>swcarpentry.github.io</a:t>
-            </a:r>
-            <a:r>
-              <a:rPr lang="en-US" sz="1400" i="1" dirty="0">
-                <a:solidFill>
-                  <a:schemeClr val="bg1">
-                    <a:lumMod val="65000"/>
-                  </a:schemeClr>
-                </a:solidFill>
-              </a:rPr>
-              <a:t>/r-novice-</a:t>
-            </a:r>
-            <a:r>
-              <a:rPr lang="en-US" sz="1400" i="1" dirty="0" err="1">
-                <a:solidFill>
-                  <a:schemeClr val="bg1">
-                    <a:lumMod val="65000"/>
-                  </a:schemeClr>
-                </a:solidFill>
-              </a:rPr>
-              <a:t>gapminder</a:t>
-            </a:r>
-            <a:r>
-              <a:rPr lang="en-US" sz="1400" i="1" dirty="0">
-                <a:solidFill>
-                  <a:schemeClr val="bg1">
-                    <a:lumMod val="65000"/>
-                  </a:schemeClr>
-                </a:solidFill>
-              </a:rPr>
-              <a:t>/13-dplyr/</a:t>
-            </a:r>
-            <a:r>
-              <a:rPr lang="en-US" sz="1400" i="1" dirty="0" err="1">
-                <a:solidFill>
-                  <a:schemeClr val="bg1">
-                    <a:lumMod val="65000"/>
-                  </a:schemeClr>
-                </a:solidFill>
-              </a:rPr>
-              <a:t>index.html</a:t>
-            </a:r>
-            <a:endParaRPr lang="en-US" sz="1400" i="1" dirty="0">
-              <a:solidFill>
-                <a:schemeClr val="bg1">
-                  <a:lumMod val="65000"/>
-                </a:schemeClr>
-              </a:solidFill>
-            </a:endParaRPr>
-          </a:p>
-        </p:txBody>
-      </p:sp>
-    </p:spTree>
-    <p:extLst>
-      <p:ext uri="{BB962C8B-B14F-4D97-AF65-F5344CB8AC3E}">
-        <p14:creationId xmlns:p14="http://schemas.microsoft.com/office/powerpoint/2010/main" val="78875540"/>
       </p:ext>
     </p:extLst>
   </p:cSld>
